--- a/presentations/final/final.pptx
+++ b/presentations/final/final.pptx
@@ -5,10 +5,10 @@
     <p:sldMasterId id="2147483648" r:id="rId1"/>
   </p:sldMasterIdLst>
   <p:notesMasterIdLst>
-    <p:notesMasterId r:id="rId13"/>
+    <p:notesMasterId r:id="rId17"/>
   </p:notesMasterIdLst>
   <p:handoutMasterIdLst>
-    <p:handoutMasterId r:id="rId14"/>
+    <p:handoutMasterId r:id="rId18"/>
   </p:handoutMasterIdLst>
   <p:sldIdLst>
     <p:sldId id="256" r:id="rId2"/>
@@ -16,12 +16,16 @@
     <p:sldId id="321" r:id="rId4"/>
     <p:sldId id="323" r:id="rId5"/>
     <p:sldId id="325" r:id="rId6"/>
-    <p:sldId id="326" r:id="rId7"/>
-    <p:sldId id="324" r:id="rId8"/>
+    <p:sldId id="331" r:id="rId7"/>
+    <p:sldId id="326" r:id="rId8"/>
     <p:sldId id="313" r:id="rId9"/>
-    <p:sldId id="317" r:id="rId10"/>
-    <p:sldId id="328" r:id="rId11"/>
-    <p:sldId id="327" r:id="rId12"/>
+    <p:sldId id="330" r:id="rId10"/>
+    <p:sldId id="317" r:id="rId11"/>
+    <p:sldId id="328" r:id="rId12"/>
+    <p:sldId id="329" r:id="rId13"/>
+    <p:sldId id="327" r:id="rId14"/>
+    <p:sldId id="333" r:id="rId15"/>
+    <p:sldId id="332" r:id="rId16"/>
   </p:sldIdLst>
   <p:sldSz cx="12192000" cy="6858000"/>
   <p:notesSz cx="6858000" cy="9144000"/>
@@ -1256,151 +1260,6 @@
 </file>
 
 <file path=ppt/notesSlides/notesSlide5.xml><?xml version="1.0" encoding="utf-8"?>
-<p:notes xmlns:a="http://schemas.openxmlformats.org/drawingml/2006/main" xmlns:r="http://schemas.openxmlformats.org/officeDocument/2006/relationships" xmlns:p="http://schemas.openxmlformats.org/presentationml/2006/main">
-  <p:cSld>
-    <p:spTree>
-      <p:nvGrpSpPr>
-        <p:cNvPr id="1" name=""/>
-        <p:cNvGrpSpPr/>
-        <p:nvPr/>
-      </p:nvGrpSpPr>
-      <p:grpSpPr>
-        <a:xfrm>
-          <a:off x="0" y="0"/>
-          <a:ext cx="0" cy="0"/>
-          <a:chOff x="0" y="0"/>
-          <a:chExt cx="0" cy="0"/>
-        </a:xfrm>
-      </p:grpSpPr>
-      <p:sp>
-        <p:nvSpPr>
-          <p:cNvPr id="2" name="Folienbildplatzhalter 1"/>
-          <p:cNvSpPr>
-            <a:spLocks noGrp="1" noRot="1" noChangeAspect="1"/>
-          </p:cNvSpPr>
-          <p:nvPr>
-            <p:ph type="sldImg"/>
-          </p:nvPr>
-        </p:nvSpPr>
-        <p:spPr/>
-      </p:sp>
-      <p:sp>
-        <p:nvSpPr>
-          <p:cNvPr id="3" name="Notizenplatzhalter 2"/>
-          <p:cNvSpPr>
-            <a:spLocks noGrp="1"/>
-          </p:cNvSpPr>
-          <p:nvPr>
-            <p:ph type="body" idx="1"/>
-          </p:nvPr>
-        </p:nvSpPr>
-        <p:spPr/>
-        <p:txBody>
-          <a:bodyPr/>
-          <a:lstStyle/>
-          <a:p>
-            <a:endParaRPr lang="de-DE" dirty="0"/>
-          </a:p>
-        </p:txBody>
-      </p:sp>
-      <p:sp>
-        <p:nvSpPr>
-          <p:cNvPr id="4" name="Kopfzeilenplatzhalter 3"/>
-          <p:cNvSpPr>
-            <a:spLocks noGrp="1"/>
-          </p:cNvSpPr>
-          <p:nvPr>
-            <p:ph type="hdr" sz="quarter" idx="10"/>
-          </p:nvPr>
-        </p:nvSpPr>
-        <p:spPr/>
-        <p:txBody>
-          <a:bodyPr/>
-          <a:lstStyle/>
-          <a:p>
-            <a:endParaRPr lang="de-DE"/>
-          </a:p>
-        </p:txBody>
-      </p:sp>
-      <p:sp>
-        <p:nvSpPr>
-          <p:cNvPr id="5" name="Datumsplatzhalter 4"/>
-          <p:cNvSpPr>
-            <a:spLocks noGrp="1"/>
-          </p:cNvSpPr>
-          <p:nvPr>
-            <p:ph type="dt" idx="11"/>
-          </p:nvPr>
-        </p:nvSpPr>
-        <p:spPr/>
-        <p:txBody>
-          <a:bodyPr/>
-          <a:lstStyle/>
-          <a:p>
-            <a:fld id="{27595D85-8732-4112-A366-780982A7146E}" type="datetime1">
-              <a:rPr lang="de-DE" smtClean="0"/>
-              <a:t>22.02.2020</a:t>
-            </a:fld>
-            <a:endParaRPr lang="de-DE"/>
-          </a:p>
-        </p:txBody>
-      </p:sp>
-      <p:sp>
-        <p:nvSpPr>
-          <p:cNvPr id="6" name="Fußzeilenplatzhalter 5"/>
-          <p:cNvSpPr>
-            <a:spLocks noGrp="1"/>
-          </p:cNvSpPr>
-          <p:nvPr>
-            <p:ph type="ftr" sz="quarter" idx="12"/>
-          </p:nvPr>
-        </p:nvSpPr>
-        <p:spPr/>
-        <p:txBody>
-          <a:bodyPr/>
-          <a:lstStyle/>
-          <a:p>
-            <a:endParaRPr lang="de-DE"/>
-          </a:p>
-        </p:txBody>
-      </p:sp>
-      <p:sp>
-        <p:nvSpPr>
-          <p:cNvPr id="7" name="Foliennummernplatzhalter 6"/>
-          <p:cNvSpPr>
-            <a:spLocks noGrp="1"/>
-          </p:cNvSpPr>
-          <p:nvPr>
-            <p:ph type="sldNum" sz="quarter" idx="13"/>
-          </p:nvPr>
-        </p:nvSpPr>
-        <p:spPr/>
-        <p:txBody>
-          <a:bodyPr/>
-          <a:lstStyle/>
-          <a:p>
-            <a:fld id="{E3183F9E-400F-4DFF-BD42-09DB006F263D}" type="slidenum">
-              <a:rPr lang="de-DE" smtClean="0"/>
-              <a:t>7</a:t>
-            </a:fld>
-            <a:endParaRPr lang="de-DE"/>
-          </a:p>
-        </p:txBody>
-      </p:sp>
-    </p:spTree>
-    <p:extLst>
-      <p:ext uri="{BB962C8B-B14F-4D97-AF65-F5344CB8AC3E}">
-        <p14:creationId xmlns:p14="http://schemas.microsoft.com/office/powerpoint/2010/main" val="3650591569"/>
-      </p:ext>
-    </p:extLst>
-  </p:cSld>
-  <p:clrMapOvr>
-    <a:masterClrMapping/>
-  </p:clrMapOvr>
-</p:notes>
-</file>
-
-<file path=ppt/notesSlides/notesSlide6.xml><?xml version="1.0" encoding="utf-8"?>
 <p:notes xmlns:a="http://schemas.openxmlformats.org/drawingml/2006/main" xmlns:r="http://schemas.openxmlformats.org/officeDocument/2006/relationships" xmlns:p="http://schemas.openxmlformats.org/presentationml/2006/main">
   <p:cSld>
     <p:spTree>
@@ -5116,12 +4975,48 @@
           <a:chExt cx="0" cy="0"/>
         </a:xfrm>
       </p:grpSpPr>
+      <p:pic>
+        <p:nvPicPr>
+          <p:cNvPr id="56" name="Grafik 55" descr="Ein Bild, das Kuchen, schließen, Stück, Schnee enthält.&#10;&#10;Automatisch generierte Beschreibung">
+            <a:extLst>
+              <a:ext uri="{FF2B5EF4-FFF2-40B4-BE49-F238E27FC236}">
+                <a16:creationId xmlns:a16="http://schemas.microsoft.com/office/drawing/2014/main" id="{931B1693-86D6-4C1F-B500-022FB233033A}"/>
+              </a:ext>
+            </a:extLst>
+          </p:cNvPr>
+          <p:cNvPicPr>
+            <a:picLocks noChangeAspect="1"/>
+          </p:cNvPicPr>
+          <p:nvPr/>
+        </p:nvPicPr>
+        <p:blipFill>
+          <a:blip r:embed="rId2">
+            <a:extLst>
+              <a:ext uri="{28A0092B-C50C-407E-A947-70E740481C1C}">
+                <a14:useLocalDpi xmlns:a14="http://schemas.microsoft.com/office/drawing/2010/main" val="0"/>
+              </a:ext>
+            </a:extLst>
+          </a:blip>
+          <a:stretch>
+            <a:fillRect/>
+          </a:stretch>
+        </p:blipFill>
+        <p:spPr>
+          <a:xfrm rot="16200000">
+            <a:off x="7220917" y="1879641"/>
+            <a:ext cx="3600280" cy="3600284"/>
+          </a:xfrm>
+          <a:prstGeom prst="rect">
+            <a:avLst/>
+          </a:prstGeom>
+        </p:spPr>
+      </p:pic>
       <p:sp>
         <p:nvSpPr>
           <p:cNvPr id="2" name="Titel 1">
             <a:extLst>
               <a:ext uri="{FF2B5EF4-FFF2-40B4-BE49-F238E27FC236}">
-                <a16:creationId xmlns:a16="http://schemas.microsoft.com/office/drawing/2014/main" id="{941973DD-6E18-48DF-B74B-1DE7EC726B4E}"/>
+                <a16:creationId xmlns:a16="http://schemas.microsoft.com/office/drawing/2014/main" id="{B0291085-4204-4EE2-B9F7-A131B44E045C}"/>
               </a:ext>
             </a:extLst>
           </p:cNvPr>
@@ -5138,133 +5033,10 @@
           <a:lstStyle/>
           <a:p>
             <a:r>
-              <a:rPr lang="de-DE" dirty="0"/>
-              <a:t>Patch Sampling in Redner</a:t>
-            </a:r>
-          </a:p>
-        </p:txBody>
-      </p:sp>
-      <p:sp>
-        <p:nvSpPr>
-          <p:cNvPr id="3" name="Inhaltsplatzhalter 2">
-            <a:extLst>
-              <a:ext uri="{FF2B5EF4-FFF2-40B4-BE49-F238E27FC236}">
-                <a16:creationId xmlns:a16="http://schemas.microsoft.com/office/drawing/2014/main" id="{F19100E5-9C8D-4FCE-B397-BC5EB1895759}"/>
-              </a:ext>
-            </a:extLst>
-          </p:cNvPr>
-          <p:cNvSpPr>
-            <a:spLocks noGrp="1"/>
-          </p:cNvSpPr>
-          <p:nvPr>
-            <p:ph idx="1"/>
-          </p:nvPr>
-        </p:nvSpPr>
-        <p:spPr/>
-        <p:txBody>
-          <a:bodyPr/>
-          <a:lstStyle/>
-          <a:p>
-            <a:r>
-              <a:rPr lang="de-DE" dirty="0"/>
-              <a:t>TODO: Explanation </a:t>
-            </a:r>
-            <a:r>
-              <a:rPr lang="de-DE" dirty="0" err="1"/>
-              <a:t>of</a:t>
-            </a:r>
-            <a:r>
-              <a:rPr lang="de-DE" dirty="0"/>
-              <a:t> </a:t>
-            </a:r>
-            <a:r>
-              <a:rPr lang="de-DE" dirty="0" err="1"/>
-              <a:t>manual</a:t>
-            </a:r>
-            <a:r>
-              <a:rPr lang="de-DE" dirty="0"/>
-              <a:t> </a:t>
-            </a:r>
-            <a:r>
-              <a:rPr lang="de-DE" dirty="0" err="1"/>
-              <a:t>derivates</a:t>
-            </a:r>
-            <a:r>
-              <a:rPr lang="de-DE" dirty="0"/>
-              <a:t> in C++ and </a:t>
-            </a:r>
-            <a:r>
-              <a:rPr lang="de-DE" dirty="0" err="1"/>
-              <a:t>video</a:t>
-            </a:r>
-            <a:r>
-              <a:rPr lang="de-DE" dirty="0"/>
-              <a:t> </a:t>
-            </a:r>
-            <a:r>
-              <a:rPr lang="de-DE" dirty="0" err="1"/>
-              <a:t>showing</a:t>
-            </a:r>
-            <a:r>
-              <a:rPr lang="de-DE" dirty="0"/>
-              <a:t> </a:t>
-            </a:r>
-            <a:r>
-              <a:rPr lang="de-DE" dirty="0" err="1"/>
-              <a:t>that</a:t>
-            </a:r>
-            <a:r>
-              <a:rPr lang="de-DE" dirty="0"/>
-              <a:t> </a:t>
-            </a:r>
-            <a:r>
-              <a:rPr lang="de-DE" dirty="0" err="1"/>
-              <a:t>the</a:t>
-            </a:r>
-            <a:r>
-              <a:rPr lang="de-DE" dirty="0"/>
-              <a:t> derivatives </a:t>
-            </a:r>
-            <a:r>
-              <a:rPr lang="de-DE" dirty="0" err="1"/>
-              <a:t>work</a:t>
-            </a:r>
-            <a:r>
-              <a:rPr lang="de-DE" dirty="0"/>
-              <a:t> (material </a:t>
-            </a:r>
-            <a:r>
-              <a:rPr lang="de-DE" dirty="0" err="1"/>
-              <a:t>optimization</a:t>
-            </a:r>
-            <a:r>
-              <a:rPr lang="de-DE" dirty="0"/>
-              <a:t> </a:t>
-            </a:r>
-            <a:r>
-              <a:rPr lang="de-DE" dirty="0" err="1"/>
-              <a:t>by</a:t>
-            </a:r>
-            <a:r>
-              <a:rPr lang="de-DE" dirty="0"/>
-              <a:t> </a:t>
-            </a:r>
-            <a:r>
-              <a:rPr lang="de-DE" dirty="0" err="1"/>
-              <a:t>comparing</a:t>
-            </a:r>
-            <a:r>
-              <a:rPr lang="de-DE" dirty="0"/>
-              <a:t> </a:t>
-            </a:r>
-            <a:r>
-              <a:rPr lang="de-DE" dirty="0" err="1"/>
-              <a:t>renderings</a:t>
-            </a:r>
-            <a:r>
-              <a:rPr lang="de-DE" dirty="0"/>
-              <a:t>) </a:t>
-            </a:r>
+              <a:rPr lang="en-US" dirty="0"/>
+              <a:t>Renderer Output</a:t>
+            </a:r>
+            <a:endParaRPr lang="de-DE" dirty="0"/>
           </a:p>
         </p:txBody>
       </p:sp>
@@ -5273,7 +5045,7 @@
           <p:cNvPr id="4" name="Datumsplatzhalter 3">
             <a:extLst>
               <a:ext uri="{FF2B5EF4-FFF2-40B4-BE49-F238E27FC236}">
-                <a16:creationId xmlns:a16="http://schemas.microsoft.com/office/drawing/2014/main" id="{723C397B-FC6A-4057-94C6-1B1A89CA49F9}"/>
+                <a16:creationId xmlns:a16="http://schemas.microsoft.com/office/drawing/2014/main" id="{4F603292-192B-4585-B260-41E1E4A5A144}"/>
               </a:ext>
             </a:extLst>
           </p:cNvPr>
@@ -5301,7 +5073,7 @@
           <p:cNvPr id="5" name="Fußzeilenplatzhalter 4">
             <a:extLst>
               <a:ext uri="{FF2B5EF4-FFF2-40B4-BE49-F238E27FC236}">
-                <a16:creationId xmlns:a16="http://schemas.microsoft.com/office/drawing/2014/main" id="{D5B1BB4B-DA22-4C6B-AB3A-C342858916FB}"/>
+                <a16:creationId xmlns:a16="http://schemas.microsoft.com/office/drawing/2014/main" id="{61D585D4-DF1A-4E59-A394-DE2EF4A6F112}"/>
               </a:ext>
             </a:extLst>
           </p:cNvPr>
@@ -5329,7 +5101,7 @@
           <p:cNvPr id="6" name="Foliennummernplatzhalter 5">
             <a:extLst>
               <a:ext uri="{FF2B5EF4-FFF2-40B4-BE49-F238E27FC236}">
-                <a16:creationId xmlns:a16="http://schemas.microsoft.com/office/drawing/2014/main" id="{5EADE200-37C6-4817-91D8-F48F05A25F78}"/>
+                <a16:creationId xmlns:a16="http://schemas.microsoft.com/office/drawing/2014/main" id="{1315D823-99DF-460B-A297-38FB6DE0B535}"/>
               </a:ext>
             </a:extLst>
           </p:cNvPr>
@@ -5353,10 +5125,473 @@
           </a:p>
         </p:txBody>
       </p:sp>
+      <p:pic>
+        <p:nvPicPr>
+          <p:cNvPr id="50" name="Grafik 49" descr="Ein Bild, das Tisch, sitzend, drinnen, Laptop enthält.&#10;&#10;Automatisch generierte Beschreibung">
+            <a:extLst>
+              <a:ext uri="{FF2B5EF4-FFF2-40B4-BE49-F238E27FC236}">
+                <a16:creationId xmlns:a16="http://schemas.microsoft.com/office/drawing/2014/main" id="{3533A406-96A1-492A-A4A4-ACBCB4F2C7C0}"/>
+              </a:ext>
+            </a:extLst>
+          </p:cNvPr>
+          <p:cNvPicPr>
+            <a:picLocks noChangeAspect="1"/>
+          </p:cNvPicPr>
+          <p:nvPr/>
+        </p:nvPicPr>
+        <p:blipFill>
+          <a:blip r:embed="rId3">
+            <a:extLst>
+              <a:ext uri="{28A0092B-C50C-407E-A947-70E740481C1C}">
+                <a14:useLocalDpi xmlns:a14="http://schemas.microsoft.com/office/drawing/2010/main" val="0"/>
+              </a:ext>
+            </a:extLst>
+          </a:blip>
+          <a:stretch>
+            <a:fillRect/>
+          </a:stretch>
+        </p:blipFill>
+        <p:spPr>
+          <a:xfrm>
+            <a:off x="574391" y="2358544"/>
+            <a:ext cx="4656762" cy="2328384"/>
+          </a:xfrm>
+          <a:prstGeom prst="rect">
+            <a:avLst/>
+          </a:prstGeom>
+        </p:spPr>
+      </p:pic>
+      <p:cxnSp>
+        <p:nvCxnSpPr>
+          <p:cNvPr id="33" name="Gerade Verbindung mit Pfeil 32">
+            <a:extLst>
+              <a:ext uri="{FF2B5EF4-FFF2-40B4-BE49-F238E27FC236}">
+                <a16:creationId xmlns:a16="http://schemas.microsoft.com/office/drawing/2014/main" id="{BAB97CAC-42E8-4ED9-93A0-81E4D51FD310}"/>
+              </a:ext>
+            </a:extLst>
+          </p:cNvPr>
+          <p:cNvCxnSpPr>
+            <a:cxnSpLocks/>
+          </p:cNvCxnSpPr>
+          <p:nvPr/>
+        </p:nvCxnSpPr>
+        <p:spPr>
+          <a:xfrm>
+            <a:off x="4876800" y="4212510"/>
+            <a:ext cx="5944399" cy="1267413"/>
+          </a:xfrm>
+          <a:prstGeom prst="straightConnector1">
+            <a:avLst/>
+          </a:prstGeom>
+          <a:ln w="12700">
+            <a:solidFill>
+              <a:srgbClr val="C00000"/>
+            </a:solidFill>
+            <a:prstDash val="lgDash"/>
+            <a:tailEnd type="triangle"/>
+          </a:ln>
+        </p:spPr>
+        <p:style>
+          <a:lnRef idx="1">
+            <a:schemeClr val="accent1"/>
+          </a:lnRef>
+          <a:fillRef idx="0">
+            <a:schemeClr val="accent1"/>
+          </a:fillRef>
+          <a:effectRef idx="0">
+            <a:schemeClr val="accent1"/>
+          </a:effectRef>
+          <a:fontRef idx="minor">
+            <a:schemeClr val="tx1"/>
+          </a:fontRef>
+        </p:style>
+      </p:cxnSp>
+      <p:cxnSp>
+        <p:nvCxnSpPr>
+          <p:cNvPr id="21" name="Gerade Verbindung mit Pfeil 20">
+            <a:extLst>
+              <a:ext uri="{FF2B5EF4-FFF2-40B4-BE49-F238E27FC236}">
+                <a16:creationId xmlns:a16="http://schemas.microsoft.com/office/drawing/2014/main" id="{389CF5BC-699A-4288-B2E0-00381B045B7E}"/>
+              </a:ext>
+            </a:extLst>
+          </p:cNvPr>
+          <p:cNvCxnSpPr>
+            <a:cxnSpLocks/>
+          </p:cNvCxnSpPr>
+          <p:nvPr/>
+        </p:nvCxnSpPr>
+        <p:spPr>
+          <a:xfrm flipV="1">
+            <a:off x="3623946" y="1872405"/>
+            <a:ext cx="7197253" cy="1382424"/>
+          </a:xfrm>
+          <a:prstGeom prst="straightConnector1">
+            <a:avLst/>
+          </a:prstGeom>
+          <a:ln w="12700">
+            <a:solidFill>
+              <a:srgbClr val="C00000"/>
+            </a:solidFill>
+            <a:prstDash val="lgDash"/>
+            <a:tailEnd type="triangle"/>
+          </a:ln>
+        </p:spPr>
+        <p:style>
+          <a:lnRef idx="1">
+            <a:schemeClr val="accent1"/>
+          </a:lnRef>
+          <a:fillRef idx="0">
+            <a:schemeClr val="accent1"/>
+          </a:fillRef>
+          <a:effectRef idx="0">
+            <a:schemeClr val="accent1"/>
+          </a:effectRef>
+          <a:fontRef idx="minor">
+            <a:schemeClr val="tx1"/>
+          </a:fontRef>
+        </p:style>
+      </p:cxnSp>
+      <p:cxnSp>
+        <p:nvCxnSpPr>
+          <p:cNvPr id="27" name="Gerade Verbindung mit Pfeil 26">
+            <a:extLst>
+              <a:ext uri="{FF2B5EF4-FFF2-40B4-BE49-F238E27FC236}">
+                <a16:creationId xmlns:a16="http://schemas.microsoft.com/office/drawing/2014/main" id="{E37FFB06-9C24-47BA-A219-887944AD749A}"/>
+              </a:ext>
+            </a:extLst>
+          </p:cNvPr>
+          <p:cNvCxnSpPr>
+            <a:cxnSpLocks/>
+          </p:cNvCxnSpPr>
+          <p:nvPr/>
+        </p:nvCxnSpPr>
+        <p:spPr>
+          <a:xfrm flipV="1">
+            <a:off x="2209800" y="1879643"/>
+            <a:ext cx="5011115" cy="1382423"/>
+          </a:xfrm>
+          <a:prstGeom prst="straightConnector1">
+            <a:avLst/>
+          </a:prstGeom>
+          <a:ln w="12700">
+            <a:solidFill>
+              <a:srgbClr val="C00000"/>
+            </a:solidFill>
+            <a:prstDash val="lgDash"/>
+            <a:tailEnd type="triangle"/>
+          </a:ln>
+        </p:spPr>
+        <p:style>
+          <a:lnRef idx="1">
+            <a:schemeClr val="accent1"/>
+          </a:lnRef>
+          <a:fillRef idx="0">
+            <a:schemeClr val="accent1"/>
+          </a:fillRef>
+          <a:effectRef idx="0">
+            <a:schemeClr val="accent1"/>
+          </a:effectRef>
+          <a:fontRef idx="minor">
+            <a:schemeClr val="tx1"/>
+          </a:fontRef>
+        </p:style>
+      </p:cxnSp>
+      <p:cxnSp>
+        <p:nvCxnSpPr>
+          <p:cNvPr id="30" name="Gerade Verbindung mit Pfeil 29">
+            <a:extLst>
+              <a:ext uri="{FF2B5EF4-FFF2-40B4-BE49-F238E27FC236}">
+                <a16:creationId xmlns:a16="http://schemas.microsoft.com/office/drawing/2014/main" id="{6C4A44E6-A2C6-4AD9-9BFE-D14774D9F5CA}"/>
+              </a:ext>
+            </a:extLst>
+          </p:cNvPr>
+          <p:cNvCxnSpPr>
+            <a:cxnSpLocks/>
+          </p:cNvCxnSpPr>
+          <p:nvPr/>
+        </p:nvCxnSpPr>
+        <p:spPr>
+          <a:xfrm>
+            <a:off x="906494" y="4212510"/>
+            <a:ext cx="6314421" cy="1267413"/>
+          </a:xfrm>
+          <a:prstGeom prst="straightConnector1">
+            <a:avLst/>
+          </a:prstGeom>
+          <a:ln w="12700">
+            <a:solidFill>
+              <a:srgbClr val="C00000"/>
+            </a:solidFill>
+            <a:prstDash val="lgDash"/>
+            <a:tailEnd type="triangle"/>
+          </a:ln>
+        </p:spPr>
+        <p:style>
+          <a:lnRef idx="1">
+            <a:schemeClr val="accent1"/>
+          </a:lnRef>
+          <a:fillRef idx="0">
+            <a:schemeClr val="accent1"/>
+          </a:fillRef>
+          <a:effectRef idx="0">
+            <a:schemeClr val="accent1"/>
+          </a:effectRef>
+          <a:fontRef idx="minor">
+            <a:schemeClr val="tx1"/>
+          </a:fontRef>
+        </p:style>
+      </p:cxnSp>
+      <p:sp>
+        <p:nvSpPr>
+          <p:cNvPr id="38" name="Textfeld 37">
+            <a:extLst>
+              <a:ext uri="{FF2B5EF4-FFF2-40B4-BE49-F238E27FC236}">
+                <a16:creationId xmlns:a16="http://schemas.microsoft.com/office/drawing/2014/main" id="{C1DA9053-A6C6-45AE-9A9D-E2FE138B1C25}"/>
+              </a:ext>
+            </a:extLst>
+          </p:cNvPr>
+          <p:cNvSpPr txBox="1"/>
+          <p:nvPr/>
+        </p:nvSpPr>
+        <p:spPr>
+          <a:xfrm>
+            <a:off x="7736859" y="1351382"/>
+            <a:ext cx="2568395" cy="369332"/>
+          </a:xfrm>
+          <a:prstGeom prst="rect">
+            <a:avLst/>
+          </a:prstGeom>
+          <a:noFill/>
+        </p:spPr>
+        <p:txBody>
+          <a:bodyPr wrap="none" rtlCol="0">
+            <a:spAutoFit/>
+          </a:bodyPr>
+          <a:lstStyle/>
+          <a:p>
+            <a:r>
+              <a:rPr lang="de-DE" dirty="0"/>
+              <a:t>Solution: </a:t>
+            </a:r>
+            <a:r>
+              <a:rPr lang="de-DE" dirty="0" err="1"/>
+              <a:t>patch</a:t>
+            </a:r>
+            <a:r>
+              <a:rPr lang="de-DE" dirty="0"/>
+              <a:t> </a:t>
+            </a:r>
+            <a:r>
+              <a:rPr lang="de-DE" dirty="0" err="1"/>
+              <a:t>rendering</a:t>
+            </a:r>
+            <a:endParaRPr lang="de-DE" dirty="0"/>
+          </a:p>
+        </p:txBody>
+      </p:sp>
+      <p:sp>
+        <p:nvSpPr>
+          <p:cNvPr id="39" name="Textfeld 38">
+            <a:extLst>
+              <a:ext uri="{FF2B5EF4-FFF2-40B4-BE49-F238E27FC236}">
+                <a16:creationId xmlns:a16="http://schemas.microsoft.com/office/drawing/2014/main" id="{7850D428-B2C1-4485-B1A6-1EE6767CE1F2}"/>
+              </a:ext>
+            </a:extLst>
+          </p:cNvPr>
+          <p:cNvSpPr txBox="1"/>
+          <p:nvPr/>
+        </p:nvSpPr>
+        <p:spPr>
+          <a:xfrm>
+            <a:off x="947124" y="1560965"/>
+            <a:ext cx="3166123" cy="369332"/>
+          </a:xfrm>
+          <a:prstGeom prst="rect">
+            <a:avLst/>
+          </a:prstGeom>
+          <a:noFill/>
+        </p:spPr>
+        <p:txBody>
+          <a:bodyPr wrap="none" rtlCol="0">
+            <a:spAutoFit/>
+          </a:bodyPr>
+          <a:lstStyle/>
+          <a:p>
+            <a:r>
+              <a:rPr lang="de-DE" dirty="0" err="1"/>
+              <a:t>No</a:t>
+            </a:r>
+            <a:r>
+              <a:rPr lang="de-DE" dirty="0"/>
+              <a:t> </a:t>
+            </a:r>
+            <a:r>
+              <a:rPr lang="de-DE" dirty="0" err="1"/>
+              <a:t>data</a:t>
+            </a:r>
+            <a:r>
+              <a:rPr lang="de-DE" dirty="0"/>
+              <a:t> </a:t>
+            </a:r>
+            <a:r>
+              <a:rPr lang="de-DE" dirty="0" err="1"/>
+              <a:t>for</a:t>
+            </a:r>
+            <a:r>
+              <a:rPr lang="de-DE" dirty="0"/>
+              <a:t> </a:t>
+            </a:r>
+            <a:r>
+              <a:rPr lang="de-DE" dirty="0" err="1"/>
+              <a:t>weight</a:t>
+            </a:r>
+            <a:r>
+              <a:rPr lang="de-DE" dirty="0"/>
+              <a:t> </a:t>
+            </a:r>
+            <a:r>
+              <a:rPr lang="de-DE" dirty="0" err="1"/>
+              <a:t>optimization</a:t>
+            </a:r>
+            <a:endParaRPr lang="de-DE" dirty="0"/>
+          </a:p>
+        </p:txBody>
+      </p:sp>
+      <p:cxnSp>
+        <p:nvCxnSpPr>
+          <p:cNvPr id="37" name="Gerade Verbindung mit Pfeil 36">
+            <a:extLst>
+              <a:ext uri="{FF2B5EF4-FFF2-40B4-BE49-F238E27FC236}">
+                <a16:creationId xmlns:a16="http://schemas.microsoft.com/office/drawing/2014/main" id="{9FE58FC9-DA61-444D-9CE4-0B4ACE7D49BE}"/>
+              </a:ext>
+            </a:extLst>
+          </p:cNvPr>
+          <p:cNvCxnSpPr/>
+          <p:nvPr/>
+        </p:nvCxnSpPr>
+        <p:spPr>
+          <a:xfrm flipH="1">
+            <a:off x="1611086" y="1930297"/>
+            <a:ext cx="598714" cy="856446"/>
+          </a:xfrm>
+          <a:prstGeom prst="straightConnector1">
+            <a:avLst/>
+          </a:prstGeom>
+          <a:ln>
+            <a:solidFill>
+              <a:srgbClr val="C00000"/>
+            </a:solidFill>
+            <a:tailEnd type="triangle"/>
+          </a:ln>
+        </p:spPr>
+        <p:style>
+          <a:lnRef idx="1">
+            <a:schemeClr val="accent1"/>
+          </a:lnRef>
+          <a:fillRef idx="0">
+            <a:schemeClr val="accent1"/>
+          </a:fillRef>
+          <a:effectRef idx="0">
+            <a:schemeClr val="accent1"/>
+          </a:effectRef>
+          <a:fontRef idx="minor">
+            <a:schemeClr val="tx1"/>
+          </a:fontRef>
+        </p:style>
+      </p:cxnSp>
+      <p:cxnSp>
+        <p:nvCxnSpPr>
+          <p:cNvPr id="42" name="Gerade Verbindung mit Pfeil 41">
+            <a:extLst>
+              <a:ext uri="{FF2B5EF4-FFF2-40B4-BE49-F238E27FC236}">
+                <a16:creationId xmlns:a16="http://schemas.microsoft.com/office/drawing/2014/main" id="{25326434-B224-4542-AE8E-318410874DD2}"/>
+              </a:ext>
+            </a:extLst>
+          </p:cNvPr>
+          <p:cNvCxnSpPr>
+            <a:cxnSpLocks/>
+            <a:stCxn id="39" idx="2"/>
+          </p:cNvCxnSpPr>
+          <p:nvPr/>
+        </p:nvCxnSpPr>
+        <p:spPr>
+          <a:xfrm>
+            <a:off x="2530186" y="1930297"/>
+            <a:ext cx="23301" cy="977619"/>
+          </a:xfrm>
+          <a:prstGeom prst="straightConnector1">
+            <a:avLst/>
+          </a:prstGeom>
+          <a:ln>
+            <a:solidFill>
+              <a:srgbClr val="C00000"/>
+            </a:solidFill>
+            <a:tailEnd type="triangle"/>
+          </a:ln>
+        </p:spPr>
+        <p:style>
+          <a:lnRef idx="1">
+            <a:schemeClr val="accent1"/>
+          </a:lnRef>
+          <a:fillRef idx="0">
+            <a:schemeClr val="accent1"/>
+          </a:fillRef>
+          <a:effectRef idx="0">
+            <a:schemeClr val="accent1"/>
+          </a:effectRef>
+          <a:fontRef idx="minor">
+            <a:schemeClr val="tx1"/>
+          </a:fontRef>
+        </p:style>
+      </p:cxnSp>
+      <p:cxnSp>
+        <p:nvCxnSpPr>
+          <p:cNvPr id="45" name="Gerade Verbindung mit Pfeil 44">
+            <a:extLst>
+              <a:ext uri="{FF2B5EF4-FFF2-40B4-BE49-F238E27FC236}">
+                <a16:creationId xmlns:a16="http://schemas.microsoft.com/office/drawing/2014/main" id="{69E1A3C0-9619-42D4-93BF-8175D6F98D4F}"/>
+              </a:ext>
+            </a:extLst>
+          </p:cNvPr>
+          <p:cNvCxnSpPr>
+            <a:cxnSpLocks/>
+          </p:cNvCxnSpPr>
+          <p:nvPr/>
+        </p:nvCxnSpPr>
+        <p:spPr>
+          <a:xfrm>
+            <a:off x="2873762" y="1930297"/>
+            <a:ext cx="1315134" cy="557748"/>
+          </a:xfrm>
+          <a:prstGeom prst="straightConnector1">
+            <a:avLst/>
+          </a:prstGeom>
+          <a:ln>
+            <a:solidFill>
+              <a:srgbClr val="C00000"/>
+            </a:solidFill>
+            <a:tailEnd type="triangle"/>
+          </a:ln>
+        </p:spPr>
+        <p:style>
+          <a:lnRef idx="1">
+            <a:schemeClr val="accent1"/>
+          </a:lnRef>
+          <a:fillRef idx="0">
+            <a:schemeClr val="accent1"/>
+          </a:fillRef>
+          <a:effectRef idx="0">
+            <a:schemeClr val="accent1"/>
+          </a:effectRef>
+          <a:fontRef idx="minor">
+            <a:schemeClr val="tx1"/>
+          </a:fontRef>
+        </p:style>
+      </p:cxnSp>
     </p:spTree>
     <p:extLst>
       <p:ext uri="{BB962C8B-B14F-4D97-AF65-F5344CB8AC3E}">
-        <p14:creationId xmlns:p14="http://schemas.microsoft.com/office/powerpoint/2010/main" val="705000953"/>
+        <p14:creationId xmlns:p14="http://schemas.microsoft.com/office/powerpoint/2010/main" val="3968438379"/>
       </p:ext>
     </p:extLst>
   </p:cSld>
@@ -5388,7 +5623,7 @@
           <p:cNvPr id="2" name="Titel 1">
             <a:extLst>
               <a:ext uri="{FF2B5EF4-FFF2-40B4-BE49-F238E27FC236}">
-                <a16:creationId xmlns:a16="http://schemas.microsoft.com/office/drawing/2014/main" id="{D89112FF-C93E-4058-BE39-CB3BA10C360D}"/>
+                <a16:creationId xmlns:a16="http://schemas.microsoft.com/office/drawing/2014/main" id="{941973DD-6E18-48DF-B74B-1DE7EC726B4E}"/>
               </a:ext>
             </a:extLst>
           </p:cNvPr>
@@ -5405,41 +5640,40 @@
           <a:lstStyle/>
           <a:p>
             <a:r>
+              <a:rPr lang="de-DE" dirty="0"/>
+              <a:t>Patch Sampling in Redner</a:t>
+            </a:r>
+          </a:p>
+        </p:txBody>
+      </p:sp>
+      <p:sp>
+        <p:nvSpPr>
+          <p:cNvPr id="3" name="Inhaltsplatzhalter 2">
+            <a:extLst>
+              <a:ext uri="{FF2B5EF4-FFF2-40B4-BE49-F238E27FC236}">
+                <a16:creationId xmlns:a16="http://schemas.microsoft.com/office/drawing/2014/main" id="{F19100E5-9C8D-4FCE-B397-BC5EB1895759}"/>
+              </a:ext>
+            </a:extLst>
+          </p:cNvPr>
+          <p:cNvSpPr>
+            <a:spLocks noGrp="1"/>
+          </p:cNvSpPr>
+          <p:nvPr>
+            <p:ph idx="1"/>
+          </p:nvPr>
+        </p:nvSpPr>
+        <p:spPr/>
+        <p:txBody>
+          <a:bodyPr/>
+          <a:lstStyle/>
+          <a:p>
+            <a:r>
+              <a:rPr lang="de-DE" dirty="0"/>
+              <a:t>TODO: Explanation </a:t>
+            </a:r>
+            <a:r>
               <a:rPr lang="de-DE" dirty="0" err="1"/>
-              <a:t>Results</a:t>
-            </a:r>
-            <a:endParaRPr lang="de-DE" dirty="0"/>
-          </a:p>
-        </p:txBody>
-      </p:sp>
-      <p:sp>
-        <p:nvSpPr>
-          <p:cNvPr id="3" name="Inhaltsplatzhalter 2">
-            <a:extLst>
-              <a:ext uri="{FF2B5EF4-FFF2-40B4-BE49-F238E27FC236}">
-                <a16:creationId xmlns:a16="http://schemas.microsoft.com/office/drawing/2014/main" id="{1DB99C83-31B0-44B7-B245-CF7ACDFE1ED9}"/>
-              </a:ext>
-            </a:extLst>
-          </p:cNvPr>
-          <p:cNvSpPr>
-            <a:spLocks noGrp="1"/>
-          </p:cNvSpPr>
-          <p:nvPr>
-            <p:ph idx="1"/>
-          </p:nvPr>
-        </p:nvSpPr>
-        <p:spPr/>
-        <p:txBody>
-          <a:bodyPr/>
-          <a:lstStyle/>
-          <a:p>
-            <a:r>
-              <a:rPr lang="de-DE" dirty="0"/>
-              <a:t>Qualitative </a:t>
-            </a:r>
-            <a:r>
-              <a:rPr lang="de-DE" dirty="0" err="1"/>
-              <a:t>comparison</a:t>
+              <a:t>of</a:t>
             </a:r>
             <a:r>
               <a:rPr lang="de-DE" dirty="0"/>
@@ -5447,7 +5681,7 @@
             </a:r>
             <a:r>
               <a:rPr lang="de-DE" dirty="0" err="1"/>
-              <a:t>of</a:t>
+              <a:t>manual</a:t>
             </a:r>
             <a:r>
               <a:rPr lang="de-DE" dirty="0"/>
@@ -5455,7 +5689,15 @@
             </a:r>
             <a:r>
               <a:rPr lang="de-DE" dirty="0" err="1"/>
-              <a:t>reference</a:t>
+              <a:t>derivates</a:t>
+            </a:r>
+            <a:r>
+              <a:rPr lang="de-DE" dirty="0"/>
+              <a:t> in C++ and </a:t>
+            </a:r>
+            <a:r>
+              <a:rPr lang="de-DE" dirty="0" err="1"/>
+              <a:t>video</a:t>
             </a:r>
             <a:r>
               <a:rPr lang="de-DE" dirty="0"/>
@@ -5463,26 +5705,7 @@
             </a:r>
             <a:r>
               <a:rPr lang="de-DE" dirty="0" err="1"/>
-              <a:t>results</a:t>
-            </a:r>
-            <a:r>
-              <a:rPr lang="de-DE" dirty="0"/>
-              <a:t> and </a:t>
-            </a:r>
-            <a:r>
-              <a:rPr lang="de-DE" dirty="0" err="1"/>
-              <a:t>re-implementation</a:t>
-            </a:r>
-            <a:endParaRPr lang="de-DE" dirty="0"/>
-          </a:p>
-          <a:p>
-            <a:r>
-              <a:rPr lang="de-DE" dirty="0"/>
-              <a:t>Qualitative </a:t>
-            </a:r>
-            <a:r>
-              <a:rPr lang="de-DE" dirty="0" err="1"/>
-              <a:t>comparison</a:t>
+              <a:t>showing</a:t>
             </a:r>
             <a:r>
               <a:rPr lang="de-DE" dirty="0"/>
@@ -5490,7 +5713,7 @@
             </a:r>
             <a:r>
               <a:rPr lang="de-DE" dirty="0" err="1"/>
-              <a:t>of</a:t>
+              <a:t>that</a:t>
             </a:r>
             <a:r>
               <a:rPr lang="de-DE" dirty="0"/>
@@ -5498,7 +5721,23 @@
             </a:r>
             <a:r>
               <a:rPr lang="de-DE" dirty="0" err="1"/>
-              <a:t>re-implementation</a:t>
+              <a:t>the</a:t>
+            </a:r>
+            <a:r>
+              <a:rPr lang="de-DE" dirty="0"/>
+              <a:t> derivatives </a:t>
+            </a:r>
+            <a:r>
+              <a:rPr lang="de-DE" dirty="0" err="1"/>
+              <a:t>work</a:t>
+            </a:r>
+            <a:r>
+              <a:rPr lang="de-DE" dirty="0"/>
+              <a:t> (material </a:t>
+            </a:r>
+            <a:r>
+              <a:rPr lang="de-DE" dirty="0" err="1"/>
+              <a:t>optimization</a:t>
             </a:r>
             <a:r>
               <a:rPr lang="de-DE" dirty="0"/>
@@ -5506,7 +5745,7 @@
             </a:r>
             <a:r>
               <a:rPr lang="de-DE" dirty="0" err="1"/>
-              <a:t>direct</a:t>
+              <a:t>by</a:t>
             </a:r>
             <a:r>
               <a:rPr lang="de-DE" dirty="0"/>
@@ -5514,7 +5753,7 @@
             </a:r>
             <a:r>
               <a:rPr lang="de-DE" dirty="0" err="1"/>
-              <a:t>illumination</a:t>
+              <a:t>comparing</a:t>
             </a:r>
             <a:r>
               <a:rPr lang="de-DE" dirty="0"/>
@@ -5522,119 +5761,11 @@
             </a:r>
             <a:r>
               <a:rPr lang="de-DE" dirty="0" err="1"/>
-              <a:t>vs</a:t>
+              <a:t>renderings</a:t>
             </a:r>
             <a:r>
               <a:rPr lang="de-DE" dirty="0"/>
-              <a:t> </a:t>
-            </a:r>
-            <a:r>
-              <a:rPr lang="de-DE" dirty="0" err="1"/>
-              <a:t>pathtracing</a:t>
-            </a:r>
-            <a:endParaRPr lang="de-DE" dirty="0"/>
-          </a:p>
-          <a:p>
-            <a:r>
-              <a:rPr lang="de-DE" dirty="0"/>
-              <a:t>Quantitative </a:t>
-            </a:r>
-            <a:r>
-              <a:rPr lang="de-DE" dirty="0" err="1"/>
-              <a:t>comparison</a:t>
-            </a:r>
-            <a:r>
-              <a:rPr lang="de-DE" dirty="0"/>
-              <a:t> (</a:t>
-            </a:r>
-            <a:r>
-              <a:rPr lang="de-DE" dirty="0" err="1"/>
-              <a:t>training</a:t>
-            </a:r>
-            <a:r>
-              <a:rPr lang="de-DE" dirty="0"/>
-              <a:t> time, </a:t>
-            </a:r>
-            <a:r>
-              <a:rPr lang="de-DE" dirty="0" err="1"/>
-              <a:t>loss</a:t>
-            </a:r>
-            <a:r>
-              <a:rPr lang="de-DE" dirty="0"/>
-              <a:t> </a:t>
-            </a:r>
-            <a:r>
-              <a:rPr lang="de-DE" dirty="0" err="1"/>
-              <a:t>graphs</a:t>
-            </a:r>
-            <a:r>
-              <a:rPr lang="de-DE" dirty="0"/>
-              <a:t>)</a:t>
-            </a:r>
-          </a:p>
-          <a:p>
-            <a:r>
-              <a:rPr lang="de-DE" dirty="0"/>
-              <a:t>Real </a:t>
-            </a:r>
-            <a:r>
-              <a:rPr lang="de-DE" dirty="0" err="1"/>
-              <a:t>world</a:t>
-            </a:r>
-            <a:r>
-              <a:rPr lang="de-DE" dirty="0"/>
-              <a:t> </a:t>
-            </a:r>
-            <a:r>
-              <a:rPr lang="de-DE" dirty="0" err="1"/>
-              <a:t>samples</a:t>
-            </a:r>
-            <a:r>
-              <a:rPr lang="de-DE" dirty="0"/>
-              <a:t> </a:t>
-            </a:r>
-            <a:r>
-              <a:rPr lang="de-DE" dirty="0" err="1"/>
-              <a:t>estimated</a:t>
-            </a:r>
-            <a:r>
-              <a:rPr lang="de-DE" dirty="0"/>
-              <a:t> </a:t>
-            </a:r>
-            <a:r>
-              <a:rPr lang="de-DE" dirty="0" err="1"/>
-              <a:t>by</a:t>
-            </a:r>
-            <a:r>
-              <a:rPr lang="de-DE" dirty="0"/>
-              <a:t> all </a:t>
-            </a:r>
-            <a:r>
-              <a:rPr lang="de-DE" dirty="0" err="1"/>
-              <a:t>methods</a:t>
-            </a:r>
-            <a:endParaRPr lang="de-DE" dirty="0"/>
-          </a:p>
-          <a:p>
-            <a:r>
-              <a:rPr lang="de-DE" dirty="0"/>
-              <a:t>Videos </a:t>
-            </a:r>
-            <a:r>
-              <a:rPr lang="de-DE"/>
-              <a:t>/ (interactive</a:t>
-            </a:r>
-            <a:r>
-              <a:rPr lang="de-DE" dirty="0"/>
-              <a:t> </a:t>
-            </a:r>
-            <a:r>
-              <a:rPr lang="de-DE" dirty="0" err="1"/>
-              <a:t>application</a:t>
-            </a:r>
-            <a:r>
-              <a:rPr lang="de-DE" dirty="0"/>
-              <a:t>?)</a:t>
+              <a:t>) </a:t>
             </a:r>
           </a:p>
         </p:txBody>
@@ -5644,7 +5775,7 @@
           <p:cNvPr id="4" name="Datumsplatzhalter 3">
             <a:extLst>
               <a:ext uri="{FF2B5EF4-FFF2-40B4-BE49-F238E27FC236}">
-                <a16:creationId xmlns:a16="http://schemas.microsoft.com/office/drawing/2014/main" id="{E9F146CA-6467-462B-85E8-52609A8AEB3F}"/>
+                <a16:creationId xmlns:a16="http://schemas.microsoft.com/office/drawing/2014/main" id="{723C397B-FC6A-4057-94C6-1B1A89CA49F9}"/>
               </a:ext>
             </a:extLst>
           </p:cNvPr>
@@ -5672,7 +5803,7 @@
           <p:cNvPr id="5" name="Fußzeilenplatzhalter 4">
             <a:extLst>
               <a:ext uri="{FF2B5EF4-FFF2-40B4-BE49-F238E27FC236}">
-                <a16:creationId xmlns:a16="http://schemas.microsoft.com/office/drawing/2014/main" id="{B917B614-B429-462E-ACC6-5E52CDCAA7D1}"/>
+                <a16:creationId xmlns:a16="http://schemas.microsoft.com/office/drawing/2014/main" id="{D5B1BB4B-DA22-4C6B-AB3A-C342858916FB}"/>
               </a:ext>
             </a:extLst>
           </p:cNvPr>
@@ -5700,7 +5831,7 @@
           <p:cNvPr id="6" name="Foliennummernplatzhalter 5">
             <a:extLst>
               <a:ext uri="{FF2B5EF4-FFF2-40B4-BE49-F238E27FC236}">
-                <a16:creationId xmlns:a16="http://schemas.microsoft.com/office/drawing/2014/main" id="{4C108298-FC96-4F8E-A46C-1406BADE6F66}"/>
+                <a16:creationId xmlns:a16="http://schemas.microsoft.com/office/drawing/2014/main" id="{5EADE200-37C6-4817-91D8-F48F05A25F78}"/>
               </a:ext>
             </a:extLst>
           </p:cNvPr>
@@ -5727,7 +5858,1126 @@
     </p:spTree>
     <p:extLst>
       <p:ext uri="{BB962C8B-B14F-4D97-AF65-F5344CB8AC3E}">
+        <p14:creationId xmlns:p14="http://schemas.microsoft.com/office/powerpoint/2010/main" val="705000953"/>
+      </p:ext>
+    </p:extLst>
+  </p:cSld>
+  <p:clrMapOvr>
+    <a:masterClrMapping/>
+  </p:clrMapOvr>
+</p:sld>
+</file>
+
+<file path=ppt/slides/slide12.xml><?xml version="1.0" encoding="utf-8"?>
+<p:sld xmlns:a="http://schemas.openxmlformats.org/drawingml/2006/main" xmlns:r="http://schemas.openxmlformats.org/officeDocument/2006/relationships" xmlns:p="http://schemas.openxmlformats.org/presentationml/2006/main">
+  <p:cSld>
+    <p:spTree>
+      <p:nvGrpSpPr>
+        <p:cNvPr id="1" name=""/>
+        <p:cNvGrpSpPr/>
+        <p:nvPr/>
+      </p:nvGrpSpPr>
+      <p:grpSpPr>
+        <a:xfrm>
+          <a:off x="0" y="0"/>
+          <a:ext cx="0" cy="0"/>
+          <a:chOff x="0" y="0"/>
+          <a:chExt cx="0" cy="0"/>
+        </a:xfrm>
+      </p:grpSpPr>
+      <p:sp>
+        <p:nvSpPr>
+          <p:cNvPr id="2" name="Titel 1">
+            <a:extLst>
+              <a:ext uri="{FF2B5EF4-FFF2-40B4-BE49-F238E27FC236}">
+                <a16:creationId xmlns:a16="http://schemas.microsoft.com/office/drawing/2014/main" id="{77F7FDC2-661E-4F26-AE0C-BFD6A239937C}"/>
+              </a:ext>
+            </a:extLst>
+          </p:cNvPr>
+          <p:cNvSpPr>
+            <a:spLocks noGrp="1"/>
+          </p:cNvSpPr>
+          <p:nvPr>
+            <p:ph type="title"/>
+          </p:nvPr>
+        </p:nvSpPr>
+        <p:spPr/>
+        <p:txBody>
+          <a:bodyPr/>
+          <a:lstStyle/>
+          <a:p>
+            <a:r>
+              <a:rPr lang="de-DE" dirty="0" err="1"/>
+              <a:t>Algorithm</a:t>
+            </a:r>
+            <a:r>
+              <a:rPr lang="de-DE" dirty="0"/>
+              <a:t> - </a:t>
+            </a:r>
+            <a:r>
+              <a:rPr lang="de-DE" dirty="0" err="1"/>
+              <a:t>Inference</a:t>
+            </a:r>
+            <a:endParaRPr lang="de-DE" dirty="0"/>
+          </a:p>
+        </p:txBody>
+      </p:sp>
+      <p:sp>
+        <p:nvSpPr>
+          <p:cNvPr id="3" name="Inhaltsplatzhalter 2">
+            <a:extLst>
+              <a:ext uri="{FF2B5EF4-FFF2-40B4-BE49-F238E27FC236}">
+                <a16:creationId xmlns:a16="http://schemas.microsoft.com/office/drawing/2014/main" id="{42C1FB8B-FD5A-4421-ADC7-6C1BC1B5BFA7}"/>
+              </a:ext>
+            </a:extLst>
+          </p:cNvPr>
+          <p:cNvSpPr>
+            <a:spLocks noGrp="1"/>
+          </p:cNvSpPr>
+          <p:nvPr>
+            <p:ph idx="1"/>
+          </p:nvPr>
+        </p:nvSpPr>
+        <p:spPr/>
+        <p:txBody>
+          <a:bodyPr/>
+          <a:lstStyle/>
+          <a:p>
+            <a:r>
+              <a:rPr lang="de-DE" dirty="0"/>
+              <a:t>TODO: Flowchart </a:t>
+            </a:r>
+            <a:r>
+              <a:rPr lang="de-DE" dirty="0" err="1"/>
+              <a:t>of</a:t>
+            </a:r>
+            <a:r>
+              <a:rPr lang="de-DE" dirty="0"/>
+              <a:t> </a:t>
+            </a:r>
+            <a:r>
+              <a:rPr lang="de-DE" dirty="0" err="1"/>
+              <a:t>the</a:t>
+            </a:r>
+            <a:r>
+              <a:rPr lang="de-DE" dirty="0"/>
+              <a:t> </a:t>
+            </a:r>
+            <a:r>
+              <a:rPr lang="de-DE" dirty="0" err="1"/>
+              <a:t>algorithm</a:t>
+            </a:r>
+            <a:r>
+              <a:rPr lang="de-DE" dirty="0"/>
+              <a:t> </a:t>
+            </a:r>
+            <a:r>
+              <a:rPr lang="de-DE" dirty="0" err="1"/>
+              <a:t>separated</a:t>
+            </a:r>
+            <a:r>
+              <a:rPr lang="de-DE" dirty="0"/>
+              <a:t> </a:t>
+            </a:r>
+            <a:r>
+              <a:rPr lang="de-DE" dirty="0" err="1"/>
+              <a:t>into</a:t>
+            </a:r>
+            <a:r>
+              <a:rPr lang="de-DE" dirty="0"/>
+              <a:t> Training and </a:t>
+            </a:r>
+            <a:r>
+              <a:rPr lang="de-DE" dirty="0" err="1"/>
+              <a:t>Inference</a:t>
+            </a:r>
+            <a:r>
+              <a:rPr lang="de-DE" dirty="0"/>
+              <a:t> (</a:t>
+            </a:r>
+            <a:r>
+              <a:rPr lang="de-DE" dirty="0" err="1"/>
+              <a:t>images</a:t>
+            </a:r>
+            <a:r>
+              <a:rPr lang="de-DE" dirty="0"/>
+              <a:t>, SVBRDF, </a:t>
+            </a:r>
+            <a:r>
+              <a:rPr lang="de-DE" dirty="0" err="1"/>
+              <a:t>image</a:t>
+            </a:r>
+            <a:r>
+              <a:rPr lang="de-DE" dirty="0"/>
+              <a:t> </a:t>
+            </a:r>
+            <a:r>
+              <a:rPr lang="de-DE" dirty="0" err="1"/>
+              <a:t>generation</a:t>
+            </a:r>
+            <a:r>
+              <a:rPr lang="de-DE" dirty="0"/>
+              <a:t>, </a:t>
+            </a:r>
+            <a:r>
+              <a:rPr lang="de-DE" dirty="0" err="1"/>
+              <a:t>data</a:t>
+            </a:r>
+            <a:r>
+              <a:rPr lang="de-DE" dirty="0"/>
+              <a:t> </a:t>
+            </a:r>
+            <a:r>
+              <a:rPr lang="de-DE" dirty="0" err="1"/>
+              <a:t>preparation</a:t>
+            </a:r>
+            <a:r>
+              <a:rPr lang="de-DE" dirty="0"/>
+              <a:t>, u-</a:t>
+            </a:r>
+            <a:r>
+              <a:rPr lang="de-DE" dirty="0" err="1"/>
+              <a:t>net</a:t>
+            </a:r>
+            <a:r>
+              <a:rPr lang="de-DE" dirty="0"/>
+              <a:t> </a:t>
+            </a:r>
+            <a:r>
+              <a:rPr lang="de-DE" dirty="0" err="1"/>
+              <a:t>encoder</a:t>
+            </a:r>
+            <a:r>
+              <a:rPr lang="de-DE" dirty="0"/>
+              <a:t> </a:t>
+            </a:r>
+            <a:r>
+              <a:rPr lang="de-DE" dirty="0" err="1"/>
+              <a:t>decoder</a:t>
+            </a:r>
+            <a:r>
+              <a:rPr lang="de-DE" dirty="0"/>
+              <a:t>, </a:t>
+            </a:r>
+            <a:r>
+              <a:rPr lang="de-DE" dirty="0" err="1"/>
+              <a:t>loss</a:t>
+            </a:r>
+            <a:r>
+              <a:rPr lang="de-DE" dirty="0"/>
+              <a:t> </a:t>
+            </a:r>
+            <a:r>
+              <a:rPr lang="de-DE" dirty="0" err="1"/>
+              <a:t>function</a:t>
+            </a:r>
+            <a:r>
+              <a:rPr lang="de-DE" dirty="0"/>
+              <a:t> (</a:t>
+            </a:r>
+            <a:r>
+              <a:rPr lang="de-DE" dirty="0" err="1"/>
+              <a:t>with</a:t>
+            </a:r>
+            <a:r>
+              <a:rPr lang="de-DE" dirty="0"/>
+              <a:t> </a:t>
+            </a:r>
+            <a:r>
+              <a:rPr lang="de-DE" dirty="0" err="1"/>
+              <a:t>renderers</a:t>
+            </a:r>
+            <a:r>
+              <a:rPr lang="de-DE" dirty="0"/>
+              <a:t> [</a:t>
+            </a:r>
+            <a:r>
+              <a:rPr lang="de-DE" dirty="0" err="1"/>
+              <a:t>direct</a:t>
+            </a:r>
+            <a:r>
+              <a:rPr lang="de-DE" dirty="0"/>
+              <a:t> </a:t>
+            </a:r>
+            <a:r>
+              <a:rPr lang="de-DE" dirty="0" err="1"/>
+              <a:t>illumination</a:t>
+            </a:r>
+            <a:r>
+              <a:rPr lang="de-DE" dirty="0"/>
+              <a:t>/</a:t>
+            </a:r>
+            <a:r>
+              <a:rPr lang="de-DE" dirty="0" err="1"/>
+              <a:t>pathtracing</a:t>
+            </a:r>
+            <a:r>
+              <a:rPr lang="de-DE" dirty="0"/>
+              <a:t>]))</a:t>
+            </a:r>
+          </a:p>
+        </p:txBody>
+      </p:sp>
+      <p:sp>
+        <p:nvSpPr>
+          <p:cNvPr id="4" name="Datumsplatzhalter 3">
+            <a:extLst>
+              <a:ext uri="{FF2B5EF4-FFF2-40B4-BE49-F238E27FC236}">
+                <a16:creationId xmlns:a16="http://schemas.microsoft.com/office/drawing/2014/main" id="{BC0B2215-9B65-4C4E-BD3E-47C6BBAFC97D}"/>
+              </a:ext>
+            </a:extLst>
+          </p:cNvPr>
+          <p:cNvSpPr>
+            <a:spLocks noGrp="1"/>
+          </p:cNvSpPr>
+          <p:nvPr>
+            <p:ph type="dt" sz="half" idx="10"/>
+          </p:nvPr>
+        </p:nvSpPr>
+        <p:spPr/>
+        <p:txBody>
+          <a:bodyPr/>
+          <a:lstStyle/>
+          <a:p>
+            <a:r>
+              <a:rPr lang="de-DE"/>
+              <a:t>24.02.2020</a:t>
+            </a:r>
+          </a:p>
+        </p:txBody>
+      </p:sp>
+      <p:sp>
+        <p:nvSpPr>
+          <p:cNvPr id="5" name="Fußzeilenplatzhalter 4">
+            <a:extLst>
+              <a:ext uri="{FF2B5EF4-FFF2-40B4-BE49-F238E27FC236}">
+                <a16:creationId xmlns:a16="http://schemas.microsoft.com/office/drawing/2014/main" id="{546CC190-375E-4F51-A989-53F9BD40E905}"/>
+              </a:ext>
+            </a:extLst>
+          </p:cNvPr>
+          <p:cNvSpPr>
+            <a:spLocks noGrp="1"/>
+          </p:cNvSpPr>
+          <p:nvPr>
+            <p:ph type="ftr" sz="quarter" idx="11"/>
+          </p:nvPr>
+        </p:nvSpPr>
+        <p:spPr/>
+        <p:txBody>
+          <a:bodyPr/>
+          <a:lstStyle/>
+          <a:p>
+            <a:r>
+              <a:rPr lang="de-DE"/>
+              <a:t>Computer Graphics Project WS 2019/2020</a:t>
+            </a:r>
+          </a:p>
+        </p:txBody>
+      </p:sp>
+      <p:sp>
+        <p:nvSpPr>
+          <p:cNvPr id="6" name="Foliennummernplatzhalter 5">
+            <a:extLst>
+              <a:ext uri="{FF2B5EF4-FFF2-40B4-BE49-F238E27FC236}">
+                <a16:creationId xmlns:a16="http://schemas.microsoft.com/office/drawing/2014/main" id="{2991CED0-962F-47A3-A1C9-91CAA4700FF0}"/>
+              </a:ext>
+            </a:extLst>
+          </p:cNvPr>
+          <p:cNvSpPr>
+            <a:spLocks noGrp="1"/>
+          </p:cNvSpPr>
+          <p:nvPr>
+            <p:ph type="sldNum" sz="quarter" idx="12"/>
+          </p:nvPr>
+        </p:nvSpPr>
+        <p:spPr/>
+        <p:txBody>
+          <a:bodyPr/>
+          <a:lstStyle/>
+          <a:p>
+            <a:fld id="{50F8780B-A277-4DF9-8FC2-595931A1DBFA}" type="slidenum">
+              <a:rPr lang="de-DE" smtClean="0"/>
+              <a:t>12</a:t>
+            </a:fld>
+            <a:endParaRPr lang="de-DE"/>
+          </a:p>
+        </p:txBody>
+      </p:sp>
+    </p:spTree>
+    <p:extLst>
+      <p:ext uri="{BB962C8B-B14F-4D97-AF65-F5344CB8AC3E}">
+        <p14:creationId xmlns:p14="http://schemas.microsoft.com/office/powerpoint/2010/main" val="3130519858"/>
+      </p:ext>
+    </p:extLst>
+  </p:cSld>
+  <p:clrMapOvr>
+    <a:masterClrMapping/>
+  </p:clrMapOvr>
+</p:sld>
+</file>
+
+<file path=ppt/slides/slide13.xml><?xml version="1.0" encoding="utf-8"?>
+<p:sld xmlns:a="http://schemas.openxmlformats.org/drawingml/2006/main" xmlns:r="http://schemas.openxmlformats.org/officeDocument/2006/relationships" xmlns:p="http://schemas.openxmlformats.org/presentationml/2006/main">
+  <p:cSld>
+    <p:spTree>
+      <p:nvGrpSpPr>
+        <p:cNvPr id="1" name=""/>
+        <p:cNvGrpSpPr/>
+        <p:nvPr/>
+      </p:nvGrpSpPr>
+      <p:grpSpPr>
+        <a:xfrm>
+          <a:off x="0" y="0"/>
+          <a:ext cx="0" cy="0"/>
+          <a:chOff x="0" y="0"/>
+          <a:chExt cx="0" cy="0"/>
+        </a:xfrm>
+      </p:grpSpPr>
+      <p:sp>
+        <p:nvSpPr>
+          <p:cNvPr id="2" name="Titel 1">
+            <a:extLst>
+              <a:ext uri="{FF2B5EF4-FFF2-40B4-BE49-F238E27FC236}">
+                <a16:creationId xmlns:a16="http://schemas.microsoft.com/office/drawing/2014/main" id="{D89112FF-C93E-4058-BE39-CB3BA10C360D}"/>
+              </a:ext>
+            </a:extLst>
+          </p:cNvPr>
+          <p:cNvSpPr>
+            <a:spLocks noGrp="1"/>
+          </p:cNvSpPr>
+          <p:nvPr>
+            <p:ph type="title"/>
+          </p:nvPr>
+        </p:nvSpPr>
+        <p:spPr/>
+        <p:txBody>
+          <a:bodyPr/>
+          <a:lstStyle/>
+          <a:p>
+            <a:r>
+              <a:rPr lang="de-DE" dirty="0" err="1"/>
+              <a:t>Results</a:t>
+            </a:r>
+            <a:endParaRPr lang="de-DE" dirty="0"/>
+          </a:p>
+        </p:txBody>
+      </p:sp>
+      <p:sp>
+        <p:nvSpPr>
+          <p:cNvPr id="3" name="Inhaltsplatzhalter 2">
+            <a:extLst>
+              <a:ext uri="{FF2B5EF4-FFF2-40B4-BE49-F238E27FC236}">
+                <a16:creationId xmlns:a16="http://schemas.microsoft.com/office/drawing/2014/main" id="{1DB99C83-31B0-44B7-B245-CF7ACDFE1ED9}"/>
+              </a:ext>
+            </a:extLst>
+          </p:cNvPr>
+          <p:cNvSpPr>
+            <a:spLocks noGrp="1"/>
+          </p:cNvSpPr>
+          <p:nvPr>
+            <p:ph idx="1"/>
+          </p:nvPr>
+        </p:nvSpPr>
+        <p:spPr/>
+        <p:txBody>
+          <a:bodyPr/>
+          <a:lstStyle/>
+          <a:p>
+            <a:r>
+              <a:rPr lang="de-DE" dirty="0"/>
+              <a:t>Qualitative </a:t>
+            </a:r>
+            <a:r>
+              <a:rPr lang="de-DE" dirty="0" err="1"/>
+              <a:t>comparison</a:t>
+            </a:r>
+            <a:r>
+              <a:rPr lang="de-DE" dirty="0"/>
+              <a:t> </a:t>
+            </a:r>
+            <a:r>
+              <a:rPr lang="de-DE" dirty="0" err="1"/>
+              <a:t>of</a:t>
+            </a:r>
+            <a:r>
+              <a:rPr lang="de-DE" dirty="0"/>
+              <a:t> </a:t>
+            </a:r>
+            <a:r>
+              <a:rPr lang="de-DE" dirty="0" err="1"/>
+              <a:t>reference</a:t>
+            </a:r>
+            <a:r>
+              <a:rPr lang="de-DE" dirty="0"/>
+              <a:t> </a:t>
+            </a:r>
+            <a:r>
+              <a:rPr lang="de-DE" dirty="0" err="1"/>
+              <a:t>results</a:t>
+            </a:r>
+            <a:r>
+              <a:rPr lang="de-DE" dirty="0"/>
+              <a:t> and </a:t>
+            </a:r>
+            <a:r>
+              <a:rPr lang="de-DE" dirty="0" err="1"/>
+              <a:t>re-implementation</a:t>
+            </a:r>
+            <a:endParaRPr lang="de-DE" dirty="0"/>
+          </a:p>
+          <a:p>
+            <a:r>
+              <a:rPr lang="de-DE" dirty="0"/>
+              <a:t>Qualitative </a:t>
+            </a:r>
+            <a:r>
+              <a:rPr lang="de-DE" dirty="0" err="1"/>
+              <a:t>comparison</a:t>
+            </a:r>
+            <a:r>
+              <a:rPr lang="de-DE" dirty="0"/>
+              <a:t> </a:t>
+            </a:r>
+            <a:r>
+              <a:rPr lang="de-DE" dirty="0" err="1"/>
+              <a:t>of</a:t>
+            </a:r>
+            <a:r>
+              <a:rPr lang="de-DE" dirty="0"/>
+              <a:t> </a:t>
+            </a:r>
+            <a:r>
+              <a:rPr lang="de-DE" dirty="0" err="1"/>
+              <a:t>re-implementation</a:t>
+            </a:r>
+            <a:r>
+              <a:rPr lang="de-DE" dirty="0"/>
+              <a:t> </a:t>
+            </a:r>
+            <a:r>
+              <a:rPr lang="de-DE" dirty="0" err="1"/>
+              <a:t>direct</a:t>
+            </a:r>
+            <a:r>
+              <a:rPr lang="de-DE" dirty="0"/>
+              <a:t> </a:t>
+            </a:r>
+            <a:r>
+              <a:rPr lang="de-DE" dirty="0" err="1"/>
+              <a:t>illumination</a:t>
+            </a:r>
+            <a:r>
+              <a:rPr lang="de-DE" dirty="0"/>
+              <a:t> </a:t>
+            </a:r>
+            <a:r>
+              <a:rPr lang="de-DE" dirty="0" err="1"/>
+              <a:t>vs</a:t>
+            </a:r>
+            <a:r>
+              <a:rPr lang="de-DE" dirty="0"/>
+              <a:t> </a:t>
+            </a:r>
+            <a:r>
+              <a:rPr lang="de-DE" dirty="0" err="1"/>
+              <a:t>pathtracing</a:t>
+            </a:r>
+            <a:endParaRPr lang="de-DE" dirty="0"/>
+          </a:p>
+          <a:p>
+            <a:r>
+              <a:rPr lang="de-DE" dirty="0"/>
+              <a:t>Quantitative </a:t>
+            </a:r>
+            <a:r>
+              <a:rPr lang="de-DE" dirty="0" err="1"/>
+              <a:t>comparison</a:t>
+            </a:r>
+            <a:r>
+              <a:rPr lang="de-DE" dirty="0"/>
+              <a:t> (</a:t>
+            </a:r>
+            <a:r>
+              <a:rPr lang="de-DE" dirty="0" err="1"/>
+              <a:t>training</a:t>
+            </a:r>
+            <a:r>
+              <a:rPr lang="de-DE" dirty="0"/>
+              <a:t> time, </a:t>
+            </a:r>
+            <a:r>
+              <a:rPr lang="de-DE" dirty="0" err="1"/>
+              <a:t>loss</a:t>
+            </a:r>
+            <a:r>
+              <a:rPr lang="de-DE" dirty="0"/>
+              <a:t> </a:t>
+            </a:r>
+            <a:r>
+              <a:rPr lang="de-DE" dirty="0" err="1"/>
+              <a:t>graphs</a:t>
+            </a:r>
+            <a:r>
+              <a:rPr lang="de-DE" dirty="0"/>
+              <a:t>)</a:t>
+            </a:r>
+          </a:p>
+          <a:p>
+            <a:r>
+              <a:rPr lang="de-DE" dirty="0"/>
+              <a:t>Real </a:t>
+            </a:r>
+            <a:r>
+              <a:rPr lang="de-DE" dirty="0" err="1"/>
+              <a:t>world</a:t>
+            </a:r>
+            <a:r>
+              <a:rPr lang="de-DE" dirty="0"/>
+              <a:t> </a:t>
+            </a:r>
+            <a:r>
+              <a:rPr lang="de-DE" dirty="0" err="1"/>
+              <a:t>samples</a:t>
+            </a:r>
+            <a:r>
+              <a:rPr lang="de-DE" dirty="0"/>
+              <a:t> </a:t>
+            </a:r>
+            <a:r>
+              <a:rPr lang="de-DE" dirty="0" err="1"/>
+              <a:t>estimated</a:t>
+            </a:r>
+            <a:r>
+              <a:rPr lang="de-DE" dirty="0"/>
+              <a:t> </a:t>
+            </a:r>
+            <a:r>
+              <a:rPr lang="de-DE" dirty="0" err="1"/>
+              <a:t>by</a:t>
+            </a:r>
+            <a:r>
+              <a:rPr lang="de-DE" dirty="0"/>
+              <a:t> all </a:t>
+            </a:r>
+            <a:r>
+              <a:rPr lang="de-DE" dirty="0" err="1"/>
+              <a:t>methods</a:t>
+            </a:r>
+            <a:endParaRPr lang="de-DE" dirty="0"/>
+          </a:p>
+          <a:p>
+            <a:r>
+              <a:rPr lang="de-DE" dirty="0"/>
+              <a:t>Videos </a:t>
+            </a:r>
+            <a:r>
+              <a:rPr lang="de-DE"/>
+              <a:t>/ (interactive</a:t>
+            </a:r>
+            <a:r>
+              <a:rPr lang="de-DE" dirty="0"/>
+              <a:t> </a:t>
+            </a:r>
+            <a:r>
+              <a:rPr lang="de-DE" dirty="0" err="1"/>
+              <a:t>application</a:t>
+            </a:r>
+            <a:r>
+              <a:rPr lang="de-DE" dirty="0"/>
+              <a:t>?)</a:t>
+            </a:r>
+          </a:p>
+        </p:txBody>
+      </p:sp>
+      <p:sp>
+        <p:nvSpPr>
+          <p:cNvPr id="4" name="Datumsplatzhalter 3">
+            <a:extLst>
+              <a:ext uri="{FF2B5EF4-FFF2-40B4-BE49-F238E27FC236}">
+                <a16:creationId xmlns:a16="http://schemas.microsoft.com/office/drawing/2014/main" id="{E9F146CA-6467-462B-85E8-52609A8AEB3F}"/>
+              </a:ext>
+            </a:extLst>
+          </p:cNvPr>
+          <p:cNvSpPr>
+            <a:spLocks noGrp="1"/>
+          </p:cNvSpPr>
+          <p:nvPr>
+            <p:ph type="dt" sz="half" idx="10"/>
+          </p:nvPr>
+        </p:nvSpPr>
+        <p:spPr/>
+        <p:txBody>
+          <a:bodyPr/>
+          <a:lstStyle/>
+          <a:p>
+            <a:r>
+              <a:rPr lang="de-DE"/>
+              <a:t>24.02.2020</a:t>
+            </a:r>
+          </a:p>
+        </p:txBody>
+      </p:sp>
+      <p:sp>
+        <p:nvSpPr>
+          <p:cNvPr id="5" name="Fußzeilenplatzhalter 4">
+            <a:extLst>
+              <a:ext uri="{FF2B5EF4-FFF2-40B4-BE49-F238E27FC236}">
+                <a16:creationId xmlns:a16="http://schemas.microsoft.com/office/drawing/2014/main" id="{B917B614-B429-462E-ACC6-5E52CDCAA7D1}"/>
+              </a:ext>
+            </a:extLst>
+          </p:cNvPr>
+          <p:cNvSpPr>
+            <a:spLocks noGrp="1"/>
+          </p:cNvSpPr>
+          <p:nvPr>
+            <p:ph type="ftr" sz="quarter" idx="11"/>
+          </p:nvPr>
+        </p:nvSpPr>
+        <p:spPr/>
+        <p:txBody>
+          <a:bodyPr/>
+          <a:lstStyle/>
+          <a:p>
+            <a:r>
+              <a:rPr lang="de-DE"/>
+              <a:t>Computer Graphics Project WS 2019/2020</a:t>
+            </a:r>
+          </a:p>
+        </p:txBody>
+      </p:sp>
+      <p:sp>
+        <p:nvSpPr>
+          <p:cNvPr id="6" name="Foliennummernplatzhalter 5">
+            <a:extLst>
+              <a:ext uri="{FF2B5EF4-FFF2-40B4-BE49-F238E27FC236}">
+                <a16:creationId xmlns:a16="http://schemas.microsoft.com/office/drawing/2014/main" id="{4C108298-FC96-4F8E-A46C-1406BADE6F66}"/>
+              </a:ext>
+            </a:extLst>
+          </p:cNvPr>
+          <p:cNvSpPr>
+            <a:spLocks noGrp="1"/>
+          </p:cNvSpPr>
+          <p:nvPr>
+            <p:ph type="sldNum" sz="quarter" idx="12"/>
+          </p:nvPr>
+        </p:nvSpPr>
+        <p:spPr/>
+        <p:txBody>
+          <a:bodyPr/>
+          <a:lstStyle/>
+          <a:p>
+            <a:fld id="{50F8780B-A277-4DF9-8FC2-595931A1DBFA}" type="slidenum">
+              <a:rPr lang="de-DE" smtClean="0"/>
+              <a:t>13</a:t>
+            </a:fld>
+            <a:endParaRPr lang="de-DE"/>
+          </a:p>
+        </p:txBody>
+      </p:sp>
+    </p:spTree>
+    <p:extLst>
+      <p:ext uri="{BB962C8B-B14F-4D97-AF65-F5344CB8AC3E}">
         <p14:creationId xmlns:p14="http://schemas.microsoft.com/office/powerpoint/2010/main" val="1036887767"/>
+      </p:ext>
+    </p:extLst>
+  </p:cSld>
+  <p:clrMapOvr>
+    <a:masterClrMapping/>
+  </p:clrMapOvr>
+</p:sld>
+</file>
+
+<file path=ppt/slides/slide14.xml><?xml version="1.0" encoding="utf-8"?>
+<p:sld xmlns:a="http://schemas.openxmlformats.org/drawingml/2006/main" xmlns:r="http://schemas.openxmlformats.org/officeDocument/2006/relationships" xmlns:p="http://schemas.openxmlformats.org/presentationml/2006/main">
+  <p:cSld>
+    <p:spTree>
+      <p:nvGrpSpPr>
+        <p:cNvPr id="1" name=""/>
+        <p:cNvGrpSpPr/>
+        <p:nvPr/>
+      </p:nvGrpSpPr>
+      <p:grpSpPr>
+        <a:xfrm>
+          <a:off x="0" y="0"/>
+          <a:ext cx="0" cy="0"/>
+          <a:chOff x="0" y="0"/>
+          <a:chExt cx="0" cy="0"/>
+        </a:xfrm>
+      </p:grpSpPr>
+      <p:sp>
+        <p:nvSpPr>
+          <p:cNvPr id="2" name="Titel 1">
+            <a:extLst>
+              <a:ext uri="{FF2B5EF4-FFF2-40B4-BE49-F238E27FC236}">
+                <a16:creationId xmlns:a16="http://schemas.microsoft.com/office/drawing/2014/main" id="{D89112FF-C93E-4058-BE39-CB3BA10C360D}"/>
+              </a:ext>
+            </a:extLst>
+          </p:cNvPr>
+          <p:cNvSpPr>
+            <a:spLocks noGrp="1"/>
+          </p:cNvSpPr>
+          <p:nvPr>
+            <p:ph type="title"/>
+          </p:nvPr>
+        </p:nvSpPr>
+        <p:spPr/>
+        <p:txBody>
+          <a:bodyPr/>
+          <a:lstStyle/>
+          <a:p>
+            <a:r>
+              <a:rPr lang="de-DE" dirty="0" err="1"/>
+              <a:t>Limitations</a:t>
+            </a:r>
+            <a:endParaRPr lang="de-DE" dirty="0"/>
+          </a:p>
+        </p:txBody>
+      </p:sp>
+      <p:sp>
+        <p:nvSpPr>
+          <p:cNvPr id="3" name="Inhaltsplatzhalter 2">
+            <a:extLst>
+              <a:ext uri="{FF2B5EF4-FFF2-40B4-BE49-F238E27FC236}">
+                <a16:creationId xmlns:a16="http://schemas.microsoft.com/office/drawing/2014/main" id="{1DB99C83-31B0-44B7-B245-CF7ACDFE1ED9}"/>
+              </a:ext>
+            </a:extLst>
+          </p:cNvPr>
+          <p:cNvSpPr>
+            <a:spLocks noGrp="1"/>
+          </p:cNvSpPr>
+          <p:nvPr>
+            <p:ph idx="1"/>
+          </p:nvPr>
+        </p:nvSpPr>
+        <p:spPr/>
+        <p:txBody>
+          <a:bodyPr/>
+          <a:lstStyle/>
+          <a:p>
+            <a:r>
+              <a:rPr lang="de-DE" dirty="0"/>
+              <a:t>Training time</a:t>
+            </a:r>
+          </a:p>
+          <a:p>
+            <a:r>
+              <a:rPr lang="de-DE" dirty="0" err="1"/>
+              <a:t>Correlated</a:t>
+            </a:r>
+            <a:r>
+              <a:rPr lang="de-DE" dirty="0"/>
+              <a:t> feature </a:t>
+            </a:r>
+            <a:r>
+              <a:rPr lang="de-DE" dirty="0" err="1"/>
+              <a:t>maps</a:t>
+            </a:r>
+            <a:endParaRPr lang="de-DE" dirty="0"/>
+          </a:p>
+          <a:p>
+            <a:r>
+              <a:rPr lang="de-DE" dirty="0" err="1"/>
+              <a:t>Metal</a:t>
+            </a:r>
+            <a:endParaRPr lang="de-DE" dirty="0"/>
+          </a:p>
+        </p:txBody>
+      </p:sp>
+      <p:sp>
+        <p:nvSpPr>
+          <p:cNvPr id="4" name="Datumsplatzhalter 3">
+            <a:extLst>
+              <a:ext uri="{FF2B5EF4-FFF2-40B4-BE49-F238E27FC236}">
+                <a16:creationId xmlns:a16="http://schemas.microsoft.com/office/drawing/2014/main" id="{E9F146CA-6467-462B-85E8-52609A8AEB3F}"/>
+              </a:ext>
+            </a:extLst>
+          </p:cNvPr>
+          <p:cNvSpPr>
+            <a:spLocks noGrp="1"/>
+          </p:cNvSpPr>
+          <p:nvPr>
+            <p:ph type="dt" sz="half" idx="10"/>
+          </p:nvPr>
+        </p:nvSpPr>
+        <p:spPr/>
+        <p:txBody>
+          <a:bodyPr/>
+          <a:lstStyle/>
+          <a:p>
+            <a:r>
+              <a:rPr lang="de-DE"/>
+              <a:t>24.02.2020</a:t>
+            </a:r>
+          </a:p>
+        </p:txBody>
+      </p:sp>
+      <p:sp>
+        <p:nvSpPr>
+          <p:cNvPr id="5" name="Fußzeilenplatzhalter 4">
+            <a:extLst>
+              <a:ext uri="{FF2B5EF4-FFF2-40B4-BE49-F238E27FC236}">
+                <a16:creationId xmlns:a16="http://schemas.microsoft.com/office/drawing/2014/main" id="{B917B614-B429-462E-ACC6-5E52CDCAA7D1}"/>
+              </a:ext>
+            </a:extLst>
+          </p:cNvPr>
+          <p:cNvSpPr>
+            <a:spLocks noGrp="1"/>
+          </p:cNvSpPr>
+          <p:nvPr>
+            <p:ph type="ftr" sz="quarter" idx="11"/>
+          </p:nvPr>
+        </p:nvSpPr>
+        <p:spPr/>
+        <p:txBody>
+          <a:bodyPr/>
+          <a:lstStyle/>
+          <a:p>
+            <a:r>
+              <a:rPr lang="de-DE"/>
+              <a:t>Computer Graphics Project WS 2019/2020</a:t>
+            </a:r>
+          </a:p>
+        </p:txBody>
+      </p:sp>
+      <p:sp>
+        <p:nvSpPr>
+          <p:cNvPr id="6" name="Foliennummernplatzhalter 5">
+            <a:extLst>
+              <a:ext uri="{FF2B5EF4-FFF2-40B4-BE49-F238E27FC236}">
+                <a16:creationId xmlns:a16="http://schemas.microsoft.com/office/drawing/2014/main" id="{4C108298-FC96-4F8E-A46C-1406BADE6F66}"/>
+              </a:ext>
+            </a:extLst>
+          </p:cNvPr>
+          <p:cNvSpPr>
+            <a:spLocks noGrp="1"/>
+          </p:cNvSpPr>
+          <p:nvPr>
+            <p:ph type="sldNum" sz="quarter" idx="12"/>
+          </p:nvPr>
+        </p:nvSpPr>
+        <p:spPr/>
+        <p:txBody>
+          <a:bodyPr/>
+          <a:lstStyle/>
+          <a:p>
+            <a:fld id="{50F8780B-A277-4DF9-8FC2-595931A1DBFA}" type="slidenum">
+              <a:rPr lang="de-DE" smtClean="0"/>
+              <a:t>14</a:t>
+            </a:fld>
+            <a:endParaRPr lang="de-DE"/>
+          </a:p>
+        </p:txBody>
+      </p:sp>
+    </p:spTree>
+    <p:extLst>
+      <p:ext uri="{BB962C8B-B14F-4D97-AF65-F5344CB8AC3E}">
+        <p14:creationId xmlns:p14="http://schemas.microsoft.com/office/powerpoint/2010/main" val="3025708438"/>
+      </p:ext>
+    </p:extLst>
+  </p:cSld>
+  <p:clrMapOvr>
+    <a:masterClrMapping/>
+  </p:clrMapOvr>
+</p:sld>
+</file>
+
+<file path=ppt/slides/slide15.xml><?xml version="1.0" encoding="utf-8"?>
+<p:sld xmlns:a="http://schemas.openxmlformats.org/drawingml/2006/main" xmlns:r="http://schemas.openxmlformats.org/officeDocument/2006/relationships" xmlns:p="http://schemas.openxmlformats.org/presentationml/2006/main">
+  <p:cSld>
+    <p:spTree>
+      <p:nvGrpSpPr>
+        <p:cNvPr id="1" name=""/>
+        <p:cNvGrpSpPr/>
+        <p:nvPr/>
+      </p:nvGrpSpPr>
+      <p:grpSpPr>
+        <a:xfrm>
+          <a:off x="0" y="0"/>
+          <a:ext cx="0" cy="0"/>
+          <a:chOff x="0" y="0"/>
+          <a:chExt cx="0" cy="0"/>
+        </a:xfrm>
+      </p:grpSpPr>
+      <p:sp>
+        <p:nvSpPr>
+          <p:cNvPr id="2" name="Titel 1">
+            <a:extLst>
+              <a:ext uri="{FF2B5EF4-FFF2-40B4-BE49-F238E27FC236}">
+                <a16:creationId xmlns:a16="http://schemas.microsoft.com/office/drawing/2014/main" id="{D89112FF-C93E-4058-BE39-CB3BA10C360D}"/>
+              </a:ext>
+            </a:extLst>
+          </p:cNvPr>
+          <p:cNvSpPr>
+            <a:spLocks noGrp="1"/>
+          </p:cNvSpPr>
+          <p:nvPr>
+            <p:ph type="title"/>
+          </p:nvPr>
+        </p:nvSpPr>
+        <p:spPr/>
+        <p:txBody>
+          <a:bodyPr/>
+          <a:lstStyle/>
+          <a:p>
+            <a:r>
+              <a:rPr lang="de-DE" dirty="0"/>
+              <a:t>Future Work</a:t>
+            </a:r>
+          </a:p>
+        </p:txBody>
+      </p:sp>
+      <p:sp>
+        <p:nvSpPr>
+          <p:cNvPr id="3" name="Inhaltsplatzhalter 2">
+            <a:extLst>
+              <a:ext uri="{FF2B5EF4-FFF2-40B4-BE49-F238E27FC236}">
+                <a16:creationId xmlns:a16="http://schemas.microsoft.com/office/drawing/2014/main" id="{1DB99C83-31B0-44B7-B245-CF7ACDFE1ED9}"/>
+              </a:ext>
+            </a:extLst>
+          </p:cNvPr>
+          <p:cNvSpPr>
+            <a:spLocks noGrp="1"/>
+          </p:cNvSpPr>
+          <p:nvPr>
+            <p:ph idx="1"/>
+          </p:nvPr>
+        </p:nvSpPr>
+        <p:spPr/>
+        <p:txBody>
+          <a:bodyPr/>
+          <a:lstStyle/>
+          <a:p>
+            <a:r>
+              <a:rPr lang="de-DE" dirty="0"/>
+              <a:t>BSDF </a:t>
+            </a:r>
+            <a:r>
+              <a:rPr lang="de-DE" dirty="0" err="1"/>
+              <a:t>estimation</a:t>
+            </a:r>
+            <a:endParaRPr lang="de-DE" dirty="0"/>
+          </a:p>
+          <a:p>
+            <a:r>
+              <a:rPr lang="de-DE" dirty="0" err="1"/>
+              <a:t>Generic</a:t>
+            </a:r>
+            <a:r>
+              <a:rPr lang="de-DE" dirty="0"/>
+              <a:t> </a:t>
+            </a:r>
+            <a:r>
+              <a:rPr lang="de-DE" dirty="0" err="1"/>
+              <a:t>geometry</a:t>
+            </a:r>
+            <a:endParaRPr lang="de-DE" dirty="0"/>
+          </a:p>
+          <a:p>
+            <a:r>
+              <a:rPr lang="de-DE" dirty="0" err="1"/>
+              <a:t>Optimized</a:t>
+            </a:r>
+            <a:r>
+              <a:rPr lang="de-DE" dirty="0"/>
+              <a:t> C++ </a:t>
+            </a:r>
+            <a:r>
+              <a:rPr lang="de-DE" dirty="0" err="1"/>
+              <a:t>implementation</a:t>
+            </a:r>
+            <a:endParaRPr lang="de-DE" dirty="0"/>
+          </a:p>
+        </p:txBody>
+      </p:sp>
+      <p:sp>
+        <p:nvSpPr>
+          <p:cNvPr id="4" name="Datumsplatzhalter 3">
+            <a:extLst>
+              <a:ext uri="{FF2B5EF4-FFF2-40B4-BE49-F238E27FC236}">
+                <a16:creationId xmlns:a16="http://schemas.microsoft.com/office/drawing/2014/main" id="{E9F146CA-6467-462B-85E8-52609A8AEB3F}"/>
+              </a:ext>
+            </a:extLst>
+          </p:cNvPr>
+          <p:cNvSpPr>
+            <a:spLocks noGrp="1"/>
+          </p:cNvSpPr>
+          <p:nvPr>
+            <p:ph type="dt" sz="half" idx="10"/>
+          </p:nvPr>
+        </p:nvSpPr>
+        <p:spPr/>
+        <p:txBody>
+          <a:bodyPr/>
+          <a:lstStyle/>
+          <a:p>
+            <a:r>
+              <a:rPr lang="de-DE"/>
+              <a:t>24.02.2020</a:t>
+            </a:r>
+          </a:p>
+        </p:txBody>
+      </p:sp>
+      <p:sp>
+        <p:nvSpPr>
+          <p:cNvPr id="5" name="Fußzeilenplatzhalter 4">
+            <a:extLst>
+              <a:ext uri="{FF2B5EF4-FFF2-40B4-BE49-F238E27FC236}">
+                <a16:creationId xmlns:a16="http://schemas.microsoft.com/office/drawing/2014/main" id="{B917B614-B429-462E-ACC6-5E52CDCAA7D1}"/>
+              </a:ext>
+            </a:extLst>
+          </p:cNvPr>
+          <p:cNvSpPr>
+            <a:spLocks noGrp="1"/>
+          </p:cNvSpPr>
+          <p:nvPr>
+            <p:ph type="ftr" sz="quarter" idx="11"/>
+          </p:nvPr>
+        </p:nvSpPr>
+        <p:spPr/>
+        <p:txBody>
+          <a:bodyPr/>
+          <a:lstStyle/>
+          <a:p>
+            <a:r>
+              <a:rPr lang="de-DE"/>
+              <a:t>Computer Graphics Project WS 2019/2020</a:t>
+            </a:r>
+          </a:p>
+        </p:txBody>
+      </p:sp>
+      <p:sp>
+        <p:nvSpPr>
+          <p:cNvPr id="6" name="Foliennummernplatzhalter 5">
+            <a:extLst>
+              <a:ext uri="{FF2B5EF4-FFF2-40B4-BE49-F238E27FC236}">
+                <a16:creationId xmlns:a16="http://schemas.microsoft.com/office/drawing/2014/main" id="{4C108298-FC96-4F8E-A46C-1406BADE6F66}"/>
+              </a:ext>
+            </a:extLst>
+          </p:cNvPr>
+          <p:cNvSpPr>
+            <a:spLocks noGrp="1"/>
+          </p:cNvSpPr>
+          <p:nvPr>
+            <p:ph type="sldNum" sz="quarter" idx="12"/>
+          </p:nvPr>
+        </p:nvSpPr>
+        <p:spPr/>
+        <p:txBody>
+          <a:bodyPr/>
+          <a:lstStyle/>
+          <a:p>
+            <a:fld id="{50F8780B-A277-4DF9-8FC2-595931A1DBFA}" type="slidenum">
+              <a:rPr lang="de-DE" smtClean="0"/>
+              <a:t>15</a:t>
+            </a:fld>
+            <a:endParaRPr lang="de-DE"/>
+          </a:p>
+        </p:txBody>
+      </p:sp>
+    </p:spTree>
+    <p:extLst>
+      <p:ext uri="{BB962C8B-B14F-4D97-AF65-F5344CB8AC3E}">
+        <p14:creationId xmlns:p14="http://schemas.microsoft.com/office/powerpoint/2010/main" val="29209708"/>
       </p:ext>
     </p:extLst>
   </p:cSld>
@@ -7281,7 +8531,7 @@
         </p:nvSpPr>
         <p:spPr>
           <a:xfrm>
-            <a:off x="5288144" y="2859260"/>
+            <a:off x="5288144" y="2843612"/>
             <a:ext cx="958486" cy="740622"/>
           </a:xfrm>
           <a:prstGeom prst="roundRect">
@@ -7540,14 +8790,14 @@
           <p:cNvCxnSpPr>
             <a:cxnSpLocks/>
             <a:stCxn id="8" idx="2"/>
-            <a:endCxn id="50" idx="0"/>
+            <a:endCxn id="31" idx="0"/>
           </p:cNvCxnSpPr>
           <p:nvPr/>
         </p:nvCxnSpPr>
         <p:spPr>
           <a:xfrm flipH="1">
             <a:off x="5767387" y="2255425"/>
-            <a:ext cx="3846" cy="603835"/>
+            <a:ext cx="3846" cy="588187"/>
           </a:xfrm>
           <a:prstGeom prst="straightConnector1">
             <a:avLst/>
@@ -8586,10 +9836,10 @@
       </p:pic>
       <p:sp>
         <p:nvSpPr>
-          <p:cNvPr id="50" name="Rechteck: abgerundete Ecken 49">
-            <a:extLst>
-              <a:ext uri="{FF2B5EF4-FFF2-40B4-BE49-F238E27FC236}">
-                <a16:creationId xmlns:a16="http://schemas.microsoft.com/office/drawing/2014/main" id="{EAAFA674-94B2-4296-8665-1F4B16520952}"/>
+          <p:cNvPr id="51" name="Rechteck 50">
+            <a:extLst>
+              <a:ext uri="{FF2B5EF4-FFF2-40B4-BE49-F238E27FC236}">
+                <a16:creationId xmlns:a16="http://schemas.microsoft.com/office/drawing/2014/main" id="{DA62369D-FEE9-43D4-8585-2144ED356CCA}"/>
               </a:ext>
             </a:extLst>
           </p:cNvPr>
@@ -8598,7 +9848,75 @@
         </p:nvSpPr>
         <p:spPr>
           <a:xfrm>
-            <a:off x="5288144" y="2859260"/>
+            <a:off x="5432199" y="3626781"/>
+            <a:ext cx="670376" cy="369332"/>
+          </a:xfrm>
+          <a:prstGeom prst="rect">
+            <a:avLst/>
+          </a:prstGeom>
+        </p:spPr>
+        <p:txBody>
+          <a:bodyPr wrap="none">
+            <a:spAutoFit/>
+          </a:bodyPr>
+          <a:lstStyle/>
+          <a:p>
+            <a:r>
+              <a:rPr lang="de-DE" dirty="0"/>
+              <a:t>[1, 2]</a:t>
+            </a:r>
+          </a:p>
+        </p:txBody>
+      </p:sp>
+      <p:sp>
+        <p:nvSpPr>
+          <p:cNvPr id="52" name="Rechteck 51">
+            <a:extLst>
+              <a:ext uri="{FF2B5EF4-FFF2-40B4-BE49-F238E27FC236}">
+                <a16:creationId xmlns:a16="http://schemas.microsoft.com/office/drawing/2014/main" id="{5018355F-8A65-4317-8A89-AC226A62EFD9}"/>
+              </a:ext>
+            </a:extLst>
+          </p:cNvPr>
+          <p:cNvSpPr/>
+          <p:nvPr/>
+        </p:nvSpPr>
+        <p:spPr>
+          <a:xfrm>
+            <a:off x="6770085" y="1963035"/>
+            <a:ext cx="442750" cy="369332"/>
+          </a:xfrm>
+          <a:prstGeom prst="rect">
+            <a:avLst/>
+          </a:prstGeom>
+        </p:spPr>
+        <p:txBody>
+          <a:bodyPr wrap="none">
+            <a:spAutoFit/>
+          </a:bodyPr>
+          <a:lstStyle/>
+          <a:p>
+            <a:r>
+              <a:rPr lang="de-DE" dirty="0"/>
+              <a:t>[3]</a:t>
+            </a:r>
+          </a:p>
+        </p:txBody>
+      </p:sp>
+      <p:sp>
+        <p:nvSpPr>
+          <p:cNvPr id="31" name="Rechteck: abgerundete Ecken 30">
+            <a:extLst>
+              <a:ext uri="{FF2B5EF4-FFF2-40B4-BE49-F238E27FC236}">
+                <a16:creationId xmlns:a16="http://schemas.microsoft.com/office/drawing/2014/main" id="{014721B6-479F-4FD4-BDA0-840347775527}"/>
+              </a:ext>
+            </a:extLst>
+          </p:cNvPr>
+          <p:cNvSpPr/>
+          <p:nvPr/>
+        </p:nvSpPr>
+        <p:spPr>
+          <a:xfrm>
+            <a:off x="5288144" y="2843612"/>
             <a:ext cx="958486" cy="740622"/>
           </a:xfrm>
           <a:prstGeom prst="roundRect">
@@ -8641,74 +9959,6 @@
                 </a:solidFill>
               </a:rPr>
               <a:t>CNN</a:t>
-            </a:r>
-          </a:p>
-        </p:txBody>
-      </p:sp>
-      <p:sp>
-        <p:nvSpPr>
-          <p:cNvPr id="51" name="Rechteck 50">
-            <a:extLst>
-              <a:ext uri="{FF2B5EF4-FFF2-40B4-BE49-F238E27FC236}">
-                <a16:creationId xmlns:a16="http://schemas.microsoft.com/office/drawing/2014/main" id="{DA62369D-FEE9-43D4-8585-2144ED356CCA}"/>
-              </a:ext>
-            </a:extLst>
-          </p:cNvPr>
-          <p:cNvSpPr/>
-          <p:nvPr/>
-        </p:nvSpPr>
-        <p:spPr>
-          <a:xfrm>
-            <a:off x="5432199" y="3626781"/>
-            <a:ext cx="670376" cy="369332"/>
-          </a:xfrm>
-          <a:prstGeom prst="rect">
-            <a:avLst/>
-          </a:prstGeom>
-        </p:spPr>
-        <p:txBody>
-          <a:bodyPr wrap="none">
-            <a:spAutoFit/>
-          </a:bodyPr>
-          <a:lstStyle/>
-          <a:p>
-            <a:r>
-              <a:rPr lang="de-DE" dirty="0"/>
-              <a:t>[1, 2]</a:t>
-            </a:r>
-          </a:p>
-        </p:txBody>
-      </p:sp>
-      <p:sp>
-        <p:nvSpPr>
-          <p:cNvPr id="52" name="Rechteck 51">
-            <a:extLst>
-              <a:ext uri="{FF2B5EF4-FFF2-40B4-BE49-F238E27FC236}">
-                <a16:creationId xmlns:a16="http://schemas.microsoft.com/office/drawing/2014/main" id="{5018355F-8A65-4317-8A89-AC226A62EFD9}"/>
-              </a:ext>
-            </a:extLst>
-          </p:cNvPr>
-          <p:cNvSpPr/>
-          <p:nvPr/>
-        </p:nvSpPr>
-        <p:spPr>
-          <a:xfrm>
-            <a:off x="6807500" y="1597144"/>
-            <a:ext cx="442750" cy="369332"/>
-          </a:xfrm>
-          <a:prstGeom prst="rect">
-            <a:avLst/>
-          </a:prstGeom>
-        </p:spPr>
-        <p:txBody>
-          <a:bodyPr wrap="none">
-            <a:spAutoFit/>
-          </a:bodyPr>
-          <a:lstStyle/>
-          <a:p>
-            <a:r>
-              <a:rPr lang="de-DE" dirty="0"/>
-              <a:t>[3]</a:t>
             </a:r>
           </a:p>
         </p:txBody>
@@ -8765,8 +10015,12 @@
           <a:lstStyle/>
           <a:p>
             <a:r>
+              <a:rPr lang="de-DE" dirty="0" err="1"/>
+              <a:t>Recap</a:t>
+            </a:r>
+            <a:r>
               <a:rPr lang="de-DE" dirty="0"/>
-              <a:t>Motivation</a:t>
+              <a:t> – Motivation</a:t>
             </a:r>
           </a:p>
         </p:txBody>
@@ -8789,7 +10043,9 @@
         </p:nvSpPr>
         <p:spPr/>
         <p:txBody>
-          <a:bodyPr/>
+          <a:bodyPr>
+            <a:normAutofit/>
+          </a:bodyPr>
           <a:lstStyle/>
           <a:p>
             <a:r>
@@ -8810,9 +10066,65 @@
             </a:r>
           </a:p>
           <a:p>
+            <a:pPr lvl="1"/>
+            <a:r>
+              <a:rPr lang="en-US" dirty="0"/>
+              <a:t>Holistic 3D reconstruction </a:t>
+            </a:r>
+            <a:br>
+              <a:rPr lang="en-US" dirty="0"/>
+            </a:br>
+            <a:r>
+              <a:rPr lang="en-US" dirty="0"/>
+              <a:t>(geometry + material)</a:t>
+            </a:r>
+          </a:p>
+          <a:p>
+            <a:pPr lvl="1"/>
+            <a:r>
+              <a:rPr lang="en-US" dirty="0"/>
+              <a:t>Photorealistic assets for </a:t>
+            </a:r>
+          </a:p>
+          <a:p>
+            <a:pPr lvl="2"/>
+            <a:r>
+              <a:rPr lang="en-US" dirty="0"/>
+              <a:t>Games</a:t>
+            </a:r>
+          </a:p>
+          <a:p>
+            <a:pPr lvl="2"/>
+            <a:r>
+              <a:rPr lang="en-US" dirty="0"/>
+              <a:t>Movies</a:t>
+            </a:r>
+          </a:p>
+          <a:p>
+            <a:pPr lvl="2"/>
+            <a:r>
+              <a:rPr lang="en-US" dirty="0"/>
+              <a:t>Cultural heritage</a:t>
+            </a:r>
+          </a:p>
+          <a:p>
+            <a:pPr lvl="2"/>
+            <a:r>
+              <a:rPr lang="en-DE" dirty="0"/>
+              <a:t>…</a:t>
+            </a:r>
             <a:endParaRPr lang="de-DE" dirty="0"/>
           </a:p>
           <a:p>
+            <a:pPr lvl="1"/>
+            <a:r>
+              <a:rPr lang="de-DE" dirty="0"/>
+              <a:t>Multi material 3D </a:t>
+            </a:r>
+            <a:r>
+              <a:rPr lang="de-DE" dirty="0" err="1"/>
+              <a:t>printing</a:t>
+            </a:r>
             <a:endParaRPr lang="de-DE" dirty="0"/>
           </a:p>
           <a:p>
@@ -8830,11 +10142,11 @@
             </a:r>
             <a:r>
               <a:rPr lang="de-DE" dirty="0"/>
-              <a:t> an </a:t>
+              <a:t> a </a:t>
             </a:r>
             <a:r>
               <a:rPr lang="de-DE" dirty="0" err="1"/>
-              <a:t>existing</a:t>
+              <a:t>differentiable</a:t>
             </a:r>
             <a:r>
               <a:rPr lang="de-DE" dirty="0"/>
@@ -8842,7 +10154,30 @@
             </a:r>
             <a:r>
               <a:rPr lang="de-DE" dirty="0" err="1"/>
-              <a:t>differentiable</a:t>
+              <a:t>pathtracer</a:t>
+            </a:r>
+            <a:r>
+              <a:rPr lang="de-DE" dirty="0"/>
+              <a:t>?</a:t>
+            </a:r>
+          </a:p>
+          <a:p>
+            <a:pPr lvl="1"/>
+            <a:r>
+              <a:rPr lang="de-DE" dirty="0"/>
+              <a:t>General </a:t>
+            </a:r>
+            <a:r>
+              <a:rPr lang="de-DE" dirty="0" err="1"/>
+              <a:t>approach</a:t>
+            </a:r>
+            <a:r>
+              <a:rPr lang="de-DE" dirty="0"/>
+              <a:t> (</a:t>
+            </a:r>
+            <a:r>
+              <a:rPr lang="de-DE" dirty="0" err="1"/>
+              <a:t>independent</a:t>
             </a:r>
             <a:r>
               <a:rPr lang="de-DE" dirty="0"/>
@@ -8850,28 +10185,52 @@
             </a:r>
             <a:r>
               <a:rPr lang="de-DE" dirty="0" err="1"/>
-              <a:t>renderer</a:t>
+              <a:t>of</a:t>
             </a:r>
             <a:r>
               <a:rPr lang="de-DE" dirty="0"/>
-              <a:t>, </a:t>
+              <a:t> </a:t>
             </a:r>
             <a:r>
               <a:rPr lang="de-DE" dirty="0" err="1"/>
-              <a:t>specifically</a:t>
+              <a:t>use</a:t>
             </a:r>
             <a:r>
               <a:rPr lang="de-DE" dirty="0"/>
-              <a:t> a </a:t>
+              <a:t> </a:t>
             </a:r>
             <a:r>
               <a:rPr lang="de-DE" dirty="0" err="1"/>
-              <a:t>pathtracer</a:t>
+              <a:t>case</a:t>
             </a:r>
             <a:r>
               <a:rPr lang="de-DE" dirty="0"/>
-              <a:t>?</a:t>
-            </a:r>
+              <a:t>)</a:t>
+            </a:r>
+          </a:p>
+          <a:p>
+            <a:pPr lvl="1"/>
+            <a:r>
+              <a:rPr lang="de-DE" dirty="0"/>
+              <a:t>Flexible light </a:t>
+            </a:r>
+            <a:r>
+              <a:rPr lang="de-DE" dirty="0" err="1"/>
+              <a:t>transport</a:t>
+            </a:r>
+            <a:r>
+              <a:rPr lang="de-DE" dirty="0"/>
+              <a:t> </a:t>
+            </a:r>
+            <a:r>
+              <a:rPr lang="de-DE" dirty="0" err="1"/>
+              <a:t>simulations</a:t>
+            </a:r>
+            <a:endParaRPr lang="de-DE" dirty="0"/>
+          </a:p>
+          <a:p>
+            <a:pPr lvl="1"/>
+            <a:endParaRPr lang="de-DE" dirty="0"/>
           </a:p>
         </p:txBody>
       </p:sp>
@@ -8960,6 +10319,42 @@
           </a:p>
         </p:txBody>
       </p:sp>
+      <p:pic>
+        <p:nvPicPr>
+          <p:cNvPr id="7" name="Grafik 6">
+            <a:extLst>
+              <a:ext uri="{FF2B5EF4-FFF2-40B4-BE49-F238E27FC236}">
+                <a16:creationId xmlns:a16="http://schemas.microsoft.com/office/drawing/2014/main" id="{A46731D0-0D0F-4E8A-86AB-BC397A27E75C}"/>
+              </a:ext>
+            </a:extLst>
+          </p:cNvPr>
+          <p:cNvPicPr>
+            <a:picLocks noChangeAspect="1"/>
+          </p:cNvPicPr>
+          <p:nvPr/>
+        </p:nvPicPr>
+        <p:blipFill>
+          <a:blip r:embed="rId2" cstate="print">
+            <a:extLst>
+              <a:ext uri="{28A0092B-C50C-407E-A947-70E740481C1C}">
+                <a14:useLocalDpi xmlns:a14="http://schemas.microsoft.com/office/drawing/2010/main" val="0"/>
+              </a:ext>
+            </a:extLst>
+          </a:blip>
+          <a:stretch>
+            <a:fillRect/>
+          </a:stretch>
+        </p:blipFill>
+        <p:spPr>
+          <a:xfrm>
+            <a:off x="6452838" y="1200212"/>
+            <a:ext cx="5229576" cy="3040807"/>
+          </a:xfrm>
+          <a:prstGeom prst="rect">
+            <a:avLst/>
+          </a:prstGeom>
+        </p:spPr>
+      </p:pic>
     </p:spTree>
     <p:extLst>
       <p:ext uri="{BB962C8B-B14F-4D97-AF65-F5344CB8AC3E}">
@@ -9017,84 +10412,39 @@
             </a:r>
             <a:r>
               <a:rPr lang="de-DE" dirty="0"/>
-              <a:t> </a:t>
+              <a:t> – Data </a:t>
+            </a:r>
+          </a:p>
+        </p:txBody>
+      </p:sp>
+      <p:sp>
+        <p:nvSpPr>
+          <p:cNvPr id="3" name="Inhaltsplatzhalter 2">
+            <a:extLst>
+              <a:ext uri="{FF2B5EF4-FFF2-40B4-BE49-F238E27FC236}">
+                <a16:creationId xmlns:a16="http://schemas.microsoft.com/office/drawing/2014/main" id="{42C1FB8B-FD5A-4421-ADC7-6C1BC1B5BFA7}"/>
+              </a:ext>
+            </a:extLst>
+          </p:cNvPr>
+          <p:cNvSpPr>
+            <a:spLocks noGrp="1"/>
+          </p:cNvSpPr>
+          <p:nvPr>
+            <p:ph idx="1"/>
+          </p:nvPr>
+        </p:nvSpPr>
+        <p:spPr/>
+        <p:txBody>
+          <a:bodyPr/>
+          <a:lstStyle/>
+          <a:p>
+            <a:r>
+              <a:rPr lang="de-DE" dirty="0"/>
+              <a:t>Data </a:t>
             </a:r>
             <a:r>
               <a:rPr lang="de-DE" dirty="0" err="1"/>
-              <a:t>Overview</a:t>
-            </a:r>
-            <a:endParaRPr lang="de-DE" dirty="0"/>
-          </a:p>
-        </p:txBody>
-      </p:sp>
-      <p:sp>
-        <p:nvSpPr>
-          <p:cNvPr id="3" name="Inhaltsplatzhalter 2">
-            <a:extLst>
-              <a:ext uri="{FF2B5EF4-FFF2-40B4-BE49-F238E27FC236}">
-                <a16:creationId xmlns:a16="http://schemas.microsoft.com/office/drawing/2014/main" id="{42C1FB8B-FD5A-4421-ADC7-6C1BC1B5BFA7}"/>
-              </a:ext>
-            </a:extLst>
-          </p:cNvPr>
-          <p:cNvSpPr>
-            <a:spLocks noGrp="1"/>
-          </p:cNvSpPr>
-          <p:nvPr>
-            <p:ph idx="1"/>
-          </p:nvPr>
-        </p:nvSpPr>
-        <p:spPr/>
-        <p:txBody>
-          <a:bodyPr/>
-          <a:lstStyle/>
-          <a:p>
-            <a:r>
-              <a:rPr lang="de-DE" dirty="0"/>
-              <a:t>TODO: Flowchart </a:t>
-            </a:r>
-            <a:r>
-              <a:rPr lang="de-DE" dirty="0" err="1"/>
-              <a:t>of</a:t>
-            </a:r>
-            <a:r>
-              <a:rPr lang="de-DE" dirty="0"/>
-              <a:t> </a:t>
-            </a:r>
-            <a:r>
-              <a:rPr lang="de-DE" dirty="0" err="1"/>
-              <a:t>the</a:t>
-            </a:r>
-            <a:r>
-              <a:rPr lang="de-DE" dirty="0"/>
-              <a:t> </a:t>
-            </a:r>
-            <a:r>
-              <a:rPr lang="de-DE" dirty="0" err="1"/>
-              <a:t>algorithm</a:t>
-            </a:r>
-            <a:r>
-              <a:rPr lang="de-DE" dirty="0"/>
-              <a:t> </a:t>
-            </a:r>
-            <a:r>
-              <a:rPr lang="de-DE" dirty="0" err="1"/>
-              <a:t>separated</a:t>
-            </a:r>
-            <a:r>
-              <a:rPr lang="de-DE" dirty="0"/>
-              <a:t> </a:t>
-            </a:r>
-            <a:r>
-              <a:rPr lang="de-DE" dirty="0" err="1"/>
-              <a:t>into</a:t>
-            </a:r>
-            <a:r>
-              <a:rPr lang="de-DE" dirty="0"/>
-              <a:t> Training and </a:t>
-            </a:r>
-            <a:r>
-              <a:rPr lang="de-DE" dirty="0" err="1"/>
-              <a:t>Inference</a:t>
+              <a:t>representation</a:t>
             </a:r>
             <a:r>
               <a:rPr lang="de-DE" dirty="0"/>
@@ -9106,120 +10456,38 @@
             </a:r>
             <a:r>
               <a:rPr lang="de-DE" dirty="0"/>
-              <a:t>, SVBRDF, </a:t>
+              <a:t> (</a:t>
             </a:r>
             <a:r>
               <a:rPr lang="de-DE" dirty="0" err="1"/>
-              <a:t>image</a:t>
+              <a:t>maybe</a:t>
             </a:r>
             <a:r>
               <a:rPr lang="de-DE" dirty="0"/>
-              <a:t> </a:t>
+              <a:t>) + SVBRDFs)</a:t>
+            </a:r>
+          </a:p>
+          <a:p>
+            <a:r>
+              <a:rPr lang="de-DE" dirty="0"/>
+              <a:t>Image </a:t>
             </a:r>
             <a:r>
               <a:rPr lang="de-DE" dirty="0" err="1"/>
               <a:t>generation</a:t>
             </a:r>
+            <a:endParaRPr lang="de-DE" dirty="0"/>
+          </a:p>
+          <a:p>
             <a:r>
               <a:rPr lang="de-DE" dirty="0"/>
-              <a:t>, </a:t>
+              <a:t>Material </a:t>
             </a:r>
             <a:r>
               <a:rPr lang="de-DE" dirty="0" err="1"/>
-              <a:t>data</a:t>
-            </a:r>
-            <a:r>
-              <a:rPr lang="de-DE" dirty="0"/>
-              <a:t> </a:t>
-            </a:r>
-            <a:r>
-              <a:rPr lang="de-DE" dirty="0" err="1"/>
-              <a:t>preparation</a:t>
-            </a:r>
-            <a:r>
-              <a:rPr lang="de-DE" dirty="0"/>
-              <a:t>, u-</a:t>
-            </a:r>
-            <a:r>
-              <a:rPr lang="de-DE" dirty="0" err="1"/>
-              <a:t>net</a:t>
-            </a:r>
-            <a:r>
-              <a:rPr lang="de-DE" dirty="0"/>
-              <a:t> </a:t>
-            </a:r>
-            <a:r>
-              <a:rPr lang="de-DE" dirty="0" err="1"/>
-              <a:t>encoder</a:t>
-            </a:r>
-            <a:r>
-              <a:rPr lang="de-DE" dirty="0"/>
-              <a:t> </a:t>
-            </a:r>
-            <a:r>
-              <a:rPr lang="de-DE" dirty="0" err="1"/>
-              <a:t>decoder</a:t>
-            </a:r>
-            <a:r>
-              <a:rPr lang="de-DE" dirty="0"/>
-              <a:t>, </a:t>
-            </a:r>
-            <a:r>
-              <a:rPr lang="de-DE" dirty="0" err="1"/>
-              <a:t>loss</a:t>
-            </a:r>
-            <a:r>
-              <a:rPr lang="de-DE" dirty="0"/>
-              <a:t> </a:t>
-            </a:r>
-            <a:r>
-              <a:rPr lang="de-DE" dirty="0" err="1"/>
-              <a:t>function</a:t>
-            </a:r>
-            <a:r>
-              <a:rPr lang="de-DE" dirty="0"/>
-              <a:t> (</a:t>
-            </a:r>
-            <a:r>
-              <a:rPr lang="de-DE" dirty="0" err="1"/>
-              <a:t>with</a:t>
-            </a:r>
-            <a:r>
-              <a:rPr lang="de-DE" dirty="0"/>
-              <a:t> </a:t>
-            </a:r>
-            <a:r>
-              <a:rPr lang="de-DE" dirty="0" err="1"/>
-              <a:t>renderers</a:t>
-            </a:r>
-            <a:r>
-              <a:rPr lang="de-DE" dirty="0"/>
-              <a:t> [</a:t>
-            </a:r>
-            <a:r>
-              <a:rPr lang="de-DE" dirty="0" err="1"/>
-              <a:t>direct</a:t>
-            </a:r>
-            <a:r>
-              <a:rPr lang="de-DE" dirty="0"/>
-              <a:t> </a:t>
-            </a:r>
-            <a:r>
-              <a:rPr lang="de-DE" dirty="0" err="1"/>
-              <a:t>illumination</a:t>
-            </a:r>
-            <a:r>
-              <a:rPr lang="de-DE" dirty="0"/>
-              <a:t>/</a:t>
-            </a:r>
-            <a:r>
-              <a:rPr lang="de-DE" dirty="0" err="1"/>
-              <a:t>pathtracing</a:t>
-            </a:r>
-            <a:r>
-              <a:rPr lang="de-DE" dirty="0"/>
-              <a:t>]))</a:t>
-            </a:r>
+              <a:t>mixing</a:t>
+            </a:r>
+            <a:endParaRPr lang="de-DE" dirty="0"/>
           </a:p>
         </p:txBody>
       </p:sp>
@@ -9311,7 +10579,7 @@
     </p:spTree>
     <p:extLst>
       <p:ext uri="{BB962C8B-B14F-4D97-AF65-F5344CB8AC3E}">
-        <p14:creationId xmlns:p14="http://schemas.microsoft.com/office/powerpoint/2010/main" val="2576702042"/>
+        <p14:creationId xmlns:p14="http://schemas.microsoft.com/office/powerpoint/2010/main" val="4061427890"/>
       </p:ext>
     </p:extLst>
   </p:cSld>
@@ -9343,7 +10611,7 @@
           <p:cNvPr id="2" name="Titel 1">
             <a:extLst>
               <a:ext uri="{FF2B5EF4-FFF2-40B4-BE49-F238E27FC236}">
-                <a16:creationId xmlns:a16="http://schemas.microsoft.com/office/drawing/2014/main" id="{1FA60EB7-839E-4E4C-8EC9-534F0EF0AB3C}"/>
+                <a16:creationId xmlns:a16="http://schemas.microsoft.com/office/drawing/2014/main" id="{77F7FDC2-661E-4F26-AE0C-BFD6A239937C}"/>
               </a:ext>
             </a:extLst>
           </p:cNvPr>
@@ -9360,8 +10628,16 @@
           <a:lstStyle/>
           <a:p>
             <a:r>
-              <a:rPr lang="en-US" dirty="0"/>
-              <a:t>Training</a:t>
+              <a:rPr lang="de-DE" dirty="0" err="1"/>
+              <a:t>Algorithm</a:t>
+            </a:r>
+            <a:r>
+              <a:rPr lang="de-DE" dirty="0"/>
+              <a:t> – </a:t>
+            </a:r>
+            <a:r>
+              <a:rPr lang="de-DE" dirty="0" err="1"/>
+              <a:t>Overview</a:t>
             </a:r>
             <a:endParaRPr lang="de-DE" dirty="0"/>
           </a:p>
@@ -9372,7 +10648,7 @@
           <p:cNvPr id="4" name="Datumsplatzhalter 3">
             <a:extLst>
               <a:ext uri="{FF2B5EF4-FFF2-40B4-BE49-F238E27FC236}">
-                <a16:creationId xmlns:a16="http://schemas.microsoft.com/office/drawing/2014/main" id="{5DBCC735-0B9E-4C24-A48C-80FBD469F0E6}"/>
+                <a16:creationId xmlns:a16="http://schemas.microsoft.com/office/drawing/2014/main" id="{BC0B2215-9B65-4C4E-BD3E-47C6BBAFC97D}"/>
               </a:ext>
             </a:extLst>
           </p:cNvPr>
@@ -9400,7 +10676,7 @@
           <p:cNvPr id="5" name="Fußzeilenplatzhalter 4">
             <a:extLst>
               <a:ext uri="{FF2B5EF4-FFF2-40B4-BE49-F238E27FC236}">
-                <a16:creationId xmlns:a16="http://schemas.microsoft.com/office/drawing/2014/main" id="{B63BA7E7-93F6-459D-A407-B0B4BA71C434}"/>
+                <a16:creationId xmlns:a16="http://schemas.microsoft.com/office/drawing/2014/main" id="{546CC190-375E-4F51-A989-53F9BD40E905}"/>
               </a:ext>
             </a:extLst>
           </p:cNvPr>
@@ -9428,7 +10704,7 @@
           <p:cNvPr id="6" name="Foliennummernplatzhalter 5">
             <a:extLst>
               <a:ext uri="{FF2B5EF4-FFF2-40B4-BE49-F238E27FC236}">
-                <a16:creationId xmlns:a16="http://schemas.microsoft.com/office/drawing/2014/main" id="{974EB64F-9007-43CB-9273-96406BD521D5}"/>
+                <a16:creationId xmlns:a16="http://schemas.microsoft.com/office/drawing/2014/main" id="{2991CED0-962F-47A3-A1C9-91CAA4700FF0}"/>
               </a:ext>
             </a:extLst>
           </p:cNvPr>
@@ -9452,95 +10728,12 @@
           </a:p>
         </p:txBody>
       </p:sp>
-      <p:cxnSp>
-        <p:nvCxnSpPr>
-          <p:cNvPr id="15" name="Gerade Verbindung mit Pfeil 14">
-            <a:extLst>
-              <a:ext uri="{FF2B5EF4-FFF2-40B4-BE49-F238E27FC236}">
-                <a16:creationId xmlns:a16="http://schemas.microsoft.com/office/drawing/2014/main" id="{5C1F50D2-38AF-45CD-A016-B63A3A582B05}"/>
-              </a:ext>
-            </a:extLst>
-          </p:cNvPr>
-          <p:cNvCxnSpPr>
-            <a:cxnSpLocks/>
-            <a:stCxn id="43" idx="3"/>
-            <a:endCxn id="23" idx="1"/>
-          </p:cNvCxnSpPr>
-          <p:nvPr/>
-        </p:nvCxnSpPr>
-        <p:spPr>
-          <a:xfrm>
-            <a:off x="1668241" y="3673924"/>
-            <a:ext cx="400045" cy="5859"/>
-          </a:xfrm>
-          <a:prstGeom prst="straightConnector1">
-            <a:avLst/>
-          </a:prstGeom>
-          <a:ln w="38100">
-            <a:solidFill>
-              <a:schemeClr val="tx1"/>
-            </a:solidFill>
-            <a:headEnd type="none" w="med" len="med"/>
-            <a:tailEnd type="triangle" w="med" len="med"/>
-          </a:ln>
-        </p:spPr>
-        <p:style>
-          <a:lnRef idx="1">
-            <a:schemeClr val="accent1"/>
-          </a:lnRef>
-          <a:fillRef idx="0">
-            <a:schemeClr val="accent1"/>
-          </a:fillRef>
-          <a:effectRef idx="0">
-            <a:schemeClr val="accent1"/>
-          </a:effectRef>
-          <a:fontRef idx="minor">
-            <a:schemeClr val="tx1"/>
-          </a:fontRef>
-        </p:style>
-      </p:cxnSp>
-      <p:sp>
-        <p:nvSpPr>
-          <p:cNvPr id="30" name="Textfeld 29">
-            <a:extLst>
-              <a:ext uri="{FF2B5EF4-FFF2-40B4-BE49-F238E27FC236}">
-                <a16:creationId xmlns:a16="http://schemas.microsoft.com/office/drawing/2014/main" id="{99FE4D20-5C0E-4471-97A6-CAB7EE08B898}"/>
-              </a:ext>
-            </a:extLst>
-          </p:cNvPr>
-          <p:cNvSpPr txBox="1"/>
-          <p:nvPr/>
-        </p:nvSpPr>
-        <p:spPr>
-          <a:xfrm>
-            <a:off x="3269271" y="911946"/>
-            <a:ext cx="1459823" cy="461665"/>
-          </a:xfrm>
-          <a:prstGeom prst="rect">
-            <a:avLst/>
-          </a:prstGeom>
-          <a:noFill/>
-        </p:spPr>
-        <p:txBody>
-          <a:bodyPr wrap="none" rtlCol="0">
-            <a:spAutoFit/>
-          </a:bodyPr>
-          <a:lstStyle/>
-          <a:p>
-            <a:r>
-              <a:rPr lang="en-US" sz="2400" dirty="0"/>
-              <a:t>Prediction</a:t>
-            </a:r>
-            <a:endParaRPr lang="de-DE" sz="2400" dirty="0"/>
-          </a:p>
-        </p:txBody>
-      </p:sp>
-      <p:sp>
-        <p:nvSpPr>
-          <p:cNvPr id="23" name="Rechteck: abgerundete Ecken 22">
-            <a:extLst>
-              <a:ext uri="{FF2B5EF4-FFF2-40B4-BE49-F238E27FC236}">
-                <a16:creationId xmlns:a16="http://schemas.microsoft.com/office/drawing/2014/main" id="{EC67C4AB-8C6D-48C8-A73A-C336DB64E3BA}"/>
+      <p:sp>
+        <p:nvSpPr>
+          <p:cNvPr id="9" name="Rechteck 8">
+            <a:extLst>
+              <a:ext uri="{FF2B5EF4-FFF2-40B4-BE49-F238E27FC236}">
+                <a16:creationId xmlns:a16="http://schemas.microsoft.com/office/drawing/2014/main" id="{23FF2B2A-2AB7-49FE-839A-BC070518F8FA}"/>
               </a:ext>
             </a:extLst>
           </p:cNvPr>
@@ -9549,16 +10742,19 @@
         </p:nvSpPr>
         <p:spPr>
           <a:xfrm>
-            <a:off x="2068286" y="3309472"/>
-            <a:ext cx="958486" cy="740622"/>
-          </a:xfrm>
-          <a:prstGeom prst="roundRect">
+            <a:off x="2665527" y="2983817"/>
+            <a:ext cx="246563" cy="1873246"/>
+          </a:xfrm>
+          <a:prstGeom prst="rect">
             <a:avLst/>
           </a:prstGeom>
           <a:solidFill>
-            <a:schemeClr val="bg1"/>
+            <a:schemeClr val="accent3">
+              <a:lumMod val="20000"/>
+              <a:lumOff val="80000"/>
+            </a:schemeClr>
           </a:solidFill>
-          <a:ln w="28575">
+          <a:ln>
             <a:solidFill>
               <a:schemeClr val="tx1"/>
             </a:solidFill>
@@ -9585,118 +10781,234 @@
           <a:lstStyle/>
           <a:p>
             <a:pPr algn="ctr"/>
-            <a:r>
-              <a:rPr lang="de-DE" sz="2400" dirty="0">
-                <a:solidFill>
-                  <a:schemeClr val="tx1"/>
-                </a:solidFill>
-              </a:rPr>
-              <a:t>CNN</a:t>
-            </a:r>
-          </a:p>
-        </p:txBody>
-      </p:sp>
-      <p:pic>
-        <p:nvPicPr>
-          <p:cNvPr id="42" name="Grafik 41" descr="Ein Bild, das drinnen, Bett, sitzend, Katze enthält.&#10;&#10;Automatisch generierte Beschreibung">
-            <a:extLst>
-              <a:ext uri="{FF2B5EF4-FFF2-40B4-BE49-F238E27FC236}">
-                <a16:creationId xmlns:a16="http://schemas.microsoft.com/office/drawing/2014/main" id="{0EAB9941-A723-4C43-B09D-D529C8F017BB}"/>
-              </a:ext>
-            </a:extLst>
-          </p:cNvPr>
-          <p:cNvPicPr>
-            <a:picLocks noChangeAspect="1"/>
-          </p:cNvPicPr>
+            <a:endParaRPr lang="de-DE" dirty="0">
+              <a:solidFill>
+                <a:schemeClr val="bg1">
+                  <a:lumMod val="95000"/>
+                </a:schemeClr>
+              </a:solidFill>
+            </a:endParaRPr>
+          </a:p>
+        </p:txBody>
+      </p:sp>
+      <p:sp>
+        <p:nvSpPr>
+          <p:cNvPr id="11" name="Rechteck 10">
+            <a:extLst>
+              <a:ext uri="{FF2B5EF4-FFF2-40B4-BE49-F238E27FC236}">
+                <a16:creationId xmlns:a16="http://schemas.microsoft.com/office/drawing/2014/main" id="{7B44B7A8-2E98-43FC-B244-A6C6E860375B}"/>
+              </a:ext>
+            </a:extLst>
+          </p:cNvPr>
+          <p:cNvSpPr/>
           <p:nvPr/>
-        </p:nvPicPr>
-        <p:blipFill>
-          <a:blip r:embed="rId3">
-            <a:extLst>
-              <a:ext uri="{28A0092B-C50C-407E-A947-70E740481C1C}">
-                <a14:useLocalDpi xmlns:a14="http://schemas.microsoft.com/office/drawing/2010/main" val="0"/>
-              </a:ext>
-            </a:extLst>
-          </a:blip>
-          <a:stretch>
-            <a:fillRect/>
-          </a:stretch>
-        </p:blipFill>
-        <p:spPr>
-          <a:xfrm rot="5400000">
-            <a:off x="1709719" y="3101558"/>
-            <a:ext cx="4578928" cy="1144733"/>
+        </p:nvSpPr>
+        <p:spPr>
+          <a:xfrm>
+            <a:off x="3123576" y="3388375"/>
+            <a:ext cx="300867" cy="1473200"/>
           </a:xfrm>
           <a:prstGeom prst="rect">
             <a:avLst/>
           </a:prstGeom>
-        </p:spPr>
-      </p:pic>
-      <p:pic>
-        <p:nvPicPr>
-          <p:cNvPr id="43" name="Grafik 42">
-            <a:extLst>
-              <a:ext uri="{FF2B5EF4-FFF2-40B4-BE49-F238E27FC236}">
-                <a16:creationId xmlns:a16="http://schemas.microsoft.com/office/drawing/2014/main" id="{817AB30E-04A9-4F15-B4D3-052A5C0C135A}"/>
-              </a:ext>
-            </a:extLst>
-          </p:cNvPr>
-          <p:cNvPicPr>
-            <a:picLocks noChangeAspect="1"/>
-          </p:cNvPicPr>
+          <a:solidFill>
+            <a:schemeClr val="accent3">
+              <a:lumMod val="20000"/>
+              <a:lumOff val="80000"/>
+            </a:schemeClr>
+          </a:solidFill>
+          <a:ln>
+            <a:solidFill>
+              <a:schemeClr val="tx1"/>
+            </a:solidFill>
+          </a:ln>
+        </p:spPr>
+        <p:style>
+          <a:lnRef idx="2">
+            <a:schemeClr val="accent1">
+              <a:shade val="50000"/>
+            </a:schemeClr>
+          </a:lnRef>
+          <a:fillRef idx="1">
+            <a:schemeClr val="accent1"/>
+          </a:fillRef>
+          <a:effectRef idx="0">
+            <a:schemeClr val="accent1"/>
+          </a:effectRef>
+          <a:fontRef idx="minor">
+            <a:schemeClr val="lt1"/>
+          </a:fontRef>
+        </p:style>
+        <p:txBody>
+          <a:bodyPr rtlCol="0" anchor="ctr"/>
+          <a:lstStyle/>
+          <a:p>
+            <a:pPr algn="ctr"/>
+            <a:endParaRPr lang="de-DE" dirty="0">
+              <a:solidFill>
+                <a:schemeClr val="bg1">
+                  <a:lumMod val="95000"/>
+                </a:schemeClr>
+              </a:solidFill>
+            </a:endParaRPr>
+          </a:p>
+        </p:txBody>
+      </p:sp>
+      <p:sp>
+        <p:nvSpPr>
+          <p:cNvPr id="14" name="Rechteck 13">
+            <a:extLst>
+              <a:ext uri="{FF2B5EF4-FFF2-40B4-BE49-F238E27FC236}">
+                <a16:creationId xmlns:a16="http://schemas.microsoft.com/office/drawing/2014/main" id="{9B968B11-6A98-4769-855E-CF64EB255374}"/>
+              </a:ext>
+            </a:extLst>
+          </p:cNvPr>
+          <p:cNvSpPr/>
           <p:nvPr/>
-        </p:nvPicPr>
-        <p:blipFill rotWithShape="1">
-          <a:blip r:embed="rId4" cstate="print">
-            <a:extLst>
-              <a:ext uri="{28A0092B-C50C-407E-A947-70E740481C1C}">
-                <a14:useLocalDpi xmlns:a14="http://schemas.microsoft.com/office/drawing/2010/main" val="0"/>
-              </a:ext>
-            </a:extLst>
-          </a:blip>
-          <a:srcRect l="64296" r="28594"/>
-          <a:stretch/>
-        </p:blipFill>
+        </p:nvSpPr>
         <p:spPr>
           <a:xfrm>
-            <a:off x="523507" y="3098862"/>
-            <a:ext cx="1144734" cy="1150123"/>
+            <a:off x="3635929" y="3830311"/>
+            <a:ext cx="387302" cy="1031264"/>
           </a:xfrm>
           <a:prstGeom prst="rect">
             <a:avLst/>
           </a:prstGeom>
-        </p:spPr>
-      </p:pic>
+          <a:solidFill>
+            <a:schemeClr val="accent3">
+              <a:lumMod val="20000"/>
+              <a:lumOff val="80000"/>
+            </a:schemeClr>
+          </a:solidFill>
+          <a:ln>
+            <a:solidFill>
+              <a:schemeClr val="tx1"/>
+            </a:solidFill>
+          </a:ln>
+        </p:spPr>
+        <p:style>
+          <a:lnRef idx="2">
+            <a:schemeClr val="accent1">
+              <a:shade val="50000"/>
+            </a:schemeClr>
+          </a:lnRef>
+          <a:fillRef idx="1">
+            <a:schemeClr val="accent1"/>
+          </a:fillRef>
+          <a:effectRef idx="0">
+            <a:schemeClr val="accent1"/>
+          </a:effectRef>
+          <a:fontRef idx="minor">
+            <a:schemeClr val="lt1"/>
+          </a:fontRef>
+        </p:style>
+        <p:txBody>
+          <a:bodyPr rtlCol="0" anchor="ctr"/>
+          <a:lstStyle/>
+          <a:p>
+            <a:pPr algn="ctr"/>
+            <a:endParaRPr lang="de-DE" dirty="0">
+              <a:solidFill>
+                <a:schemeClr val="bg1">
+                  <a:lumMod val="95000"/>
+                </a:schemeClr>
+              </a:solidFill>
+            </a:endParaRPr>
+          </a:p>
+        </p:txBody>
+      </p:sp>
+      <p:sp>
+        <p:nvSpPr>
+          <p:cNvPr id="15" name="Rechteck 14">
+            <a:extLst>
+              <a:ext uri="{FF2B5EF4-FFF2-40B4-BE49-F238E27FC236}">
+                <a16:creationId xmlns:a16="http://schemas.microsoft.com/office/drawing/2014/main" id="{ACF4573C-AF04-49CB-A49E-DC07D876802B}"/>
+              </a:ext>
+            </a:extLst>
+          </p:cNvPr>
+          <p:cNvSpPr/>
+          <p:nvPr/>
+        </p:nvSpPr>
+        <p:spPr>
+          <a:xfrm>
+            <a:off x="4619102" y="4701418"/>
+            <a:ext cx="868121" cy="162929"/>
+          </a:xfrm>
+          <a:prstGeom prst="rect">
+            <a:avLst/>
+          </a:prstGeom>
+          <a:solidFill>
+            <a:schemeClr val="accent3">
+              <a:lumMod val="20000"/>
+              <a:lumOff val="80000"/>
+            </a:schemeClr>
+          </a:solidFill>
+          <a:ln>
+            <a:solidFill>
+              <a:schemeClr val="tx1"/>
+            </a:solidFill>
+          </a:ln>
+        </p:spPr>
+        <p:style>
+          <a:lnRef idx="2">
+            <a:schemeClr val="accent1">
+              <a:shade val="50000"/>
+            </a:schemeClr>
+          </a:lnRef>
+          <a:fillRef idx="1">
+            <a:schemeClr val="accent1"/>
+          </a:fillRef>
+          <a:effectRef idx="0">
+            <a:schemeClr val="accent1"/>
+          </a:effectRef>
+          <a:fontRef idx="minor">
+            <a:schemeClr val="lt1"/>
+          </a:fontRef>
+        </p:style>
+        <p:txBody>
+          <a:bodyPr rtlCol="0" anchor="ctr"/>
+          <a:lstStyle/>
+          <a:p>
+            <a:pPr algn="ctr"/>
+            <a:endParaRPr lang="de-DE" dirty="0">
+              <a:solidFill>
+                <a:schemeClr val="bg1">
+                  <a:lumMod val="95000"/>
+                </a:schemeClr>
+              </a:solidFill>
+            </a:endParaRPr>
+          </a:p>
+        </p:txBody>
+      </p:sp>
       <p:cxnSp>
         <p:nvCxnSpPr>
-          <p:cNvPr id="46" name="Gerade Verbindung mit Pfeil 45">
-            <a:extLst>
-              <a:ext uri="{FF2B5EF4-FFF2-40B4-BE49-F238E27FC236}">
-                <a16:creationId xmlns:a16="http://schemas.microsoft.com/office/drawing/2014/main" id="{9C26F22C-F6D6-434C-B379-F81E6153064C}"/>
+          <p:cNvPr id="36" name="Gerade Verbindung mit Pfeil 35">
+            <a:extLst>
+              <a:ext uri="{FF2B5EF4-FFF2-40B4-BE49-F238E27FC236}">
+                <a16:creationId xmlns:a16="http://schemas.microsoft.com/office/drawing/2014/main" id="{B8001D39-53BF-4707-BB9D-1F38A0492B68}"/>
               </a:ext>
             </a:extLst>
           </p:cNvPr>
           <p:cNvCxnSpPr>
             <a:cxnSpLocks/>
-            <a:stCxn id="23" idx="3"/>
-            <a:endCxn id="42" idx="2"/>
+            <a:stCxn id="9" idx="2"/>
           </p:cNvCxnSpPr>
           <p:nvPr/>
         </p:nvCxnSpPr>
         <p:spPr>
-          <a:xfrm flipV="1">
-            <a:off x="3026772" y="3673925"/>
-            <a:ext cx="400045" cy="5858"/>
+          <a:xfrm>
+            <a:off x="2788809" y="4857063"/>
+            <a:ext cx="0" cy="374369"/>
           </a:xfrm>
           <a:prstGeom prst="straightConnector1">
             <a:avLst/>
           </a:prstGeom>
-          <a:ln w="38100">
+          <a:ln w="19050">
             <a:solidFill>
-              <a:schemeClr val="tx1"/>
+              <a:srgbClr val="C00000"/>
             </a:solidFill>
             <a:headEnd type="none" w="med" len="med"/>
-            <a:tailEnd type="triangle" w="med" len="med"/>
+            <a:tailEnd type="none" w="med" len="med"/>
           </a:ln>
         </p:spPr>
         <p:style>
@@ -9714,10 +11026,1277 @@
           </a:fontRef>
         </p:style>
       </p:cxnSp>
+      <p:cxnSp>
+        <p:nvCxnSpPr>
+          <p:cNvPr id="41" name="Gerade Verbindung mit Pfeil 40">
+            <a:extLst>
+              <a:ext uri="{FF2B5EF4-FFF2-40B4-BE49-F238E27FC236}">
+                <a16:creationId xmlns:a16="http://schemas.microsoft.com/office/drawing/2014/main" id="{5AA126B4-CF74-4154-8446-AF632094D657}"/>
+              </a:ext>
+            </a:extLst>
+          </p:cNvPr>
+          <p:cNvCxnSpPr>
+            <a:cxnSpLocks/>
+            <a:stCxn id="11" idx="2"/>
+          </p:cNvCxnSpPr>
+          <p:nvPr/>
+        </p:nvCxnSpPr>
+        <p:spPr>
+          <a:xfrm>
+            <a:off x="3274010" y="4861575"/>
+            <a:ext cx="0" cy="364221"/>
+          </a:xfrm>
+          <a:prstGeom prst="straightConnector1">
+            <a:avLst/>
+          </a:prstGeom>
+          <a:ln w="19050">
+            <a:solidFill>
+              <a:srgbClr val="C00000"/>
+            </a:solidFill>
+            <a:headEnd type="triangle" w="med" len="med"/>
+            <a:tailEnd type="triangle" w="med" len="med"/>
+          </a:ln>
+        </p:spPr>
+        <p:style>
+          <a:lnRef idx="1">
+            <a:schemeClr val="accent1"/>
+          </a:lnRef>
+          <a:fillRef idx="0">
+            <a:schemeClr val="accent1"/>
+          </a:fillRef>
+          <a:effectRef idx="0">
+            <a:schemeClr val="accent1"/>
+          </a:effectRef>
+          <a:fontRef idx="minor">
+            <a:schemeClr val="tx1"/>
+          </a:fontRef>
+        </p:style>
+      </p:cxnSp>
+      <p:sp>
+        <p:nvSpPr>
+          <p:cNvPr id="52" name="Textfeld 51">
+            <a:extLst>
+              <a:ext uri="{FF2B5EF4-FFF2-40B4-BE49-F238E27FC236}">
+                <a16:creationId xmlns:a16="http://schemas.microsoft.com/office/drawing/2014/main" id="{1C275961-EA87-4EDA-AAF2-9F265012F232}"/>
+              </a:ext>
+            </a:extLst>
+          </p:cNvPr>
+          <p:cNvSpPr txBox="1"/>
+          <p:nvPr/>
+        </p:nvSpPr>
+        <p:spPr>
+          <a:xfrm>
+            <a:off x="2937596" y="2557706"/>
+            <a:ext cx="911061" cy="384250"/>
+          </a:xfrm>
+          <a:prstGeom prst="rect">
+            <a:avLst/>
+          </a:prstGeom>
+          <a:noFill/>
+        </p:spPr>
+        <p:txBody>
+          <a:bodyPr wrap="none" rtlCol="0">
+            <a:spAutoFit/>
+          </a:bodyPr>
+          <a:lstStyle/>
+          <a:p>
+            <a:r>
+              <a:rPr lang="en-US" dirty="0"/>
+              <a:t>Encoder</a:t>
+            </a:r>
+            <a:endParaRPr lang="de-DE" dirty="0"/>
+          </a:p>
+        </p:txBody>
+      </p:sp>
+      <p:sp>
+        <p:nvSpPr>
+          <p:cNvPr id="61" name="Textfeld 60">
+            <a:extLst>
+              <a:ext uri="{FF2B5EF4-FFF2-40B4-BE49-F238E27FC236}">
+                <a16:creationId xmlns:a16="http://schemas.microsoft.com/office/drawing/2014/main" id="{751E9463-B3D8-42A4-815E-EEFB76354C09}"/>
+              </a:ext>
+            </a:extLst>
+          </p:cNvPr>
+          <p:cNvSpPr txBox="1"/>
+          <p:nvPr/>
+        </p:nvSpPr>
+        <p:spPr>
+          <a:xfrm>
+            <a:off x="5613858" y="4559359"/>
+            <a:ext cx="339114" cy="384250"/>
+          </a:xfrm>
+          <a:prstGeom prst="rect">
+            <a:avLst/>
+          </a:prstGeom>
+          <a:noFill/>
+        </p:spPr>
+        <p:txBody>
+          <a:bodyPr wrap="square" rtlCol="0">
+            <a:spAutoFit/>
+          </a:bodyPr>
+          <a:lstStyle/>
+          <a:p>
+            <a:r>
+              <a:rPr lang="en-US" dirty="0"/>
+              <a:t>…</a:t>
+            </a:r>
+            <a:endParaRPr lang="de-DE" dirty="0"/>
+          </a:p>
+        </p:txBody>
+      </p:sp>
+      <p:sp>
+        <p:nvSpPr>
+          <p:cNvPr id="62" name="Rechteck 61">
+            <a:extLst>
+              <a:ext uri="{FF2B5EF4-FFF2-40B4-BE49-F238E27FC236}">
+                <a16:creationId xmlns:a16="http://schemas.microsoft.com/office/drawing/2014/main" id="{DC569BBD-B1E0-422F-967C-4576B141BBD8}"/>
+              </a:ext>
+            </a:extLst>
+          </p:cNvPr>
+          <p:cNvSpPr/>
+          <p:nvPr/>
+        </p:nvSpPr>
+        <p:spPr>
+          <a:xfrm>
+            <a:off x="6079298" y="3825741"/>
+            <a:ext cx="387302" cy="1031264"/>
+          </a:xfrm>
+          <a:prstGeom prst="rect">
+            <a:avLst/>
+          </a:prstGeom>
+          <a:solidFill>
+            <a:schemeClr val="accent3">
+              <a:lumMod val="20000"/>
+              <a:lumOff val="80000"/>
+            </a:schemeClr>
+          </a:solidFill>
+          <a:ln>
+            <a:solidFill>
+              <a:schemeClr val="tx1"/>
+            </a:solidFill>
+          </a:ln>
+        </p:spPr>
+        <p:style>
+          <a:lnRef idx="2">
+            <a:schemeClr val="accent1">
+              <a:shade val="50000"/>
+            </a:schemeClr>
+          </a:lnRef>
+          <a:fillRef idx="1">
+            <a:schemeClr val="accent1"/>
+          </a:fillRef>
+          <a:effectRef idx="0">
+            <a:schemeClr val="accent1"/>
+          </a:effectRef>
+          <a:fontRef idx="minor">
+            <a:schemeClr val="lt1"/>
+          </a:fontRef>
+        </p:style>
+        <p:txBody>
+          <a:bodyPr rtlCol="0" anchor="ctr"/>
+          <a:lstStyle/>
+          <a:p>
+            <a:pPr algn="ctr"/>
+            <a:endParaRPr lang="de-DE" dirty="0">
+              <a:solidFill>
+                <a:schemeClr val="bg1">
+                  <a:lumMod val="95000"/>
+                </a:schemeClr>
+              </a:solidFill>
+            </a:endParaRPr>
+          </a:p>
+        </p:txBody>
+      </p:sp>
+      <p:sp>
+        <p:nvSpPr>
+          <p:cNvPr id="63" name="Rechteck 62">
+            <a:extLst>
+              <a:ext uri="{FF2B5EF4-FFF2-40B4-BE49-F238E27FC236}">
+                <a16:creationId xmlns:a16="http://schemas.microsoft.com/office/drawing/2014/main" id="{66E3D6C2-F90A-49EB-A96E-92280BD4F217}"/>
+              </a:ext>
+            </a:extLst>
+          </p:cNvPr>
+          <p:cNvSpPr/>
+          <p:nvPr/>
+        </p:nvSpPr>
+        <p:spPr>
+          <a:xfrm>
+            <a:off x="6674947" y="3391147"/>
+            <a:ext cx="300867" cy="1473200"/>
+          </a:xfrm>
+          <a:prstGeom prst="rect">
+            <a:avLst/>
+          </a:prstGeom>
+          <a:solidFill>
+            <a:schemeClr val="accent3">
+              <a:lumMod val="20000"/>
+              <a:lumOff val="80000"/>
+            </a:schemeClr>
+          </a:solidFill>
+          <a:ln>
+            <a:solidFill>
+              <a:schemeClr val="tx1"/>
+            </a:solidFill>
+          </a:ln>
+        </p:spPr>
+        <p:style>
+          <a:lnRef idx="2">
+            <a:schemeClr val="accent1">
+              <a:shade val="50000"/>
+            </a:schemeClr>
+          </a:lnRef>
+          <a:fillRef idx="1">
+            <a:schemeClr val="accent1"/>
+          </a:fillRef>
+          <a:effectRef idx="0">
+            <a:schemeClr val="accent1"/>
+          </a:effectRef>
+          <a:fontRef idx="minor">
+            <a:schemeClr val="lt1"/>
+          </a:fontRef>
+        </p:style>
+        <p:txBody>
+          <a:bodyPr rtlCol="0" anchor="ctr"/>
+          <a:lstStyle/>
+          <a:p>
+            <a:pPr algn="ctr"/>
+            <a:endParaRPr lang="de-DE" dirty="0">
+              <a:solidFill>
+                <a:schemeClr val="bg1">
+                  <a:lumMod val="95000"/>
+                </a:schemeClr>
+              </a:solidFill>
+            </a:endParaRPr>
+          </a:p>
+        </p:txBody>
+      </p:sp>
+      <p:sp>
+        <p:nvSpPr>
+          <p:cNvPr id="64" name="Rechteck 63">
+            <a:extLst>
+              <a:ext uri="{FF2B5EF4-FFF2-40B4-BE49-F238E27FC236}">
+                <a16:creationId xmlns:a16="http://schemas.microsoft.com/office/drawing/2014/main" id="{541021E9-5D74-44F9-8B75-A62B27686EE7}"/>
+              </a:ext>
+            </a:extLst>
+          </p:cNvPr>
+          <p:cNvSpPr/>
+          <p:nvPr/>
+        </p:nvSpPr>
+        <p:spPr>
+          <a:xfrm>
+            <a:off x="7187300" y="2991101"/>
+            <a:ext cx="246563" cy="1873246"/>
+          </a:xfrm>
+          <a:prstGeom prst="rect">
+            <a:avLst/>
+          </a:prstGeom>
+          <a:solidFill>
+            <a:schemeClr val="accent3">
+              <a:lumMod val="20000"/>
+              <a:lumOff val="80000"/>
+            </a:schemeClr>
+          </a:solidFill>
+          <a:ln>
+            <a:solidFill>
+              <a:schemeClr val="tx1"/>
+            </a:solidFill>
+          </a:ln>
+        </p:spPr>
+        <p:style>
+          <a:lnRef idx="2">
+            <a:schemeClr val="accent1">
+              <a:shade val="50000"/>
+            </a:schemeClr>
+          </a:lnRef>
+          <a:fillRef idx="1">
+            <a:schemeClr val="accent1"/>
+          </a:fillRef>
+          <a:effectRef idx="0">
+            <a:schemeClr val="accent1"/>
+          </a:effectRef>
+          <a:fontRef idx="minor">
+            <a:schemeClr val="lt1"/>
+          </a:fontRef>
+        </p:style>
+        <p:txBody>
+          <a:bodyPr rtlCol="0" anchor="ctr"/>
+          <a:lstStyle/>
+          <a:p>
+            <a:pPr algn="ctr"/>
+            <a:endParaRPr lang="de-DE" dirty="0">
+              <a:solidFill>
+                <a:schemeClr val="bg1">
+                  <a:lumMod val="95000"/>
+                </a:schemeClr>
+              </a:solidFill>
+            </a:endParaRPr>
+          </a:p>
+        </p:txBody>
+      </p:sp>
+      <p:cxnSp>
+        <p:nvCxnSpPr>
+          <p:cNvPr id="65" name="Gerade Verbindung mit Pfeil 64">
+            <a:extLst>
+              <a:ext uri="{FF2B5EF4-FFF2-40B4-BE49-F238E27FC236}">
+                <a16:creationId xmlns:a16="http://schemas.microsoft.com/office/drawing/2014/main" id="{29C6AD89-ACBE-4040-81CD-5A8CD8B6C93A}"/>
+              </a:ext>
+            </a:extLst>
+          </p:cNvPr>
+          <p:cNvCxnSpPr>
+            <a:cxnSpLocks/>
+            <a:stCxn id="14" idx="2"/>
+          </p:cNvCxnSpPr>
+          <p:nvPr/>
+        </p:nvCxnSpPr>
+        <p:spPr>
+          <a:xfrm>
+            <a:off x="3829580" y="4861575"/>
+            <a:ext cx="0" cy="364221"/>
+          </a:xfrm>
+          <a:prstGeom prst="straightConnector1">
+            <a:avLst/>
+          </a:prstGeom>
+          <a:ln w="19050">
+            <a:solidFill>
+              <a:srgbClr val="C00000"/>
+            </a:solidFill>
+            <a:headEnd type="triangle" w="med" len="med"/>
+            <a:tailEnd type="triangle" w="med" len="med"/>
+          </a:ln>
+        </p:spPr>
+        <p:style>
+          <a:lnRef idx="1">
+            <a:schemeClr val="accent1"/>
+          </a:lnRef>
+          <a:fillRef idx="0">
+            <a:schemeClr val="accent1"/>
+          </a:fillRef>
+          <a:effectRef idx="0">
+            <a:schemeClr val="accent1"/>
+          </a:effectRef>
+          <a:fontRef idx="minor">
+            <a:schemeClr val="tx1"/>
+          </a:fontRef>
+        </p:style>
+      </p:cxnSp>
+      <p:cxnSp>
+        <p:nvCxnSpPr>
+          <p:cNvPr id="68" name="Gerade Verbindung mit Pfeil 67">
+            <a:extLst>
+              <a:ext uri="{FF2B5EF4-FFF2-40B4-BE49-F238E27FC236}">
+                <a16:creationId xmlns:a16="http://schemas.microsoft.com/office/drawing/2014/main" id="{4BD76212-081B-465E-8533-5B006DF9952F}"/>
+              </a:ext>
+            </a:extLst>
+          </p:cNvPr>
+          <p:cNvCxnSpPr>
+            <a:cxnSpLocks/>
+            <a:stCxn id="15" idx="2"/>
+          </p:cNvCxnSpPr>
+          <p:nvPr/>
+        </p:nvCxnSpPr>
+        <p:spPr>
+          <a:xfrm>
+            <a:off x="5053163" y="4864347"/>
+            <a:ext cx="0" cy="369884"/>
+          </a:xfrm>
+          <a:prstGeom prst="straightConnector1">
+            <a:avLst/>
+          </a:prstGeom>
+          <a:ln w="19050">
+            <a:solidFill>
+              <a:srgbClr val="C00000"/>
+            </a:solidFill>
+            <a:headEnd type="triangle" w="med" len="med"/>
+            <a:tailEnd type="triangle" w="med" len="med"/>
+          </a:ln>
+        </p:spPr>
+        <p:style>
+          <a:lnRef idx="1">
+            <a:schemeClr val="accent1"/>
+          </a:lnRef>
+          <a:fillRef idx="0">
+            <a:schemeClr val="accent1"/>
+          </a:fillRef>
+          <a:effectRef idx="0">
+            <a:schemeClr val="accent1"/>
+          </a:effectRef>
+          <a:fontRef idx="minor">
+            <a:schemeClr val="tx1"/>
+          </a:fontRef>
+        </p:style>
+      </p:cxnSp>
+      <p:cxnSp>
+        <p:nvCxnSpPr>
+          <p:cNvPr id="70" name="Gerade Verbindung mit Pfeil 69">
+            <a:extLst>
+              <a:ext uri="{FF2B5EF4-FFF2-40B4-BE49-F238E27FC236}">
+                <a16:creationId xmlns:a16="http://schemas.microsoft.com/office/drawing/2014/main" id="{7FDB8F5D-5924-4467-B43A-0DC0BA4AAFC3}"/>
+              </a:ext>
+            </a:extLst>
+          </p:cNvPr>
+          <p:cNvCxnSpPr>
+            <a:cxnSpLocks/>
+            <a:stCxn id="62" idx="2"/>
+          </p:cNvCxnSpPr>
+          <p:nvPr/>
+        </p:nvCxnSpPr>
+        <p:spPr>
+          <a:xfrm flipH="1">
+            <a:off x="6261831" y="4857005"/>
+            <a:ext cx="11118" cy="368791"/>
+          </a:xfrm>
+          <a:prstGeom prst="straightConnector1">
+            <a:avLst/>
+          </a:prstGeom>
+          <a:ln w="19050">
+            <a:solidFill>
+              <a:srgbClr val="C00000"/>
+            </a:solidFill>
+            <a:headEnd type="triangle" w="med" len="med"/>
+            <a:tailEnd type="triangle" w="med" len="med"/>
+          </a:ln>
+        </p:spPr>
+        <p:style>
+          <a:lnRef idx="1">
+            <a:schemeClr val="accent1"/>
+          </a:lnRef>
+          <a:fillRef idx="0">
+            <a:schemeClr val="accent1"/>
+          </a:fillRef>
+          <a:effectRef idx="0">
+            <a:schemeClr val="accent1"/>
+          </a:effectRef>
+          <a:fontRef idx="minor">
+            <a:schemeClr val="tx1"/>
+          </a:fontRef>
+        </p:style>
+      </p:cxnSp>
+      <p:cxnSp>
+        <p:nvCxnSpPr>
+          <p:cNvPr id="71" name="Gerade Verbindung mit Pfeil 70">
+            <a:extLst>
+              <a:ext uri="{FF2B5EF4-FFF2-40B4-BE49-F238E27FC236}">
+                <a16:creationId xmlns:a16="http://schemas.microsoft.com/office/drawing/2014/main" id="{98A072C0-36B8-4F4C-A01B-1EA63BE0DDB7}"/>
+              </a:ext>
+            </a:extLst>
+          </p:cNvPr>
+          <p:cNvCxnSpPr>
+            <a:cxnSpLocks/>
+            <a:stCxn id="63" idx="2"/>
+          </p:cNvCxnSpPr>
+          <p:nvPr/>
+        </p:nvCxnSpPr>
+        <p:spPr>
+          <a:xfrm>
+            <a:off x="6825381" y="4864347"/>
+            <a:ext cx="0" cy="372656"/>
+          </a:xfrm>
+          <a:prstGeom prst="straightConnector1">
+            <a:avLst/>
+          </a:prstGeom>
+          <a:ln w="19050">
+            <a:solidFill>
+              <a:srgbClr val="C00000"/>
+            </a:solidFill>
+            <a:headEnd type="triangle" w="med" len="med"/>
+            <a:tailEnd type="triangle" w="med" len="med"/>
+          </a:ln>
+        </p:spPr>
+        <p:style>
+          <a:lnRef idx="1">
+            <a:schemeClr val="accent1"/>
+          </a:lnRef>
+          <a:fillRef idx="0">
+            <a:schemeClr val="accent1"/>
+          </a:fillRef>
+          <a:effectRef idx="0">
+            <a:schemeClr val="accent1"/>
+          </a:effectRef>
+          <a:fontRef idx="minor">
+            <a:schemeClr val="tx1"/>
+          </a:fontRef>
+        </p:style>
+      </p:cxnSp>
+      <p:cxnSp>
+        <p:nvCxnSpPr>
+          <p:cNvPr id="73" name="Gerade Verbindung mit Pfeil 72">
+            <a:extLst>
+              <a:ext uri="{FF2B5EF4-FFF2-40B4-BE49-F238E27FC236}">
+                <a16:creationId xmlns:a16="http://schemas.microsoft.com/office/drawing/2014/main" id="{96C2498C-81E4-404F-8471-EB919314EDC1}"/>
+              </a:ext>
+            </a:extLst>
+          </p:cNvPr>
+          <p:cNvCxnSpPr>
+            <a:cxnSpLocks/>
+            <a:stCxn id="64" idx="2"/>
+          </p:cNvCxnSpPr>
+          <p:nvPr/>
+        </p:nvCxnSpPr>
+        <p:spPr>
+          <a:xfrm flipH="1">
+            <a:off x="7310581" y="4864347"/>
+            <a:ext cx="1" cy="372655"/>
+          </a:xfrm>
+          <a:prstGeom prst="straightConnector1">
+            <a:avLst/>
+          </a:prstGeom>
+          <a:ln w="19050">
+            <a:solidFill>
+              <a:srgbClr val="C00000"/>
+            </a:solidFill>
+            <a:headEnd type="triangle" w="med" len="med"/>
+            <a:tailEnd type="none" w="med" len="med"/>
+          </a:ln>
+        </p:spPr>
+        <p:style>
+          <a:lnRef idx="1">
+            <a:schemeClr val="accent1"/>
+          </a:lnRef>
+          <a:fillRef idx="0">
+            <a:schemeClr val="accent1"/>
+          </a:fillRef>
+          <a:effectRef idx="0">
+            <a:schemeClr val="accent1"/>
+          </a:effectRef>
+          <a:fontRef idx="minor">
+            <a:schemeClr val="tx1"/>
+          </a:fontRef>
+        </p:style>
+      </p:cxnSp>
+      <p:cxnSp>
+        <p:nvCxnSpPr>
+          <p:cNvPr id="77" name="Gerade Verbindung mit Pfeil 76">
+            <a:extLst>
+              <a:ext uri="{FF2B5EF4-FFF2-40B4-BE49-F238E27FC236}">
+                <a16:creationId xmlns:a16="http://schemas.microsoft.com/office/drawing/2014/main" id="{DCD0589B-01B0-4DFB-A8BA-21EB0A58C9B7}"/>
+              </a:ext>
+            </a:extLst>
+          </p:cNvPr>
+          <p:cNvCxnSpPr>
+            <a:cxnSpLocks/>
+          </p:cNvCxnSpPr>
+          <p:nvPr/>
+        </p:nvCxnSpPr>
+        <p:spPr>
+          <a:xfrm flipH="1">
+            <a:off x="2788809" y="5234231"/>
+            <a:ext cx="4521772" cy="0"/>
+          </a:xfrm>
+          <a:prstGeom prst="straightConnector1">
+            <a:avLst/>
+          </a:prstGeom>
+          <a:ln w="19050">
+            <a:solidFill>
+              <a:srgbClr val="C00000"/>
+            </a:solidFill>
+            <a:headEnd type="none" w="med" len="med"/>
+            <a:tailEnd type="none" w="med" len="med"/>
+          </a:ln>
+        </p:spPr>
+        <p:style>
+          <a:lnRef idx="1">
+            <a:schemeClr val="accent1"/>
+          </a:lnRef>
+          <a:fillRef idx="0">
+            <a:schemeClr val="accent1"/>
+          </a:fillRef>
+          <a:effectRef idx="0">
+            <a:schemeClr val="accent1"/>
+          </a:effectRef>
+          <a:fontRef idx="minor">
+            <a:schemeClr val="tx1"/>
+          </a:fontRef>
+        </p:style>
+      </p:cxnSp>
+      <p:cxnSp>
+        <p:nvCxnSpPr>
+          <p:cNvPr id="88" name="Gerade Verbindung mit Pfeil 87">
+            <a:extLst>
+              <a:ext uri="{FF2B5EF4-FFF2-40B4-BE49-F238E27FC236}">
+                <a16:creationId xmlns:a16="http://schemas.microsoft.com/office/drawing/2014/main" id="{E28204D1-D173-467D-BD51-B1082AA408C6}"/>
+              </a:ext>
+            </a:extLst>
+          </p:cNvPr>
+          <p:cNvCxnSpPr>
+            <a:cxnSpLocks/>
+          </p:cNvCxnSpPr>
+          <p:nvPr/>
+        </p:nvCxnSpPr>
+        <p:spPr>
+          <a:xfrm>
+            <a:off x="4023231" y="4225613"/>
+            <a:ext cx="2056067" cy="0"/>
+          </a:xfrm>
+          <a:prstGeom prst="straightConnector1">
+            <a:avLst/>
+          </a:prstGeom>
+          <a:ln w="28575">
+            <a:solidFill>
+              <a:schemeClr val="tx1"/>
+            </a:solidFill>
+            <a:tailEnd type="triangle"/>
+          </a:ln>
+        </p:spPr>
+        <p:style>
+          <a:lnRef idx="1">
+            <a:schemeClr val="accent1"/>
+          </a:lnRef>
+          <a:fillRef idx="0">
+            <a:schemeClr val="accent1"/>
+          </a:fillRef>
+          <a:effectRef idx="0">
+            <a:schemeClr val="accent1"/>
+          </a:effectRef>
+          <a:fontRef idx="minor">
+            <a:schemeClr val="tx1"/>
+          </a:fontRef>
+        </p:style>
+      </p:cxnSp>
+      <p:cxnSp>
+        <p:nvCxnSpPr>
+          <p:cNvPr id="90" name="Gerade Verbindung mit Pfeil 89">
+            <a:extLst>
+              <a:ext uri="{FF2B5EF4-FFF2-40B4-BE49-F238E27FC236}">
+                <a16:creationId xmlns:a16="http://schemas.microsoft.com/office/drawing/2014/main" id="{3165C064-B5ED-404C-87FC-C3766C550287}"/>
+              </a:ext>
+            </a:extLst>
+          </p:cNvPr>
+          <p:cNvCxnSpPr>
+            <a:cxnSpLocks/>
+          </p:cNvCxnSpPr>
+          <p:nvPr/>
+        </p:nvCxnSpPr>
+        <p:spPr>
+          <a:xfrm>
+            <a:off x="3424443" y="3583356"/>
+            <a:ext cx="3250504" cy="0"/>
+          </a:xfrm>
+          <a:prstGeom prst="straightConnector1">
+            <a:avLst/>
+          </a:prstGeom>
+          <a:ln w="28575">
+            <a:solidFill>
+              <a:schemeClr val="tx1"/>
+            </a:solidFill>
+            <a:tailEnd type="triangle"/>
+          </a:ln>
+        </p:spPr>
+        <p:style>
+          <a:lnRef idx="1">
+            <a:schemeClr val="accent1"/>
+          </a:lnRef>
+          <a:fillRef idx="0">
+            <a:schemeClr val="accent1"/>
+          </a:fillRef>
+          <a:effectRef idx="0">
+            <a:schemeClr val="accent1"/>
+          </a:effectRef>
+          <a:fontRef idx="minor">
+            <a:schemeClr val="tx1"/>
+          </a:fontRef>
+        </p:style>
+      </p:cxnSp>
+      <p:cxnSp>
+        <p:nvCxnSpPr>
+          <p:cNvPr id="92" name="Gerade Verbindung mit Pfeil 91">
+            <a:extLst>
+              <a:ext uri="{FF2B5EF4-FFF2-40B4-BE49-F238E27FC236}">
+                <a16:creationId xmlns:a16="http://schemas.microsoft.com/office/drawing/2014/main" id="{B8FA0335-BF58-4162-84C3-7D10DE7777E8}"/>
+              </a:ext>
+            </a:extLst>
+          </p:cNvPr>
+          <p:cNvCxnSpPr>
+            <a:cxnSpLocks/>
+          </p:cNvCxnSpPr>
+          <p:nvPr/>
+        </p:nvCxnSpPr>
+        <p:spPr>
+          <a:xfrm>
+            <a:off x="2912090" y="3147020"/>
+            <a:ext cx="4275210" cy="0"/>
+          </a:xfrm>
+          <a:prstGeom prst="straightConnector1">
+            <a:avLst/>
+          </a:prstGeom>
+          <a:ln w="28575">
+            <a:solidFill>
+              <a:schemeClr val="tx1"/>
+            </a:solidFill>
+            <a:tailEnd type="triangle"/>
+          </a:ln>
+        </p:spPr>
+        <p:style>
+          <a:lnRef idx="1">
+            <a:schemeClr val="accent1"/>
+          </a:lnRef>
+          <a:fillRef idx="0">
+            <a:schemeClr val="accent1"/>
+          </a:fillRef>
+          <a:effectRef idx="0">
+            <a:schemeClr val="accent1"/>
+          </a:effectRef>
+          <a:fontRef idx="minor">
+            <a:schemeClr val="tx1"/>
+          </a:fontRef>
+        </p:style>
+      </p:cxnSp>
+      <p:sp>
+        <p:nvSpPr>
+          <p:cNvPr id="95" name="Textfeld 94">
+            <a:extLst>
+              <a:ext uri="{FF2B5EF4-FFF2-40B4-BE49-F238E27FC236}">
+                <a16:creationId xmlns:a16="http://schemas.microsoft.com/office/drawing/2014/main" id="{C7671BB7-2FEE-43FA-A3F6-A75E02B94BBC}"/>
+              </a:ext>
+            </a:extLst>
+          </p:cNvPr>
+          <p:cNvSpPr txBox="1"/>
+          <p:nvPr/>
+        </p:nvSpPr>
+        <p:spPr>
+          <a:xfrm>
+            <a:off x="6272949" y="2546803"/>
+            <a:ext cx="977832" cy="369332"/>
+          </a:xfrm>
+          <a:prstGeom prst="rect">
+            <a:avLst/>
+          </a:prstGeom>
+          <a:noFill/>
+        </p:spPr>
+        <p:txBody>
+          <a:bodyPr wrap="none" rtlCol="0">
+            <a:spAutoFit/>
+          </a:bodyPr>
+          <a:lstStyle/>
+          <a:p>
+            <a:r>
+              <a:rPr lang="en-US" dirty="0"/>
+              <a:t>Decoder</a:t>
+            </a:r>
+            <a:endParaRPr lang="de-DE" dirty="0"/>
+          </a:p>
+        </p:txBody>
+      </p:sp>
+      <p:sp>
+        <p:nvSpPr>
+          <p:cNvPr id="118" name="Textfeld 117">
+            <a:extLst>
+              <a:ext uri="{FF2B5EF4-FFF2-40B4-BE49-F238E27FC236}">
+                <a16:creationId xmlns:a16="http://schemas.microsoft.com/office/drawing/2014/main" id="{71F0A721-92B2-4E99-8DCA-03639C10DC27}"/>
+              </a:ext>
+            </a:extLst>
+          </p:cNvPr>
+          <p:cNvSpPr txBox="1"/>
+          <p:nvPr/>
+        </p:nvSpPr>
+        <p:spPr>
+          <a:xfrm>
+            <a:off x="4152211" y="4559359"/>
+            <a:ext cx="339114" cy="384250"/>
+          </a:xfrm>
+          <a:prstGeom prst="rect">
+            <a:avLst/>
+          </a:prstGeom>
+          <a:noFill/>
+        </p:spPr>
+        <p:txBody>
+          <a:bodyPr wrap="square" rtlCol="0">
+            <a:spAutoFit/>
+          </a:bodyPr>
+          <a:lstStyle/>
+          <a:p>
+            <a:r>
+              <a:rPr lang="en-US" dirty="0"/>
+              <a:t>…</a:t>
+            </a:r>
+            <a:endParaRPr lang="de-DE" dirty="0"/>
+          </a:p>
+        </p:txBody>
+      </p:sp>
+      <p:pic>
+        <p:nvPicPr>
+          <p:cNvPr id="122" name="Grafik 121">
+            <a:extLst>
+              <a:ext uri="{FF2B5EF4-FFF2-40B4-BE49-F238E27FC236}">
+                <a16:creationId xmlns:a16="http://schemas.microsoft.com/office/drawing/2014/main" id="{287232CF-2F2F-44FC-83CC-CDAD9814AC68}"/>
+              </a:ext>
+            </a:extLst>
+          </p:cNvPr>
+          <p:cNvPicPr>
+            <a:picLocks noChangeAspect="1"/>
+          </p:cNvPicPr>
+          <p:nvPr/>
+        </p:nvPicPr>
+        <p:blipFill rotWithShape="1">
+          <a:blip r:embed="rId2" cstate="print">
+            <a:extLst>
+              <a:ext uri="{28A0092B-C50C-407E-A947-70E740481C1C}">
+                <a14:useLocalDpi xmlns:a14="http://schemas.microsoft.com/office/drawing/2010/main" val="0"/>
+              </a:ext>
+            </a:extLst>
+          </a:blip>
+          <a:srcRect l="64296" r="28594"/>
+          <a:stretch/>
+        </p:blipFill>
+        <p:spPr>
+          <a:xfrm>
+            <a:off x="1065127" y="3345378"/>
+            <a:ext cx="1144734" cy="1150123"/>
+          </a:xfrm>
+          <a:prstGeom prst="rect">
+            <a:avLst/>
+          </a:prstGeom>
+        </p:spPr>
+      </p:pic>
+      <p:cxnSp>
+        <p:nvCxnSpPr>
+          <p:cNvPr id="123" name="Gerade Verbindung mit Pfeil 122">
+            <a:extLst>
+              <a:ext uri="{FF2B5EF4-FFF2-40B4-BE49-F238E27FC236}">
+                <a16:creationId xmlns:a16="http://schemas.microsoft.com/office/drawing/2014/main" id="{40EFF9CE-3165-4F1B-B2A8-A4B1CDC0DA7D}"/>
+              </a:ext>
+            </a:extLst>
+          </p:cNvPr>
+          <p:cNvCxnSpPr>
+            <a:cxnSpLocks/>
+            <a:stCxn id="122" idx="3"/>
+            <a:endCxn id="9" idx="1"/>
+          </p:cNvCxnSpPr>
+          <p:nvPr/>
+        </p:nvCxnSpPr>
+        <p:spPr>
+          <a:xfrm>
+            <a:off x="2209861" y="3920440"/>
+            <a:ext cx="455666" cy="0"/>
+          </a:xfrm>
+          <a:prstGeom prst="straightConnector1">
+            <a:avLst/>
+          </a:prstGeom>
+          <a:ln w="28575">
+            <a:solidFill>
+              <a:schemeClr val="tx1"/>
+            </a:solidFill>
+            <a:tailEnd type="triangle"/>
+          </a:ln>
+        </p:spPr>
+        <p:style>
+          <a:lnRef idx="1">
+            <a:schemeClr val="accent1"/>
+          </a:lnRef>
+          <a:fillRef idx="0">
+            <a:schemeClr val="accent1"/>
+          </a:fillRef>
+          <a:effectRef idx="0">
+            <a:schemeClr val="accent1"/>
+          </a:effectRef>
+          <a:fontRef idx="minor">
+            <a:schemeClr val="tx1"/>
+          </a:fontRef>
+        </p:style>
+      </p:cxnSp>
+      <p:cxnSp>
+        <p:nvCxnSpPr>
+          <p:cNvPr id="128" name="Gerade Verbindung mit Pfeil 127">
+            <a:extLst>
+              <a:ext uri="{FF2B5EF4-FFF2-40B4-BE49-F238E27FC236}">
+                <a16:creationId xmlns:a16="http://schemas.microsoft.com/office/drawing/2014/main" id="{DBF2F65D-74C1-4082-BE7E-25D5B73BC9DD}"/>
+              </a:ext>
+            </a:extLst>
+          </p:cNvPr>
+          <p:cNvCxnSpPr>
+            <a:cxnSpLocks/>
+            <a:stCxn id="64" idx="3"/>
+            <a:endCxn id="134" idx="2"/>
+          </p:cNvCxnSpPr>
+          <p:nvPr/>
+        </p:nvCxnSpPr>
+        <p:spPr>
+          <a:xfrm flipV="1">
+            <a:off x="7433863" y="3920439"/>
+            <a:ext cx="449752" cy="7285"/>
+          </a:xfrm>
+          <a:prstGeom prst="straightConnector1">
+            <a:avLst/>
+          </a:prstGeom>
+          <a:ln w="28575">
+            <a:solidFill>
+              <a:schemeClr val="tx1"/>
+            </a:solidFill>
+            <a:tailEnd type="triangle"/>
+          </a:ln>
+        </p:spPr>
+        <p:style>
+          <a:lnRef idx="1">
+            <a:schemeClr val="accent1"/>
+          </a:lnRef>
+          <a:fillRef idx="0">
+            <a:schemeClr val="accent1"/>
+          </a:fillRef>
+          <a:effectRef idx="0">
+            <a:schemeClr val="accent1"/>
+          </a:effectRef>
+          <a:fontRef idx="minor">
+            <a:schemeClr val="tx1"/>
+          </a:fontRef>
+        </p:style>
+      </p:cxnSp>
+      <p:pic>
+        <p:nvPicPr>
+          <p:cNvPr id="134" name="Grafik 133" descr="Ein Bild, das drinnen, Bett, sitzend, Katze enthält.&#10;&#10;Automatisch generierte Beschreibung">
+            <a:extLst>
+              <a:ext uri="{FF2B5EF4-FFF2-40B4-BE49-F238E27FC236}">
+                <a16:creationId xmlns:a16="http://schemas.microsoft.com/office/drawing/2014/main" id="{04BA3078-10C0-4AC4-8AE7-F5163BA9DA72}"/>
+              </a:ext>
+            </a:extLst>
+          </p:cNvPr>
+          <p:cNvPicPr>
+            <a:picLocks noChangeAspect="1"/>
+          </p:cNvPicPr>
+          <p:nvPr/>
+        </p:nvPicPr>
+        <p:blipFill>
+          <a:blip r:embed="rId3" cstate="print">
+            <a:extLst>
+              <a:ext uri="{28A0092B-C50C-407E-A947-70E740481C1C}">
+                <a14:useLocalDpi xmlns:a14="http://schemas.microsoft.com/office/drawing/2010/main" val="0"/>
+              </a:ext>
+            </a:extLst>
+          </a:blip>
+          <a:stretch>
+            <a:fillRect/>
+          </a:stretch>
+        </p:blipFill>
+        <p:spPr>
+          <a:xfrm rot="5400000">
+            <a:off x="6511310" y="3463003"/>
+            <a:ext cx="3659481" cy="914871"/>
+          </a:xfrm>
+          <a:prstGeom prst="rect">
+            <a:avLst/>
+          </a:prstGeom>
+        </p:spPr>
+      </p:pic>
+      <p:sp>
+        <p:nvSpPr>
+          <p:cNvPr id="137" name="Rechteck: abgerundete Ecken 136">
+            <a:extLst>
+              <a:ext uri="{FF2B5EF4-FFF2-40B4-BE49-F238E27FC236}">
+                <a16:creationId xmlns:a16="http://schemas.microsoft.com/office/drawing/2014/main" id="{B302881A-18D2-475A-A6C1-831298DA2DB7}"/>
+              </a:ext>
+            </a:extLst>
+          </p:cNvPr>
+          <p:cNvSpPr/>
+          <p:nvPr/>
+        </p:nvSpPr>
+        <p:spPr>
+          <a:xfrm>
+            <a:off x="994207" y="1330939"/>
+            <a:ext cx="1286574" cy="740622"/>
+          </a:xfrm>
+          <a:prstGeom prst="roundRect">
+            <a:avLst>
+              <a:gd name="adj" fmla="val 0"/>
+            </a:avLst>
+          </a:prstGeom>
+          <a:solidFill>
+            <a:schemeClr val="bg1"/>
+          </a:solidFill>
+          <a:ln w="28575">
+            <a:solidFill>
+              <a:schemeClr val="tx1"/>
+            </a:solidFill>
+          </a:ln>
+        </p:spPr>
+        <p:style>
+          <a:lnRef idx="2">
+            <a:schemeClr val="accent1">
+              <a:shade val="50000"/>
+            </a:schemeClr>
+          </a:lnRef>
+          <a:fillRef idx="1">
+            <a:schemeClr val="accent1"/>
+          </a:fillRef>
+          <a:effectRef idx="0">
+            <a:schemeClr val="accent1"/>
+          </a:effectRef>
+          <a:fontRef idx="minor">
+            <a:schemeClr val="lt1"/>
+          </a:fontRef>
+        </p:style>
+        <p:txBody>
+          <a:bodyPr rtlCol="0" anchor="ctr"/>
+          <a:lstStyle/>
+          <a:p>
+            <a:pPr algn="ctr"/>
+            <a:r>
+              <a:rPr lang="de-DE" sz="2400" dirty="0">
+                <a:solidFill>
+                  <a:schemeClr val="tx1"/>
+                </a:solidFill>
+              </a:rPr>
+              <a:t>Data Reader</a:t>
+            </a:r>
+          </a:p>
+        </p:txBody>
+      </p:sp>
+      <p:cxnSp>
+        <p:nvCxnSpPr>
+          <p:cNvPr id="140" name="Gerade Verbindung mit Pfeil 139">
+            <a:extLst>
+              <a:ext uri="{FF2B5EF4-FFF2-40B4-BE49-F238E27FC236}">
+                <a16:creationId xmlns:a16="http://schemas.microsoft.com/office/drawing/2014/main" id="{F000311D-967C-474F-A540-A62EAD4D65FF}"/>
+              </a:ext>
+            </a:extLst>
+          </p:cNvPr>
+          <p:cNvCxnSpPr>
+            <a:cxnSpLocks/>
+            <a:stCxn id="137" idx="2"/>
+            <a:endCxn id="122" idx="0"/>
+          </p:cNvCxnSpPr>
+          <p:nvPr/>
+        </p:nvCxnSpPr>
+        <p:spPr>
+          <a:xfrm>
+            <a:off x="1637494" y="2071561"/>
+            <a:ext cx="0" cy="1273817"/>
+          </a:xfrm>
+          <a:prstGeom prst="straightConnector1">
+            <a:avLst/>
+          </a:prstGeom>
+          <a:ln w="28575">
+            <a:solidFill>
+              <a:schemeClr val="tx1"/>
+            </a:solidFill>
+            <a:tailEnd type="triangle"/>
+          </a:ln>
+        </p:spPr>
+        <p:style>
+          <a:lnRef idx="1">
+            <a:schemeClr val="accent1"/>
+          </a:lnRef>
+          <a:fillRef idx="0">
+            <a:schemeClr val="accent1"/>
+          </a:fillRef>
+          <a:effectRef idx="0">
+            <a:schemeClr val="accent1"/>
+          </a:effectRef>
+          <a:fontRef idx="minor">
+            <a:schemeClr val="tx1"/>
+          </a:fontRef>
+        </p:style>
+      </p:cxnSp>
+      <p:pic>
+        <p:nvPicPr>
+          <p:cNvPr id="145" name="Grafik 144" descr="Ein Bild, das schwarz, weiß, suchend, Katze enthält.&#10;&#10;Automatisch generierte Beschreibung">
+            <a:extLst>
+              <a:ext uri="{FF2B5EF4-FFF2-40B4-BE49-F238E27FC236}">
+                <a16:creationId xmlns:a16="http://schemas.microsoft.com/office/drawing/2014/main" id="{1A2E2A6C-E86D-4A9E-90F1-B56EC47CCFA7}"/>
+              </a:ext>
+            </a:extLst>
+          </p:cNvPr>
+          <p:cNvPicPr>
+            <a:picLocks noChangeAspect="1"/>
+          </p:cNvPicPr>
+          <p:nvPr/>
+        </p:nvPicPr>
+        <p:blipFill>
+          <a:blip r:embed="rId4" cstate="print">
+            <a:extLst>
+              <a:ext uri="{28A0092B-C50C-407E-A947-70E740481C1C}">
+                <a14:useLocalDpi xmlns:a14="http://schemas.microsoft.com/office/drawing/2010/main" val="0"/>
+              </a:ext>
+            </a:extLst>
+          </a:blip>
+          <a:stretch>
+            <a:fillRect/>
+          </a:stretch>
+        </p:blipFill>
+        <p:spPr>
+          <a:xfrm rot="5400000">
+            <a:off x="8738011" y="3463004"/>
+            <a:ext cx="3659481" cy="914870"/>
+          </a:xfrm>
+          <a:prstGeom prst="rect">
+            <a:avLst/>
+          </a:prstGeom>
+        </p:spPr>
+      </p:pic>
+      <p:cxnSp>
+        <p:nvCxnSpPr>
+          <p:cNvPr id="156" name="Verbinder: gewinkelt 155">
+            <a:extLst>
+              <a:ext uri="{FF2B5EF4-FFF2-40B4-BE49-F238E27FC236}">
+                <a16:creationId xmlns:a16="http://schemas.microsoft.com/office/drawing/2014/main" id="{2A40DB35-B92F-4C40-8960-A650AF804C2A}"/>
+              </a:ext>
+            </a:extLst>
+          </p:cNvPr>
+          <p:cNvCxnSpPr>
+            <a:cxnSpLocks/>
+            <a:stCxn id="137" idx="3"/>
+            <a:endCxn id="145" idx="1"/>
+          </p:cNvCxnSpPr>
+          <p:nvPr/>
+        </p:nvCxnSpPr>
+        <p:spPr>
+          <a:xfrm>
+            <a:off x="2280781" y="1701250"/>
+            <a:ext cx="8286971" cy="389449"/>
+          </a:xfrm>
+          <a:prstGeom prst="bentConnector2">
+            <a:avLst/>
+          </a:prstGeom>
+          <a:ln w="28575">
+            <a:solidFill>
+              <a:schemeClr val="tx1"/>
+            </a:solidFill>
+            <a:tailEnd type="triangle"/>
+          </a:ln>
+        </p:spPr>
+        <p:style>
+          <a:lnRef idx="1">
+            <a:schemeClr val="accent1"/>
+          </a:lnRef>
+          <a:fillRef idx="0">
+            <a:schemeClr val="accent1"/>
+          </a:fillRef>
+          <a:effectRef idx="0">
+            <a:schemeClr val="accent1"/>
+          </a:effectRef>
+          <a:fontRef idx="minor">
+            <a:schemeClr val="tx1"/>
+          </a:fontRef>
+        </p:style>
+      </p:cxnSp>
+      <p:cxnSp>
+        <p:nvCxnSpPr>
+          <p:cNvPr id="162" name="Gerade Verbindung mit Pfeil 161">
+            <a:extLst>
+              <a:ext uri="{FF2B5EF4-FFF2-40B4-BE49-F238E27FC236}">
+                <a16:creationId xmlns:a16="http://schemas.microsoft.com/office/drawing/2014/main" id="{4B4A325B-4E5C-42ED-BC89-D796E6CB7CFE}"/>
+              </a:ext>
+            </a:extLst>
+          </p:cNvPr>
+          <p:cNvCxnSpPr>
+            <a:cxnSpLocks/>
+            <a:stCxn id="134" idx="0"/>
+            <a:endCxn id="145" idx="2"/>
+          </p:cNvCxnSpPr>
+          <p:nvPr/>
+        </p:nvCxnSpPr>
+        <p:spPr>
+          <a:xfrm>
+            <a:off x="8798486" y="3920439"/>
+            <a:ext cx="1311831" cy="1"/>
+          </a:xfrm>
+          <a:prstGeom prst="straightConnector1">
+            <a:avLst/>
+          </a:prstGeom>
+          <a:ln w="38100">
+            <a:solidFill>
+              <a:schemeClr val="tx1"/>
+            </a:solidFill>
+            <a:headEnd type="triangle" w="med" len="med"/>
+            <a:tailEnd type="triangle" w="med" len="med"/>
+          </a:ln>
+        </p:spPr>
+        <p:style>
+          <a:lnRef idx="1">
+            <a:schemeClr val="accent1"/>
+          </a:lnRef>
+          <a:fillRef idx="0">
+            <a:schemeClr val="accent1"/>
+          </a:fillRef>
+          <a:effectRef idx="0">
+            <a:schemeClr val="accent1"/>
+          </a:effectRef>
+          <a:fontRef idx="minor">
+            <a:schemeClr val="tx1"/>
+          </a:fontRef>
+        </p:style>
+      </p:cxnSp>
+      <p:sp>
+        <p:nvSpPr>
+          <p:cNvPr id="166" name="Textfeld 165">
+            <a:extLst>
+              <a:ext uri="{FF2B5EF4-FFF2-40B4-BE49-F238E27FC236}">
+                <a16:creationId xmlns:a16="http://schemas.microsoft.com/office/drawing/2014/main" id="{8AE70964-292A-4F4C-B49A-564A2EB90678}"/>
+              </a:ext>
+            </a:extLst>
+          </p:cNvPr>
+          <p:cNvSpPr txBox="1"/>
+          <p:nvPr/>
+        </p:nvSpPr>
+        <p:spPr>
+          <a:xfrm>
+            <a:off x="9162494" y="3509165"/>
+            <a:ext cx="583814" cy="369332"/>
+          </a:xfrm>
+          <a:prstGeom prst="rect">
+            <a:avLst/>
+          </a:prstGeom>
+          <a:noFill/>
+        </p:spPr>
+        <p:txBody>
+          <a:bodyPr wrap="none" rtlCol="0">
+            <a:spAutoFit/>
+          </a:bodyPr>
+          <a:lstStyle/>
+          <a:p>
+            <a:r>
+              <a:rPr lang="en-US" dirty="0"/>
+              <a:t>Loss</a:t>
+            </a:r>
+            <a:endParaRPr lang="de-DE" dirty="0"/>
+          </a:p>
+        </p:txBody>
+      </p:sp>
+      <p:sp>
+        <p:nvSpPr>
+          <p:cNvPr id="167" name="Textfeld 166">
+            <a:extLst>
+              <a:ext uri="{FF2B5EF4-FFF2-40B4-BE49-F238E27FC236}">
+                <a16:creationId xmlns:a16="http://schemas.microsoft.com/office/drawing/2014/main" id="{9377A4F8-F5BD-4EEF-A970-EEAC26EDDD11}"/>
+              </a:ext>
+            </a:extLst>
+          </p:cNvPr>
+          <p:cNvSpPr txBox="1"/>
+          <p:nvPr/>
+        </p:nvSpPr>
+        <p:spPr>
+          <a:xfrm>
+            <a:off x="4384993" y="5327798"/>
+            <a:ext cx="1329403" cy="369332"/>
+          </a:xfrm>
+          <a:prstGeom prst="rect">
+            <a:avLst/>
+          </a:prstGeom>
+          <a:noFill/>
+        </p:spPr>
+        <p:txBody>
+          <a:bodyPr wrap="none" rtlCol="0">
+            <a:spAutoFit/>
+          </a:bodyPr>
+          <a:lstStyle/>
+          <a:p>
+            <a:r>
+              <a:rPr lang="en-US" dirty="0">
+                <a:solidFill>
+                  <a:srgbClr val="C00000"/>
+                </a:solidFill>
+              </a:rPr>
+              <a:t>Global Track</a:t>
+            </a:r>
+            <a:endParaRPr lang="de-DE" dirty="0">
+              <a:solidFill>
+                <a:srgbClr val="C00000"/>
+              </a:solidFill>
+            </a:endParaRPr>
+          </a:p>
+        </p:txBody>
+      </p:sp>
     </p:spTree>
     <p:extLst>
       <p:ext uri="{BB962C8B-B14F-4D97-AF65-F5344CB8AC3E}">
-        <p14:creationId xmlns:p14="http://schemas.microsoft.com/office/powerpoint/2010/main" val="381406607"/>
+        <p14:creationId xmlns:p14="http://schemas.microsoft.com/office/powerpoint/2010/main" val="2576702042"/>
       </p:ext>
     </p:extLst>
   </p:cSld>
@@ -9767,6 +12346,14 @@
           <a:p>
             <a:r>
               <a:rPr lang="en-US" dirty="0"/>
+              <a:t>Algorithm </a:t>
+            </a:r>
+            <a:r>
+              <a:rPr lang="de-DE" dirty="0"/>
+              <a:t>– </a:t>
+            </a:r>
+            <a:r>
+              <a:rPr lang="en-US" dirty="0"/>
               <a:t>Loss</a:t>
             </a:r>
             <a:endParaRPr lang="de-DE" dirty="0"/>
@@ -9876,8 +12463,8 @@
         </p:nvSpPr>
         <p:spPr>
           <a:xfrm>
-            <a:off x="509586" y="1200212"/>
-            <a:ext cx="11053417" cy="4798945"/>
+            <a:off x="509587" y="1329453"/>
+            <a:ext cx="9609116" cy="4171888"/>
           </a:xfrm>
         </p:spPr>
         <p:txBody>
@@ -9928,8 +12515,8 @@
         </p:blipFill>
         <p:spPr>
           <a:xfrm rot="5400000">
-            <a:off x="1864899" y="2956692"/>
-            <a:ext cx="4683942" cy="1170986"/>
+            <a:off x="2372780" y="2854520"/>
+            <a:ext cx="4071912" cy="1017978"/>
           </a:xfrm>
           <a:prstGeom prst="rect">
             <a:avLst/>
@@ -9964,8 +12551,8 @@
         </p:blipFill>
         <p:spPr>
           <a:xfrm rot="5400000">
-            <a:off x="-123488" y="2956691"/>
-            <a:ext cx="4683944" cy="1170986"/>
+            <a:off x="354778" y="2854521"/>
+            <a:ext cx="4071914" cy="1017979"/>
           </a:xfrm>
           <a:prstGeom prst="rect">
             <a:avLst/>
@@ -9980,8 +12567,8 @@
         </p:nvSpPr>
         <p:spPr>
           <a:xfrm>
-            <a:off x="3033782" y="3157463"/>
-            <a:ext cx="357790" cy="769441"/>
+            <a:off x="3246209" y="2980689"/>
+            <a:ext cx="311039" cy="769441"/>
           </a:xfrm>
           <a:prstGeom prst="rect">
             <a:avLst/>
@@ -9989,7 +12576,7 @@
           <a:noFill/>
         </p:spPr>
         <p:txBody>
-          <a:bodyPr wrap="none" rtlCol="0">
+          <a:bodyPr wrap="square" rtlCol="0">
             <a:spAutoFit/>
           </a:bodyPr>
           <a:lstStyle/>
@@ -10010,8 +12597,8 @@
         </p:nvSpPr>
         <p:spPr>
           <a:xfrm>
-            <a:off x="5022169" y="1653774"/>
-            <a:ext cx="46120" cy="3776818"/>
+            <a:off x="5040922" y="1491519"/>
+            <a:ext cx="45719" cy="3743980"/>
           </a:xfrm>
           <a:prstGeom prst="rect">
             <a:avLst/>
@@ -10038,7 +12625,7 @@
           <a:lstStyle/>
           <a:p>
             <a:pPr algn="ctr"/>
-            <a:endParaRPr lang="de-DE"/>
+            <a:endParaRPr lang="de-DE" dirty="0"/>
           </a:p>
         </p:txBody>
       </p:sp>
@@ -10050,8 +12637,8 @@
         </p:nvSpPr>
         <p:spPr>
           <a:xfrm>
-            <a:off x="5354882" y="3157462"/>
-            <a:ext cx="465192" cy="769441"/>
+            <a:off x="5531531" y="2945384"/>
+            <a:ext cx="404408" cy="769441"/>
           </a:xfrm>
           <a:prstGeom prst="rect">
             <a:avLst/>
@@ -10059,7 +12646,7 @@
           <a:noFill/>
         </p:spPr>
         <p:txBody>
-          <a:bodyPr wrap="none" rtlCol="0">
+          <a:bodyPr wrap="square" rtlCol="0">
             <a:spAutoFit/>
           </a:bodyPr>
           <a:lstStyle/>
@@ -10072,30 +12659,426 @@
           </a:p>
         </p:txBody>
       </p:sp>
-      <mc:AlternateContent xmlns:mc="http://schemas.openxmlformats.org/markup-compatibility/2006" xmlns:a14="http://schemas.microsoft.com/office/drawing/2010/main">
-        <mc:Choice Requires="a14">
+      <p:pic>
+        <p:nvPicPr>
+          <p:cNvPr id="26" name="Grafik 25" descr="Ein Bild, das Bildschirm, Fernsehen, Monitor, Foto enthält.&#10;&#10;Automatisch generierte Beschreibung">
+            <a:extLst>
+              <a:ext uri="{FF2B5EF4-FFF2-40B4-BE49-F238E27FC236}">
+                <a16:creationId xmlns:a16="http://schemas.microsoft.com/office/drawing/2014/main" id="{B16D6578-AC49-4424-BAC5-D0C4923D84B7}"/>
+              </a:ext>
+            </a:extLst>
+          </p:cNvPr>
+          <p:cNvPicPr>
+            <a:picLocks noChangeAspect="1"/>
+          </p:cNvPicPr>
+          <p:nvPr/>
+        </p:nvPicPr>
+        <p:blipFill>
+          <a:blip r:embed="rId5" cstate="print">
+            <a:extLst>
+              <a:ext uri="{28A0092B-C50C-407E-A947-70E740481C1C}">
+                <a14:useLocalDpi xmlns:a14="http://schemas.microsoft.com/office/drawing/2010/main" val="0"/>
+              </a:ext>
+            </a:extLst>
+          </a:blip>
+          <a:stretch>
+            <a:fillRect/>
+          </a:stretch>
+        </p:blipFill>
+        <p:spPr>
+          <a:xfrm>
+            <a:off x="6536305" y="1409433"/>
+            <a:ext cx="1277392" cy="1277392"/>
+          </a:xfrm>
+          <a:prstGeom prst="rect">
+            <a:avLst/>
+          </a:prstGeom>
+        </p:spPr>
+      </p:pic>
+      <p:pic>
+        <p:nvPicPr>
+          <p:cNvPr id="28" name="Grafik 27" descr="Ein Bild, das dunkel, Fernsehen, Bildschirm, sitzend enthält.&#10;&#10;Automatisch generierte Beschreibung">
+            <a:extLst>
+              <a:ext uri="{FF2B5EF4-FFF2-40B4-BE49-F238E27FC236}">
+                <a16:creationId xmlns:a16="http://schemas.microsoft.com/office/drawing/2014/main" id="{8F1C2C91-3DCE-4903-82EF-C79E7F96B4AE}"/>
+              </a:ext>
+            </a:extLst>
+          </p:cNvPr>
+          <p:cNvPicPr>
+            <a:picLocks noChangeAspect="1"/>
+          </p:cNvPicPr>
+          <p:nvPr/>
+        </p:nvPicPr>
+        <p:blipFill>
+          <a:blip r:embed="rId6" cstate="print">
+            <a:extLst>
+              <a:ext uri="{28A0092B-C50C-407E-A947-70E740481C1C}">
+                <a14:useLocalDpi xmlns:a14="http://schemas.microsoft.com/office/drawing/2010/main" val="0"/>
+              </a:ext>
+            </a:extLst>
+          </a:blip>
+          <a:stretch>
+            <a:fillRect/>
+          </a:stretch>
+        </p:blipFill>
+        <p:spPr>
+          <a:xfrm>
+            <a:off x="6536304" y="2766702"/>
+            <a:ext cx="1277393" cy="1277393"/>
+          </a:xfrm>
+          <a:prstGeom prst="rect">
+            <a:avLst/>
+          </a:prstGeom>
+        </p:spPr>
+      </p:pic>
+      <p:pic>
+        <p:nvPicPr>
+          <p:cNvPr id="30" name="Grafik 29" descr="Ein Bild, das dunkel, Licht, Laptop, Bildschirm enthält.&#10;&#10;Automatisch generierte Beschreibung">
+            <a:extLst>
+              <a:ext uri="{FF2B5EF4-FFF2-40B4-BE49-F238E27FC236}">
+                <a16:creationId xmlns:a16="http://schemas.microsoft.com/office/drawing/2014/main" id="{48FCE0C6-9AE5-448D-916E-CF0BBAA96E5F}"/>
+              </a:ext>
+            </a:extLst>
+          </p:cNvPr>
+          <p:cNvPicPr>
+            <a:picLocks noChangeAspect="1"/>
+          </p:cNvPicPr>
+          <p:nvPr/>
+        </p:nvPicPr>
+        <p:blipFill>
+          <a:blip r:embed="rId7" cstate="print">
+            <a:extLst>
+              <a:ext uri="{28A0092B-C50C-407E-A947-70E740481C1C}">
+                <a14:useLocalDpi xmlns:a14="http://schemas.microsoft.com/office/drawing/2010/main" val="0"/>
+              </a:ext>
+            </a:extLst>
+          </a:blip>
+          <a:stretch>
+            <a:fillRect/>
+          </a:stretch>
+        </p:blipFill>
+        <p:spPr>
+          <a:xfrm>
+            <a:off x="6536305" y="4123973"/>
+            <a:ext cx="1277392" cy="1277392"/>
+          </a:xfrm>
+          <a:prstGeom prst="rect">
+            <a:avLst/>
+          </a:prstGeom>
+        </p:spPr>
+      </p:pic>
+      <p:pic>
+        <p:nvPicPr>
+          <p:cNvPr id="31" name="Grafik 30" descr="Ein Bild, das Bildschirm, Fernsehen, Monitor, Foto enthält.&#10;&#10;Automatisch generierte Beschreibung">
+            <a:extLst>
+              <a:ext uri="{FF2B5EF4-FFF2-40B4-BE49-F238E27FC236}">
+                <a16:creationId xmlns:a16="http://schemas.microsoft.com/office/drawing/2014/main" id="{B16D6578-AC49-4424-BAC5-D0C4923D84B7}"/>
+              </a:ext>
+            </a:extLst>
+          </p:cNvPr>
+          <p:cNvPicPr>
+            <a:picLocks noChangeAspect="1"/>
+          </p:cNvPicPr>
+          <p:nvPr/>
+        </p:nvPicPr>
+        <p:blipFill>
+          <a:blip r:embed="rId5" cstate="print">
+            <a:extLst>
+              <a:ext uri="{28A0092B-C50C-407E-A947-70E740481C1C}">
+                <a14:useLocalDpi xmlns:a14="http://schemas.microsoft.com/office/drawing/2010/main" val="0"/>
+              </a:ext>
+            </a:extLst>
+          </a:blip>
+          <a:stretch>
+            <a:fillRect/>
+          </a:stretch>
+        </p:blipFill>
+        <p:spPr>
+          <a:xfrm>
+            <a:off x="8817704" y="1409383"/>
+            <a:ext cx="1277392" cy="1277392"/>
+          </a:xfrm>
+          <a:prstGeom prst="rect">
+            <a:avLst/>
+          </a:prstGeom>
+        </p:spPr>
+      </p:pic>
+      <p:pic>
+        <p:nvPicPr>
+          <p:cNvPr id="32" name="Grafik 31" descr="Ein Bild, das dunkel, Fernsehen, Bildschirm, sitzend enthält.&#10;&#10;Automatisch generierte Beschreibung">
+            <a:extLst>
+              <a:ext uri="{FF2B5EF4-FFF2-40B4-BE49-F238E27FC236}">
+                <a16:creationId xmlns:a16="http://schemas.microsoft.com/office/drawing/2014/main" id="{8F1C2C91-3DCE-4903-82EF-C79E7F96B4AE}"/>
+              </a:ext>
+            </a:extLst>
+          </p:cNvPr>
+          <p:cNvPicPr>
+            <a:picLocks noChangeAspect="1"/>
+          </p:cNvPicPr>
+          <p:nvPr/>
+        </p:nvPicPr>
+        <p:blipFill>
+          <a:blip r:embed="rId6" cstate="print">
+            <a:extLst>
+              <a:ext uri="{28A0092B-C50C-407E-A947-70E740481C1C}">
+                <a14:useLocalDpi xmlns:a14="http://schemas.microsoft.com/office/drawing/2010/main" val="0"/>
+              </a:ext>
+            </a:extLst>
+          </a:blip>
+          <a:stretch>
+            <a:fillRect/>
+          </a:stretch>
+        </p:blipFill>
+        <p:spPr>
+          <a:xfrm>
+            <a:off x="8817703" y="2766702"/>
+            <a:ext cx="1277393" cy="1277393"/>
+          </a:xfrm>
+          <a:prstGeom prst="rect">
+            <a:avLst/>
+          </a:prstGeom>
+        </p:spPr>
+      </p:pic>
+      <p:pic>
+        <p:nvPicPr>
+          <p:cNvPr id="33" name="Grafik 32" descr="Ein Bild, das dunkel, Licht, Laptop, Bildschirm enthält.&#10;&#10;Automatisch generierte Beschreibung">
+            <a:extLst>
+              <a:ext uri="{FF2B5EF4-FFF2-40B4-BE49-F238E27FC236}">
+                <a16:creationId xmlns:a16="http://schemas.microsoft.com/office/drawing/2014/main" id="{48FCE0C6-9AE5-448D-916E-CF0BBAA96E5F}"/>
+              </a:ext>
+            </a:extLst>
+          </p:cNvPr>
+          <p:cNvPicPr>
+            <a:picLocks noChangeAspect="1"/>
+          </p:cNvPicPr>
+          <p:nvPr/>
+        </p:nvPicPr>
+        <p:blipFill>
+          <a:blip r:embed="rId7" cstate="print">
+            <a:extLst>
+              <a:ext uri="{28A0092B-C50C-407E-A947-70E740481C1C}">
+                <a14:useLocalDpi xmlns:a14="http://schemas.microsoft.com/office/drawing/2010/main" val="0"/>
+              </a:ext>
+            </a:extLst>
+          </a:blip>
+          <a:stretch>
+            <a:fillRect/>
+          </a:stretch>
+        </p:blipFill>
+        <p:spPr>
+          <a:xfrm>
+            <a:off x="8817704" y="4123973"/>
+            <a:ext cx="1277392" cy="1277392"/>
+          </a:xfrm>
+          <a:prstGeom prst="rect">
+            <a:avLst/>
+          </a:prstGeom>
+        </p:spPr>
+      </p:pic>
+      <p:sp>
+        <p:nvSpPr>
+          <p:cNvPr id="34" name="Textfeld 33"/>
+          <p:cNvSpPr txBox="1"/>
+          <p:nvPr/>
+        </p:nvSpPr>
+        <p:spPr>
+          <a:xfrm>
+            <a:off x="8160180" y="3277897"/>
+            <a:ext cx="311039" cy="769441"/>
+          </a:xfrm>
+          <a:prstGeom prst="rect">
+            <a:avLst/>
+          </a:prstGeom>
+          <a:noFill/>
+        </p:spPr>
+        <p:txBody>
+          <a:bodyPr wrap="square" rtlCol="0">
+            <a:spAutoFit/>
+          </a:bodyPr>
+          <a:lstStyle/>
+          <a:p>
+            <a:r>
+              <a:rPr lang="en-US" sz="4400" b="1" dirty="0"/>
+              <a:t>-</a:t>
+            </a:r>
+            <a:endParaRPr lang="de-DE" sz="4400" b="1" dirty="0"/>
+          </a:p>
+        </p:txBody>
+      </p:sp>
+      <p:sp>
+        <p:nvSpPr>
+          <p:cNvPr id="21" name="Rechteck 20">
+            <a:extLst>
+              <a:ext uri="{FF2B5EF4-FFF2-40B4-BE49-F238E27FC236}">
+                <a16:creationId xmlns:a16="http://schemas.microsoft.com/office/drawing/2014/main" id="{7224DAB8-05CF-43B5-A927-1857659E2C2A}"/>
+              </a:ext>
+            </a:extLst>
+          </p:cNvPr>
+          <p:cNvSpPr/>
+          <p:nvPr/>
+        </p:nvSpPr>
+        <p:spPr>
+          <a:xfrm>
+            <a:off x="1711187" y="1491519"/>
+            <a:ext cx="45719" cy="3743980"/>
+          </a:xfrm>
+          <a:prstGeom prst="rect">
+            <a:avLst/>
+          </a:prstGeom>
+        </p:spPr>
+        <p:style>
+          <a:lnRef idx="2">
+            <a:schemeClr val="dk1">
+              <a:shade val="50000"/>
+            </a:schemeClr>
+          </a:lnRef>
+          <a:fillRef idx="1">
+            <a:schemeClr val="dk1"/>
+          </a:fillRef>
+          <a:effectRef idx="0">
+            <a:schemeClr val="dk1"/>
+          </a:effectRef>
+          <a:fontRef idx="minor">
+            <a:schemeClr val="lt1"/>
+          </a:fontRef>
+        </p:style>
+        <p:txBody>
+          <a:bodyPr rtlCol="0" anchor="ctr"/>
+          <a:lstStyle/>
+          <a:p>
+            <a:pPr algn="ctr"/>
+            <a:endParaRPr lang="de-DE"/>
+          </a:p>
+        </p:txBody>
+      </p:sp>
+      <p:sp>
+        <p:nvSpPr>
+          <p:cNvPr id="23" name="Rechteck 22">
+            <a:extLst>
+              <a:ext uri="{FF2B5EF4-FFF2-40B4-BE49-F238E27FC236}">
+                <a16:creationId xmlns:a16="http://schemas.microsoft.com/office/drawing/2014/main" id="{752728F9-44E6-44F0-B6C0-917C44187637}"/>
+              </a:ext>
+            </a:extLst>
+          </p:cNvPr>
+          <p:cNvSpPr/>
+          <p:nvPr/>
+        </p:nvSpPr>
+        <p:spPr>
+          <a:xfrm>
+            <a:off x="6357969" y="1491519"/>
+            <a:ext cx="45719" cy="3743980"/>
+          </a:xfrm>
+          <a:prstGeom prst="rect">
+            <a:avLst/>
+          </a:prstGeom>
+        </p:spPr>
+        <p:style>
+          <a:lnRef idx="2">
+            <a:schemeClr val="dk1">
+              <a:shade val="50000"/>
+            </a:schemeClr>
+          </a:lnRef>
+          <a:fillRef idx="1">
+            <a:schemeClr val="dk1"/>
+          </a:fillRef>
+          <a:effectRef idx="0">
+            <a:schemeClr val="dk1"/>
+          </a:effectRef>
+          <a:fontRef idx="minor">
+            <a:schemeClr val="lt1"/>
+          </a:fontRef>
+        </p:style>
+        <p:txBody>
+          <a:bodyPr rtlCol="0" anchor="ctr"/>
+          <a:lstStyle/>
+          <a:p>
+            <a:pPr algn="ctr"/>
+            <a:endParaRPr lang="de-DE" dirty="0"/>
+          </a:p>
+        </p:txBody>
+      </p:sp>
+      <p:sp>
+        <p:nvSpPr>
+          <p:cNvPr id="25" name="Rechteck 24">
+            <a:extLst>
+              <a:ext uri="{FF2B5EF4-FFF2-40B4-BE49-F238E27FC236}">
+                <a16:creationId xmlns:a16="http://schemas.microsoft.com/office/drawing/2014/main" id="{3B4823B5-2E37-45AA-90F7-1FEC080C5E00}"/>
+              </a:ext>
+            </a:extLst>
+          </p:cNvPr>
+          <p:cNvSpPr/>
+          <p:nvPr/>
+        </p:nvSpPr>
+        <p:spPr>
+          <a:xfrm>
+            <a:off x="10251319" y="1491519"/>
+            <a:ext cx="45719" cy="3743980"/>
+          </a:xfrm>
+          <a:prstGeom prst="rect">
+            <a:avLst/>
+          </a:prstGeom>
+        </p:spPr>
+        <p:style>
+          <a:lnRef idx="2">
+            <a:schemeClr val="dk1">
+              <a:shade val="50000"/>
+            </a:schemeClr>
+          </a:lnRef>
+          <a:fillRef idx="1">
+            <a:schemeClr val="dk1"/>
+          </a:fillRef>
+          <a:effectRef idx="0">
+            <a:schemeClr val="dk1"/>
+          </a:effectRef>
+          <a:fontRef idx="minor">
+            <a:schemeClr val="lt1"/>
+          </a:fontRef>
+        </p:style>
+        <p:txBody>
+          <a:bodyPr rtlCol="0" anchor="ctr"/>
+          <a:lstStyle/>
+          <a:p>
+            <a:pPr algn="ctr"/>
+            <a:endParaRPr lang="de-DE" dirty="0"/>
+          </a:p>
+        </p:txBody>
+      </p:sp>
+      <mc:AlternateContent xmlns:mc="http://schemas.openxmlformats.org/markup-compatibility/2006">
+        <mc:Choice xmlns:a14="http://schemas.microsoft.com/office/drawing/2010/main" Requires="a14">
           <p:sp>
             <p:nvSpPr>
-              <p:cNvPr id="8" name="Rechteck 7"/>
-              <p:cNvSpPr/>
+              <p:cNvPr id="10" name="Textfeld 9">
+                <a:extLst>
+                  <a:ext uri="{FF2B5EF4-FFF2-40B4-BE49-F238E27FC236}">
+                    <a16:creationId xmlns:a16="http://schemas.microsoft.com/office/drawing/2014/main" id="{2026B5E1-F64F-44C8-9C90-CA548BC244A7}"/>
+                  </a:ext>
+                </a:extLst>
+              </p:cNvPr>
+              <p:cNvSpPr txBox="1"/>
               <p:nvPr/>
             </p:nvSpPr>
             <p:spPr>
               <a:xfrm>
-                <a:off x="610020" y="3157461"/>
-                <a:ext cx="614271" cy="769441"/>
+                <a:off x="1619469" y="5276638"/>
+                <a:ext cx="3564518" cy="753476"/>
               </a:xfrm>
               <a:prstGeom prst="rect">
                 <a:avLst/>
               </a:prstGeom>
+              <a:noFill/>
             </p:spPr>
             <p:txBody>
-              <a:bodyPr wrap="none">
+              <a:bodyPr wrap="square" lIns="0" tIns="0" rIns="0" bIns="0" rtlCol="0">
                 <a:spAutoFit/>
               </a:bodyPr>
               <a:lstStyle/>
               <a:p>
-                <a:pPr/>
+                <a14:m/>
+                <a:endParaRPr lang="de-DE" b="0" i="1" dirty="0">
+                  <a:latin typeface="Cambria Math" panose="02040503050406030204" pitchFamily="18" charset="0"/>
+                </a:endParaRPr>
+              </a:p>
+              <a:p>
                 <a14:m>
                   <m:oMathPara xmlns:m="http://schemas.openxmlformats.org/officeDocument/2006/math">
                     <m:oMathParaPr>
@@ -10103,40 +13086,67 @@
                     </m:oMathParaPr>
                     <m:oMath xmlns:m="http://schemas.openxmlformats.org/officeDocument/2006/math">
                       <m:r>
-                        <a:rPr lang="en-US" sz="4400" i="1" smtClean="0">
+                        <m:rPr>
+                          <m:nor/>
+                        </m:rPr>
+                        <a:rPr lang="de-DE" b="0" i="0" smtClean="0">
                           <a:latin typeface="Cambria Math" panose="02040503050406030204" pitchFamily="18" charset="0"/>
                         </a:rPr>
-                        <m:t>𝜆</m:t>
+                        <m:t>L</m:t>
+                      </m:r>
+                      <m:r>
+                        <m:rPr>
+                          <m:nor/>
+                        </m:rPr>
+                        <a:rPr lang="de-DE" b="0" i="0" smtClean="0">
+                          <a:latin typeface="Cambria Math" panose="02040503050406030204" pitchFamily="18" charset="0"/>
+                        </a:rPr>
+                        <m:t>1 </m:t>
+                      </m:r>
+                      <m:r>
+                        <m:rPr>
+                          <m:nor/>
+                        </m:rPr>
+                        <a:rPr lang="de-DE" b="0" i="0" smtClean="0">
+                          <a:latin typeface="Cambria Math" panose="02040503050406030204" pitchFamily="18" charset="0"/>
+                        </a:rPr>
+                        <m:t>Loss</m:t>
                       </m:r>
                     </m:oMath>
                   </m:oMathPara>
                 </a14:m>
-                <a:endParaRPr lang="de-DE" sz="4400" dirty="0"/>
+                <a:endParaRPr lang="de-DE" dirty="0"/>
               </a:p>
             </p:txBody>
           </p:sp>
         </mc:Choice>
-        <mc:Fallback xmlns="">
+        <mc:Fallback>
           <p:sp>
             <p:nvSpPr>
-              <p:cNvPr id="8" name="Rechteck 7"/>
-              <p:cNvSpPr>
+              <p:cNvPr id="10" name="Textfeld 9">
+                <a:extLst>
+                  <a:ext uri="{FF2B5EF4-FFF2-40B4-BE49-F238E27FC236}">
+                    <a16:creationId xmlns:a16="http://schemas.microsoft.com/office/drawing/2014/main" id="{2026B5E1-F64F-44C8-9C90-CA548BC244A7}"/>
+                  </a:ext>
+                </a:extLst>
+              </p:cNvPr>
+              <p:cNvSpPr txBox="1">
                 <a:spLocks noRot="1" noChangeAspect="1" noMove="1" noResize="1" noEditPoints="1" noAdjustHandles="1" noChangeArrowheads="1" noChangeShapeType="1" noTextEdit="1"/>
               </p:cNvSpPr>
               <p:nvPr/>
             </p:nvSpPr>
             <p:spPr>
               <a:xfrm>
-                <a:off x="610020" y="3157461"/>
-                <a:ext cx="614271" cy="769441"/>
+                <a:off x="1619469" y="5276638"/>
+                <a:ext cx="3564518" cy="753476"/>
               </a:xfrm>
               <a:prstGeom prst="rect">
                 <a:avLst/>
               </a:prstGeom>
               <a:blipFill>
-                <a:blip r:embed="rId5"/>
+                <a:blip r:embed="rId8"/>
                 <a:stretch>
-                  <a:fillRect/>
+                  <a:fillRect b="-2439"/>
                 </a:stretch>
               </a:blipFill>
             </p:spPr>
@@ -10155,298 +13165,128 @@
           </p:sp>
         </mc:Fallback>
       </mc:AlternateContent>
-      <p:pic>
-        <p:nvPicPr>
-          <p:cNvPr id="26" name="Grafik 25" descr="Ein Bild, das Bildschirm, Fernsehen, Monitor, Foto enthält.&#10;&#10;Automatisch generierte Beschreibung">
-            <a:extLst>
-              <a:ext uri="{FF2B5EF4-FFF2-40B4-BE49-F238E27FC236}">
-                <a16:creationId xmlns:a16="http://schemas.microsoft.com/office/drawing/2014/main" id="{B16D6578-AC49-4424-BAC5-D0C4923D84B7}"/>
-              </a:ext>
-            </a:extLst>
-          </p:cNvPr>
-          <p:cNvPicPr>
-            <a:picLocks noChangeAspect="1"/>
-          </p:cNvPicPr>
-          <p:nvPr/>
-        </p:nvPicPr>
-        <p:blipFill>
-          <a:blip r:embed="rId6" cstate="print">
-            <a:extLst>
-              <a:ext uri="{28A0092B-C50C-407E-A947-70E740481C1C}">
-                <a14:useLocalDpi xmlns:a14="http://schemas.microsoft.com/office/drawing/2010/main" val="0"/>
-              </a:ext>
-            </a:extLst>
-          </a:blip>
-          <a:stretch>
-            <a:fillRect/>
-          </a:stretch>
-        </p:blipFill>
-        <p:spPr>
-          <a:xfrm>
-            <a:off x="6096000" y="1200212"/>
-            <a:ext cx="1469391" cy="1469391"/>
-          </a:xfrm>
-          <a:prstGeom prst="rect">
-            <a:avLst/>
-          </a:prstGeom>
-        </p:spPr>
-      </p:pic>
-      <p:pic>
-        <p:nvPicPr>
-          <p:cNvPr id="28" name="Grafik 27" descr="Ein Bild, das dunkel, Fernsehen, Bildschirm, sitzend enthält.&#10;&#10;Automatisch generierte Beschreibung">
-            <a:extLst>
-              <a:ext uri="{FF2B5EF4-FFF2-40B4-BE49-F238E27FC236}">
-                <a16:creationId xmlns:a16="http://schemas.microsoft.com/office/drawing/2014/main" id="{8F1C2C91-3DCE-4903-82EF-C79E7F96B4AE}"/>
-              </a:ext>
-            </a:extLst>
-          </p:cNvPr>
-          <p:cNvPicPr>
-            <a:picLocks noChangeAspect="1"/>
-          </p:cNvPicPr>
-          <p:nvPr/>
-        </p:nvPicPr>
-        <p:blipFill>
-          <a:blip r:embed="rId7" cstate="print">
-            <a:extLst>
-              <a:ext uri="{28A0092B-C50C-407E-A947-70E740481C1C}">
-                <a14:useLocalDpi xmlns:a14="http://schemas.microsoft.com/office/drawing/2010/main" val="0"/>
-              </a:ext>
-            </a:extLst>
-          </a:blip>
-          <a:stretch>
-            <a:fillRect/>
-          </a:stretch>
-        </p:blipFill>
-        <p:spPr>
-          <a:xfrm>
-            <a:off x="6095999" y="2816142"/>
-            <a:ext cx="1469392" cy="1469392"/>
-          </a:xfrm>
-          <a:prstGeom prst="rect">
-            <a:avLst/>
-          </a:prstGeom>
-        </p:spPr>
-      </p:pic>
-      <p:pic>
-        <p:nvPicPr>
-          <p:cNvPr id="30" name="Grafik 29" descr="Ein Bild, das dunkel, Licht, Laptop, Bildschirm enthält.&#10;&#10;Automatisch generierte Beschreibung">
-            <a:extLst>
-              <a:ext uri="{FF2B5EF4-FFF2-40B4-BE49-F238E27FC236}">
-                <a16:creationId xmlns:a16="http://schemas.microsoft.com/office/drawing/2014/main" id="{48FCE0C6-9AE5-448D-916E-CF0BBAA96E5F}"/>
-              </a:ext>
-            </a:extLst>
-          </p:cNvPr>
-          <p:cNvPicPr>
-            <a:picLocks noChangeAspect="1"/>
-          </p:cNvPicPr>
-          <p:nvPr/>
-        </p:nvPicPr>
-        <p:blipFill>
-          <a:blip r:embed="rId8" cstate="print">
-            <a:extLst>
-              <a:ext uri="{28A0092B-C50C-407E-A947-70E740481C1C}">
-                <a14:useLocalDpi xmlns:a14="http://schemas.microsoft.com/office/drawing/2010/main" val="0"/>
-              </a:ext>
-            </a:extLst>
-          </a:blip>
-          <a:stretch>
-            <a:fillRect/>
-          </a:stretch>
-        </p:blipFill>
-        <p:spPr>
-          <a:xfrm>
-            <a:off x="6095999" y="4432073"/>
-            <a:ext cx="1469391" cy="1469391"/>
-          </a:xfrm>
-          <a:prstGeom prst="rect">
-            <a:avLst/>
-          </a:prstGeom>
-        </p:spPr>
-      </p:pic>
-      <p:pic>
-        <p:nvPicPr>
-          <p:cNvPr id="31" name="Grafik 30" descr="Ein Bild, das Bildschirm, Fernsehen, Monitor, Foto enthält.&#10;&#10;Automatisch generierte Beschreibung">
-            <a:extLst>
-              <a:ext uri="{FF2B5EF4-FFF2-40B4-BE49-F238E27FC236}">
-                <a16:creationId xmlns:a16="http://schemas.microsoft.com/office/drawing/2014/main" id="{B16D6578-AC49-4424-BAC5-D0C4923D84B7}"/>
-              </a:ext>
-            </a:extLst>
-          </p:cNvPr>
-          <p:cNvPicPr>
-            <a:picLocks noChangeAspect="1"/>
-          </p:cNvPicPr>
-          <p:nvPr/>
-        </p:nvPicPr>
-        <p:blipFill>
-          <a:blip r:embed="rId6" cstate="print">
-            <a:extLst>
-              <a:ext uri="{28A0092B-C50C-407E-A947-70E740481C1C}">
-                <a14:useLocalDpi xmlns:a14="http://schemas.microsoft.com/office/drawing/2010/main" val="0"/>
-              </a:ext>
-            </a:extLst>
-          </a:blip>
-          <a:stretch>
-            <a:fillRect/>
-          </a:stretch>
-        </p:blipFill>
-        <p:spPr>
-          <a:xfrm>
-            <a:off x="8377399" y="1200212"/>
-            <a:ext cx="1469391" cy="1469391"/>
-          </a:xfrm>
-          <a:prstGeom prst="rect">
-            <a:avLst/>
-          </a:prstGeom>
-        </p:spPr>
-      </p:pic>
-      <p:pic>
-        <p:nvPicPr>
-          <p:cNvPr id="32" name="Grafik 31" descr="Ein Bild, das dunkel, Fernsehen, Bildschirm, sitzend enthält.&#10;&#10;Automatisch generierte Beschreibung">
-            <a:extLst>
-              <a:ext uri="{FF2B5EF4-FFF2-40B4-BE49-F238E27FC236}">
-                <a16:creationId xmlns:a16="http://schemas.microsoft.com/office/drawing/2014/main" id="{8F1C2C91-3DCE-4903-82EF-C79E7F96B4AE}"/>
-              </a:ext>
-            </a:extLst>
-          </p:cNvPr>
-          <p:cNvPicPr>
-            <a:picLocks noChangeAspect="1"/>
-          </p:cNvPicPr>
-          <p:nvPr/>
-        </p:nvPicPr>
-        <p:blipFill>
-          <a:blip r:embed="rId7" cstate="print">
-            <a:extLst>
-              <a:ext uri="{28A0092B-C50C-407E-A947-70E740481C1C}">
-                <a14:useLocalDpi xmlns:a14="http://schemas.microsoft.com/office/drawing/2010/main" val="0"/>
-              </a:ext>
-            </a:extLst>
-          </a:blip>
-          <a:stretch>
-            <a:fillRect/>
-          </a:stretch>
-        </p:blipFill>
-        <p:spPr>
-          <a:xfrm>
-            <a:off x="8377398" y="2816142"/>
-            <a:ext cx="1469392" cy="1469392"/>
-          </a:xfrm>
-          <a:prstGeom prst="rect">
-            <a:avLst/>
-          </a:prstGeom>
-        </p:spPr>
-      </p:pic>
-      <p:pic>
-        <p:nvPicPr>
-          <p:cNvPr id="33" name="Grafik 32" descr="Ein Bild, das dunkel, Licht, Laptop, Bildschirm enthält.&#10;&#10;Automatisch generierte Beschreibung">
-            <a:extLst>
-              <a:ext uri="{FF2B5EF4-FFF2-40B4-BE49-F238E27FC236}">
-                <a16:creationId xmlns:a16="http://schemas.microsoft.com/office/drawing/2014/main" id="{48FCE0C6-9AE5-448D-916E-CF0BBAA96E5F}"/>
-              </a:ext>
-            </a:extLst>
-          </p:cNvPr>
-          <p:cNvPicPr>
-            <a:picLocks noChangeAspect="1"/>
-          </p:cNvPicPr>
-          <p:nvPr/>
-        </p:nvPicPr>
-        <p:blipFill>
-          <a:blip r:embed="rId8" cstate="print">
-            <a:extLst>
-              <a:ext uri="{28A0092B-C50C-407E-A947-70E740481C1C}">
-                <a14:useLocalDpi xmlns:a14="http://schemas.microsoft.com/office/drawing/2010/main" val="0"/>
-              </a:ext>
-            </a:extLst>
-          </a:blip>
-          <a:stretch>
-            <a:fillRect/>
-          </a:stretch>
-        </p:blipFill>
-        <p:spPr>
-          <a:xfrm>
-            <a:off x="8377398" y="4432073"/>
-            <a:ext cx="1469391" cy="1469391"/>
-          </a:xfrm>
-          <a:prstGeom prst="rect">
-            <a:avLst/>
-          </a:prstGeom>
-        </p:spPr>
-      </p:pic>
-      <p:sp>
-        <p:nvSpPr>
-          <p:cNvPr id="34" name="Textfeld 33"/>
-          <p:cNvSpPr txBox="1"/>
-          <p:nvPr/>
-        </p:nvSpPr>
-        <p:spPr>
-          <a:xfrm>
-            <a:off x="7781293" y="3157460"/>
-            <a:ext cx="357790" cy="769441"/>
-          </a:xfrm>
-          <a:prstGeom prst="rect">
-            <a:avLst/>
-          </a:prstGeom>
-          <a:noFill/>
-        </p:spPr>
-        <p:txBody>
-          <a:bodyPr wrap="none" rtlCol="0">
-            <a:spAutoFit/>
-          </a:bodyPr>
-          <a:lstStyle/>
-          <a:p>
-            <a:r>
-              <a:rPr lang="en-US" sz="4400" b="1" dirty="0"/>
-              <a:t>-</a:t>
-            </a:r>
-            <a:endParaRPr lang="de-DE" sz="4400" b="1" dirty="0"/>
-          </a:p>
-        </p:txBody>
-      </p:sp>
-      <p:sp>
-        <p:nvSpPr>
-          <p:cNvPr id="21" name="Rechteck 20">
-            <a:extLst>
-              <a:ext uri="{FF2B5EF4-FFF2-40B4-BE49-F238E27FC236}">
-                <a16:creationId xmlns:a16="http://schemas.microsoft.com/office/drawing/2014/main" id="{7224DAB8-05CF-43B5-A927-1857659E2C2A}"/>
-              </a:ext>
-            </a:extLst>
-          </p:cNvPr>
-          <p:cNvSpPr/>
-          <p:nvPr/>
-        </p:nvSpPr>
-        <p:spPr>
-          <a:xfrm>
-            <a:off x="1357065" y="1653774"/>
-            <a:ext cx="46120" cy="3776818"/>
-          </a:xfrm>
-          <a:prstGeom prst="rect">
-            <a:avLst/>
-          </a:prstGeom>
-        </p:spPr>
-        <p:style>
-          <a:lnRef idx="2">
-            <a:schemeClr val="dk1">
-              <a:shade val="50000"/>
-            </a:schemeClr>
-          </a:lnRef>
-          <a:fillRef idx="1">
-            <a:schemeClr val="dk1"/>
-          </a:fillRef>
-          <a:effectRef idx="0">
-            <a:schemeClr val="dk1"/>
-          </a:effectRef>
-          <a:fontRef idx="minor">
-            <a:schemeClr val="lt1"/>
-          </a:fontRef>
-        </p:style>
-        <p:txBody>
-          <a:bodyPr rtlCol="0" anchor="ctr"/>
-          <a:lstStyle/>
-          <a:p>
-            <a:pPr algn="ctr"/>
-            <a:endParaRPr lang="de-DE"/>
-          </a:p>
-        </p:txBody>
-      </p:sp>
+      <mc:AlternateContent xmlns:mc="http://schemas.openxmlformats.org/markup-compatibility/2006">
+        <mc:Choice xmlns:a14="http://schemas.microsoft.com/office/drawing/2010/main" Requires="a14">
+          <p:sp>
+            <p:nvSpPr>
+              <p:cNvPr id="29" name="Textfeld 28">
+                <a:extLst>
+                  <a:ext uri="{FF2B5EF4-FFF2-40B4-BE49-F238E27FC236}">
+                    <a16:creationId xmlns:a16="http://schemas.microsoft.com/office/drawing/2014/main" id="{DC795AAC-65F5-4E86-8F32-F8318FECFA57}"/>
+                  </a:ext>
+                </a:extLst>
+              </p:cNvPr>
+              <p:cNvSpPr txBox="1"/>
+              <p:nvPr/>
+            </p:nvSpPr>
+            <p:spPr>
+              <a:xfrm>
+                <a:off x="6135819" y="5276638"/>
+                <a:ext cx="4384536" cy="753476"/>
+              </a:xfrm>
+              <a:prstGeom prst="rect">
+                <a:avLst/>
+              </a:prstGeom>
+              <a:noFill/>
+            </p:spPr>
+            <p:txBody>
+              <a:bodyPr wrap="square" lIns="0" tIns="0" rIns="0" bIns="0" rtlCol="0">
+                <a:spAutoFit/>
+              </a:bodyPr>
+              <a:lstStyle/>
+              <a:p>
+                <a14:m/>
+                <a:endParaRPr lang="de-DE" b="0" i="1" dirty="0">
+                  <a:latin typeface="Cambria Math" panose="02040503050406030204" pitchFamily="18" charset="0"/>
+                </a:endParaRPr>
+              </a:p>
+              <a:p>
+                <a14:m>
+                  <m:oMathPara xmlns:m="http://schemas.openxmlformats.org/officeDocument/2006/math">
+                    <m:oMathParaPr>
+                      <m:jc m:val="centerGroup"/>
+                    </m:oMathParaPr>
+                    <m:oMath xmlns:m="http://schemas.openxmlformats.org/officeDocument/2006/math">
+                      <m:r>
+                        <m:rPr>
+                          <m:nor/>
+                        </m:rPr>
+                        <a:rPr lang="de-DE" b="0" i="0" smtClean="0">
+                          <a:latin typeface="Cambria Math" panose="02040503050406030204" pitchFamily="18" charset="0"/>
+                        </a:rPr>
+                        <m:t>Rendering</m:t>
+                      </m:r>
+                      <m:r>
+                        <m:rPr>
+                          <m:nor/>
+                        </m:rPr>
+                        <a:rPr lang="de-DE" b="0" i="0" smtClean="0">
+                          <a:latin typeface="Cambria Math" panose="02040503050406030204" pitchFamily="18" charset="0"/>
+                        </a:rPr>
+                        <m:t> </m:t>
+                      </m:r>
+                      <m:r>
+                        <m:rPr>
+                          <m:nor/>
+                        </m:rPr>
+                        <a:rPr lang="de-DE" b="0" i="0" smtClean="0">
+                          <a:latin typeface="Cambria Math" panose="02040503050406030204" pitchFamily="18" charset="0"/>
+                        </a:rPr>
+                        <m:t>Loss</m:t>
+                      </m:r>
+                    </m:oMath>
+                  </m:oMathPara>
+                </a14:m>
+                <a:endParaRPr lang="de-DE" dirty="0"/>
+              </a:p>
+            </p:txBody>
+          </p:sp>
+        </mc:Choice>
+        <mc:Fallback>
+          <p:sp>
+            <p:nvSpPr>
+              <p:cNvPr id="29" name="Textfeld 28">
+                <a:extLst>
+                  <a:ext uri="{FF2B5EF4-FFF2-40B4-BE49-F238E27FC236}">
+                    <a16:creationId xmlns:a16="http://schemas.microsoft.com/office/drawing/2014/main" id="{DC795AAC-65F5-4E86-8F32-F8318FECFA57}"/>
+                  </a:ext>
+                </a:extLst>
+              </p:cNvPr>
+              <p:cNvSpPr txBox="1">
+                <a:spLocks noRot="1" noChangeAspect="1" noMove="1" noResize="1" noEditPoints="1" noAdjustHandles="1" noChangeArrowheads="1" noChangeShapeType="1" noTextEdit="1"/>
+              </p:cNvSpPr>
+              <p:nvPr/>
+            </p:nvSpPr>
+            <p:spPr>
+              <a:xfrm>
+                <a:off x="6135819" y="5276638"/>
+                <a:ext cx="4384536" cy="753476"/>
+              </a:xfrm>
+              <a:prstGeom prst="rect">
+                <a:avLst/>
+              </a:prstGeom>
+              <a:blipFill>
+                <a:blip r:embed="rId9"/>
+                <a:stretch>
+                  <a:fillRect b="-13008"/>
+                </a:stretch>
+              </a:blipFill>
+            </p:spPr>
+            <p:txBody>
+              <a:bodyPr/>
+              <a:lstStyle/>
+              <a:p>
+                <a:r>
+                  <a:rPr lang="de-DE">
+                    <a:noFill/>
+                  </a:rPr>
+                  <a:t> </a:t>
+                </a:r>
+              </a:p>
+            </p:txBody>
+          </p:sp>
+        </mc:Fallback>
+      </mc:AlternateContent>
     </p:spTree>
     <p:extLst>
       <p:ext uri="{BB962C8B-B14F-4D97-AF65-F5344CB8AC3E}">
@@ -10477,42 +13317,6 @@
           <a:chExt cx="0" cy="0"/>
         </a:xfrm>
       </p:grpSpPr>
-      <p:pic>
-        <p:nvPicPr>
-          <p:cNvPr id="56" name="Grafik 55" descr="Ein Bild, das Kuchen, schließen, Stück, Schnee enthält.&#10;&#10;Automatisch generierte Beschreibung">
-            <a:extLst>
-              <a:ext uri="{FF2B5EF4-FFF2-40B4-BE49-F238E27FC236}">
-                <a16:creationId xmlns:a16="http://schemas.microsoft.com/office/drawing/2014/main" id="{931B1693-86D6-4C1F-B500-022FB233033A}"/>
-              </a:ext>
-            </a:extLst>
-          </p:cNvPr>
-          <p:cNvPicPr>
-            <a:picLocks noChangeAspect="1"/>
-          </p:cNvPicPr>
-          <p:nvPr/>
-        </p:nvPicPr>
-        <p:blipFill>
-          <a:blip r:embed="rId2">
-            <a:extLst>
-              <a:ext uri="{28A0092B-C50C-407E-A947-70E740481C1C}">
-                <a14:useLocalDpi xmlns:a14="http://schemas.microsoft.com/office/drawing/2010/main" val="0"/>
-              </a:ext>
-            </a:extLst>
-          </a:blip>
-          <a:stretch>
-            <a:fillRect/>
-          </a:stretch>
-        </p:blipFill>
-        <p:spPr>
-          <a:xfrm rot="16200000">
-            <a:off x="7220917" y="1879641"/>
-            <a:ext cx="3600280" cy="3600284"/>
-          </a:xfrm>
-          <a:prstGeom prst="rect">
-            <a:avLst/>
-          </a:prstGeom>
-        </p:spPr>
-      </p:pic>
       <p:sp>
         <p:nvSpPr>
           <p:cNvPr id="2" name="Titel 1">
@@ -10536,7 +13340,7 @@
           <a:p>
             <a:r>
               <a:rPr lang="en-US" dirty="0"/>
-              <a:t>Renderer Output</a:t>
+              <a:t>Algorithm – Differentiable Renderers</a:t>
             </a:r>
             <a:endParaRPr lang="de-DE" dirty="0"/>
           </a:p>
@@ -10627,228 +13431,12 @@
           </a:p>
         </p:txBody>
       </p:sp>
-      <p:pic>
-        <p:nvPicPr>
-          <p:cNvPr id="50" name="Grafik 49" descr="Ein Bild, das Tisch, sitzend, drinnen, Laptop enthält.&#10;&#10;Automatisch generierte Beschreibung">
-            <a:extLst>
-              <a:ext uri="{FF2B5EF4-FFF2-40B4-BE49-F238E27FC236}">
-                <a16:creationId xmlns:a16="http://schemas.microsoft.com/office/drawing/2014/main" id="{3533A406-96A1-492A-A4A4-ACBCB4F2C7C0}"/>
-              </a:ext>
-            </a:extLst>
-          </p:cNvPr>
-          <p:cNvPicPr>
-            <a:picLocks noChangeAspect="1"/>
-          </p:cNvPicPr>
-          <p:nvPr/>
-        </p:nvPicPr>
-        <p:blipFill>
-          <a:blip r:embed="rId3">
-            <a:extLst>
-              <a:ext uri="{28A0092B-C50C-407E-A947-70E740481C1C}">
-                <a14:useLocalDpi xmlns:a14="http://schemas.microsoft.com/office/drawing/2010/main" val="0"/>
-              </a:ext>
-            </a:extLst>
-          </a:blip>
-          <a:stretch>
-            <a:fillRect/>
-          </a:stretch>
-        </p:blipFill>
-        <p:spPr>
-          <a:xfrm>
-            <a:off x="574391" y="2358544"/>
-            <a:ext cx="4656762" cy="2328384"/>
-          </a:xfrm>
-          <a:prstGeom prst="rect">
-            <a:avLst/>
-          </a:prstGeom>
-        </p:spPr>
-      </p:pic>
-      <p:cxnSp>
-        <p:nvCxnSpPr>
-          <p:cNvPr id="33" name="Gerade Verbindung mit Pfeil 32">
-            <a:extLst>
-              <a:ext uri="{FF2B5EF4-FFF2-40B4-BE49-F238E27FC236}">
-                <a16:creationId xmlns:a16="http://schemas.microsoft.com/office/drawing/2014/main" id="{BAB97CAC-42E8-4ED9-93A0-81E4D51FD310}"/>
-              </a:ext>
-            </a:extLst>
-          </p:cNvPr>
-          <p:cNvCxnSpPr>
-            <a:cxnSpLocks/>
-          </p:cNvCxnSpPr>
-          <p:nvPr/>
-        </p:nvCxnSpPr>
-        <p:spPr>
-          <a:xfrm>
-            <a:off x="4876800" y="4212510"/>
-            <a:ext cx="5944399" cy="1267413"/>
-          </a:xfrm>
-          <a:prstGeom prst="straightConnector1">
-            <a:avLst/>
-          </a:prstGeom>
-          <a:ln w="12700">
-            <a:solidFill>
-              <a:srgbClr val="C00000"/>
-            </a:solidFill>
-            <a:prstDash val="lgDash"/>
-            <a:tailEnd type="triangle"/>
-          </a:ln>
-        </p:spPr>
-        <p:style>
-          <a:lnRef idx="1">
-            <a:schemeClr val="accent1"/>
-          </a:lnRef>
-          <a:fillRef idx="0">
-            <a:schemeClr val="accent1"/>
-          </a:fillRef>
-          <a:effectRef idx="0">
-            <a:schemeClr val="accent1"/>
-          </a:effectRef>
-          <a:fontRef idx="minor">
-            <a:schemeClr val="tx1"/>
-          </a:fontRef>
-        </p:style>
-      </p:cxnSp>
-      <p:cxnSp>
-        <p:nvCxnSpPr>
-          <p:cNvPr id="21" name="Gerade Verbindung mit Pfeil 20">
-            <a:extLst>
-              <a:ext uri="{FF2B5EF4-FFF2-40B4-BE49-F238E27FC236}">
-                <a16:creationId xmlns:a16="http://schemas.microsoft.com/office/drawing/2014/main" id="{389CF5BC-699A-4288-B2E0-00381B045B7E}"/>
-              </a:ext>
-            </a:extLst>
-          </p:cNvPr>
-          <p:cNvCxnSpPr>
-            <a:cxnSpLocks/>
-          </p:cNvCxnSpPr>
-          <p:nvPr/>
-        </p:nvCxnSpPr>
-        <p:spPr>
-          <a:xfrm flipV="1">
-            <a:off x="3623946" y="1872405"/>
-            <a:ext cx="7197253" cy="1382424"/>
-          </a:xfrm>
-          <a:prstGeom prst="straightConnector1">
-            <a:avLst/>
-          </a:prstGeom>
-          <a:ln w="12700">
-            <a:solidFill>
-              <a:srgbClr val="C00000"/>
-            </a:solidFill>
-            <a:prstDash val="lgDash"/>
-            <a:tailEnd type="triangle"/>
-          </a:ln>
-        </p:spPr>
-        <p:style>
-          <a:lnRef idx="1">
-            <a:schemeClr val="accent1"/>
-          </a:lnRef>
-          <a:fillRef idx="0">
-            <a:schemeClr val="accent1"/>
-          </a:fillRef>
-          <a:effectRef idx="0">
-            <a:schemeClr val="accent1"/>
-          </a:effectRef>
-          <a:fontRef idx="minor">
-            <a:schemeClr val="tx1"/>
-          </a:fontRef>
-        </p:style>
-      </p:cxnSp>
-      <p:cxnSp>
-        <p:nvCxnSpPr>
-          <p:cNvPr id="27" name="Gerade Verbindung mit Pfeil 26">
-            <a:extLst>
-              <a:ext uri="{FF2B5EF4-FFF2-40B4-BE49-F238E27FC236}">
-                <a16:creationId xmlns:a16="http://schemas.microsoft.com/office/drawing/2014/main" id="{E37FFB06-9C24-47BA-A219-887944AD749A}"/>
-              </a:ext>
-            </a:extLst>
-          </p:cNvPr>
-          <p:cNvCxnSpPr>
-            <a:cxnSpLocks/>
-          </p:cNvCxnSpPr>
-          <p:nvPr/>
-        </p:nvCxnSpPr>
-        <p:spPr>
-          <a:xfrm flipV="1">
-            <a:off x="2209800" y="1879643"/>
-            <a:ext cx="5011115" cy="1382423"/>
-          </a:xfrm>
-          <a:prstGeom prst="straightConnector1">
-            <a:avLst/>
-          </a:prstGeom>
-          <a:ln w="12700">
-            <a:solidFill>
-              <a:srgbClr val="C00000"/>
-            </a:solidFill>
-            <a:prstDash val="lgDash"/>
-            <a:tailEnd type="triangle"/>
-          </a:ln>
-        </p:spPr>
-        <p:style>
-          <a:lnRef idx="1">
-            <a:schemeClr val="accent1"/>
-          </a:lnRef>
-          <a:fillRef idx="0">
-            <a:schemeClr val="accent1"/>
-          </a:fillRef>
-          <a:effectRef idx="0">
-            <a:schemeClr val="accent1"/>
-          </a:effectRef>
-          <a:fontRef idx="minor">
-            <a:schemeClr val="tx1"/>
-          </a:fontRef>
-        </p:style>
-      </p:cxnSp>
-      <p:cxnSp>
-        <p:nvCxnSpPr>
-          <p:cNvPr id="30" name="Gerade Verbindung mit Pfeil 29">
-            <a:extLst>
-              <a:ext uri="{FF2B5EF4-FFF2-40B4-BE49-F238E27FC236}">
-                <a16:creationId xmlns:a16="http://schemas.microsoft.com/office/drawing/2014/main" id="{6C4A44E6-A2C6-4AD9-9BFE-D14774D9F5CA}"/>
-              </a:ext>
-            </a:extLst>
-          </p:cNvPr>
-          <p:cNvCxnSpPr>
-            <a:cxnSpLocks/>
-          </p:cNvCxnSpPr>
-          <p:nvPr/>
-        </p:nvCxnSpPr>
-        <p:spPr>
-          <a:xfrm>
-            <a:off x="906494" y="4212510"/>
-            <a:ext cx="6314421" cy="1267413"/>
-          </a:xfrm>
-          <a:prstGeom prst="straightConnector1">
-            <a:avLst/>
-          </a:prstGeom>
-          <a:ln w="12700">
-            <a:solidFill>
-              <a:srgbClr val="C00000"/>
-            </a:solidFill>
-            <a:prstDash val="lgDash"/>
-            <a:tailEnd type="triangle"/>
-          </a:ln>
-        </p:spPr>
-        <p:style>
-          <a:lnRef idx="1">
-            <a:schemeClr val="accent1"/>
-          </a:lnRef>
-          <a:fillRef idx="0">
-            <a:schemeClr val="accent1"/>
-          </a:fillRef>
-          <a:effectRef idx="0">
-            <a:schemeClr val="accent1"/>
-          </a:effectRef>
-          <a:fontRef idx="minor">
-            <a:schemeClr val="tx1"/>
-          </a:fontRef>
-        </p:style>
-      </p:cxnSp>
-      <p:sp>
-        <p:nvSpPr>
-          <p:cNvPr id="38" name="Textfeld 37">
-            <a:extLst>
-              <a:ext uri="{FF2B5EF4-FFF2-40B4-BE49-F238E27FC236}">
-                <a16:creationId xmlns:a16="http://schemas.microsoft.com/office/drawing/2014/main" id="{C1DA9053-A6C6-45AE-9A9D-E2FE138B1C25}"/>
+      <p:sp>
+        <p:nvSpPr>
+          <p:cNvPr id="17" name="Textfeld 16">
+            <a:extLst>
+              <a:ext uri="{FF2B5EF4-FFF2-40B4-BE49-F238E27FC236}">
+                <a16:creationId xmlns:a16="http://schemas.microsoft.com/office/drawing/2014/main" id="{00545967-F733-4D51-9E36-4A4A2D123B91}"/>
               </a:ext>
             </a:extLst>
           </p:cNvPr>
@@ -10857,8 +13445,8 @@
         </p:nvSpPr>
         <p:spPr>
           <a:xfrm>
-            <a:off x="7736859" y="1351382"/>
-            <a:ext cx="2568395" cy="369332"/>
+            <a:off x="1470205" y="4551782"/>
+            <a:ext cx="3497304" cy="646331"/>
           </a:xfrm>
           <a:prstGeom prst="rect">
             <a:avLst/>
@@ -10872,12 +13460,16 @@
           <a:lstStyle/>
           <a:p>
             <a:r>
+              <a:rPr lang="de-DE" dirty="0" err="1"/>
+              <a:t>Local</a:t>
+            </a:r>
+            <a:r>
               <a:rPr lang="de-DE" dirty="0"/>
-              <a:t>Solution: </a:t>
+              <a:t> Renderer </a:t>
             </a:r>
             <a:r>
               <a:rPr lang="de-DE" dirty="0" err="1"/>
-              <a:t>patch</a:t>
+              <a:t>implemented</a:t>
             </a:r>
             <a:r>
               <a:rPr lang="de-DE" dirty="0"/>
@@ -10885,7 +13477,25 @@
             </a:r>
             <a:r>
               <a:rPr lang="de-DE" dirty="0" err="1"/>
-              <a:t>rendering</a:t>
+              <a:t>using</a:t>
+            </a:r>
+            <a:r>
+              <a:rPr lang="de-DE" dirty="0"/>
+              <a:t> </a:t>
+            </a:r>
+          </a:p>
+          <a:p>
+            <a:r>
+              <a:rPr lang="de-DE" dirty="0" err="1"/>
+              <a:t>PyTorch</a:t>
+            </a:r>
+            <a:r>
+              <a:rPr lang="de-DE" dirty="0"/>
+              <a:t> </a:t>
+            </a:r>
+            <a:r>
+              <a:rPr lang="de-DE" dirty="0" err="1"/>
+              <a:t>Operations</a:t>
             </a:r>
             <a:endParaRPr lang="de-DE" dirty="0"/>
           </a:p>
@@ -10893,10 +13503,10 @@
       </p:sp>
       <p:sp>
         <p:nvSpPr>
-          <p:cNvPr id="39" name="Textfeld 38">
-            <a:extLst>
-              <a:ext uri="{FF2B5EF4-FFF2-40B4-BE49-F238E27FC236}">
-                <a16:creationId xmlns:a16="http://schemas.microsoft.com/office/drawing/2014/main" id="{7850D428-B2C1-4485-B1A6-1EE6767CE1F2}"/>
+          <p:cNvPr id="18" name="Textfeld 17">
+            <a:extLst>
+              <a:ext uri="{FF2B5EF4-FFF2-40B4-BE49-F238E27FC236}">
+                <a16:creationId xmlns:a16="http://schemas.microsoft.com/office/drawing/2014/main" id="{07A4F376-E4EE-4CC1-BF6B-9D982556125E}"/>
               </a:ext>
             </a:extLst>
           </p:cNvPr>
@@ -10905,8 +13515,8 @@
         </p:nvSpPr>
         <p:spPr>
           <a:xfrm>
-            <a:off x="947124" y="1560965"/>
-            <a:ext cx="3166123" cy="369332"/>
+            <a:off x="6874648" y="4551782"/>
+            <a:ext cx="3985450" cy="646331"/>
           </a:xfrm>
           <a:prstGeom prst="rect">
             <a:avLst/>
@@ -10920,8 +13530,30 @@
           <a:lstStyle/>
           <a:p>
             <a:r>
+              <a:rPr lang="de-DE" dirty="0"/>
+              <a:t>Redner (</a:t>
+            </a:r>
+            <a:r>
               <a:rPr lang="de-DE" dirty="0" err="1"/>
-              <a:t>No</a:t>
+              <a:t>pathtracer</a:t>
+            </a:r>
+            <a:r>
+              <a:rPr lang="de-DE" dirty="0"/>
+              <a:t>) </a:t>
+            </a:r>
+            <a:r>
+              <a:rPr lang="de-DE" dirty="0" err="1"/>
+              <a:t>implemented</a:t>
+            </a:r>
+            <a:r>
+              <a:rPr lang="de-DE" dirty="0"/>
+              <a:t> in C++</a:t>
+            </a:r>
+          </a:p>
+          <a:p>
+            <a:r>
+              <a:rPr lang="de-DE" dirty="0" err="1"/>
+              <a:t>with</a:t>
             </a:r>
             <a:r>
               <a:rPr lang="de-DE" dirty="0"/>
@@ -10929,7 +13561,7 @@
             </a:r>
             <a:r>
               <a:rPr lang="de-DE" dirty="0" err="1"/>
-              <a:t>data</a:t>
+              <a:t>PyTorch</a:t>
             </a:r>
             <a:r>
               <a:rPr lang="de-DE" dirty="0"/>
@@ -10937,163 +13569,16 @@
             </a:r>
             <a:r>
               <a:rPr lang="de-DE" dirty="0" err="1"/>
-              <a:t>for</a:t>
-            </a:r>
-            <a:r>
-              <a:rPr lang="de-DE" dirty="0"/>
-              <a:t> </a:t>
-            </a:r>
-            <a:r>
-              <a:rPr lang="de-DE" dirty="0" err="1"/>
-              <a:t>weight</a:t>
-            </a:r>
-            <a:r>
-              <a:rPr lang="de-DE" dirty="0"/>
-              <a:t> </a:t>
-            </a:r>
-            <a:r>
-              <a:rPr lang="de-DE" dirty="0" err="1"/>
-              <a:t>optimization</a:t>
+              <a:t>bindings</a:t>
             </a:r>
             <a:endParaRPr lang="de-DE" dirty="0"/>
           </a:p>
         </p:txBody>
       </p:sp>
-      <p:cxnSp>
-        <p:nvCxnSpPr>
-          <p:cNvPr id="37" name="Gerade Verbindung mit Pfeil 36">
-            <a:extLst>
-              <a:ext uri="{FF2B5EF4-FFF2-40B4-BE49-F238E27FC236}">
-                <a16:creationId xmlns:a16="http://schemas.microsoft.com/office/drawing/2014/main" id="{9FE58FC9-DA61-444D-9CE4-0B4ACE7D49BE}"/>
-              </a:ext>
-            </a:extLst>
-          </p:cNvPr>
-          <p:cNvCxnSpPr/>
-          <p:nvPr/>
-        </p:nvCxnSpPr>
-        <p:spPr>
-          <a:xfrm flipH="1">
-            <a:off x="1611086" y="1930297"/>
-            <a:ext cx="598714" cy="856446"/>
-          </a:xfrm>
-          <a:prstGeom prst="straightConnector1">
-            <a:avLst/>
-          </a:prstGeom>
-          <a:ln>
-            <a:solidFill>
-              <a:srgbClr val="C00000"/>
-            </a:solidFill>
-            <a:tailEnd type="triangle"/>
-          </a:ln>
-        </p:spPr>
-        <p:style>
-          <a:lnRef idx="1">
-            <a:schemeClr val="accent1"/>
-          </a:lnRef>
-          <a:fillRef idx="0">
-            <a:schemeClr val="accent1"/>
-          </a:fillRef>
-          <a:effectRef idx="0">
-            <a:schemeClr val="accent1"/>
-          </a:effectRef>
-          <a:fontRef idx="minor">
-            <a:schemeClr val="tx1"/>
-          </a:fontRef>
-        </p:style>
-      </p:cxnSp>
-      <p:cxnSp>
-        <p:nvCxnSpPr>
-          <p:cNvPr id="42" name="Gerade Verbindung mit Pfeil 41">
-            <a:extLst>
-              <a:ext uri="{FF2B5EF4-FFF2-40B4-BE49-F238E27FC236}">
-                <a16:creationId xmlns:a16="http://schemas.microsoft.com/office/drawing/2014/main" id="{25326434-B224-4542-AE8E-318410874DD2}"/>
-              </a:ext>
-            </a:extLst>
-          </p:cNvPr>
-          <p:cNvCxnSpPr>
-            <a:cxnSpLocks/>
-            <a:stCxn id="39" idx="2"/>
-          </p:cNvCxnSpPr>
-          <p:nvPr/>
-        </p:nvCxnSpPr>
-        <p:spPr>
-          <a:xfrm>
-            <a:off x="2530186" y="1930297"/>
-            <a:ext cx="23301" cy="977619"/>
-          </a:xfrm>
-          <a:prstGeom prst="straightConnector1">
-            <a:avLst/>
-          </a:prstGeom>
-          <a:ln>
-            <a:solidFill>
-              <a:srgbClr val="C00000"/>
-            </a:solidFill>
-            <a:tailEnd type="triangle"/>
-          </a:ln>
-        </p:spPr>
-        <p:style>
-          <a:lnRef idx="1">
-            <a:schemeClr val="accent1"/>
-          </a:lnRef>
-          <a:fillRef idx="0">
-            <a:schemeClr val="accent1"/>
-          </a:fillRef>
-          <a:effectRef idx="0">
-            <a:schemeClr val="accent1"/>
-          </a:effectRef>
-          <a:fontRef idx="minor">
-            <a:schemeClr val="tx1"/>
-          </a:fontRef>
-        </p:style>
-      </p:cxnSp>
-      <p:cxnSp>
-        <p:nvCxnSpPr>
-          <p:cNvPr id="45" name="Gerade Verbindung mit Pfeil 44">
-            <a:extLst>
-              <a:ext uri="{FF2B5EF4-FFF2-40B4-BE49-F238E27FC236}">
-                <a16:creationId xmlns:a16="http://schemas.microsoft.com/office/drawing/2014/main" id="{69E1A3C0-9619-42D4-93BF-8175D6F98D4F}"/>
-              </a:ext>
-            </a:extLst>
-          </p:cNvPr>
-          <p:cNvCxnSpPr>
-            <a:cxnSpLocks/>
-          </p:cNvCxnSpPr>
-          <p:nvPr/>
-        </p:nvCxnSpPr>
-        <p:spPr>
-          <a:xfrm>
-            <a:off x="2873762" y="1930297"/>
-            <a:ext cx="1315134" cy="557748"/>
-          </a:xfrm>
-          <a:prstGeom prst="straightConnector1">
-            <a:avLst/>
-          </a:prstGeom>
-          <a:ln>
-            <a:solidFill>
-              <a:srgbClr val="C00000"/>
-            </a:solidFill>
-            <a:tailEnd type="triangle"/>
-          </a:ln>
-        </p:spPr>
-        <p:style>
-          <a:lnRef idx="1">
-            <a:schemeClr val="accent1"/>
-          </a:lnRef>
-          <a:fillRef idx="0">
-            <a:schemeClr val="accent1"/>
-          </a:fillRef>
-          <a:effectRef idx="0">
-            <a:schemeClr val="accent1"/>
-          </a:effectRef>
-          <a:fontRef idx="minor">
-            <a:schemeClr val="tx1"/>
-          </a:fontRef>
-        </p:style>
-      </p:cxnSp>
     </p:spTree>
     <p:extLst>
       <p:ext uri="{BB962C8B-B14F-4D97-AF65-F5344CB8AC3E}">
-        <p14:creationId xmlns:p14="http://schemas.microsoft.com/office/powerpoint/2010/main" val="3968438379"/>
+        <p14:creationId xmlns:p14="http://schemas.microsoft.com/office/powerpoint/2010/main" val="3915011097"/>
       </p:ext>
     </p:extLst>
   </p:cSld>
